--- a/project_report.pptx
+++ b/project_report.pptx
@@ -5,8 +5,8 @@
     <p:sldMasterId id="2147483648" r:id="rId1"/>
   </p:sldMasterIdLst>
   <p:sldIdLst>
-    <p:sldId id="256" r:id="rId3"/>
-    <p:sldId id="257" r:id="rId4"/>
+    <p:sldId id="256" r:id="rId6"/>
+    <p:sldId id="257" r:id="rId7"/>
   </p:sldIdLst>
   <p:sldSz cx="7772400" cy="10058400"/>
   <p:notesSz cx="7772400" cy="10058400"/>
@@ -15,27 +15,11 @@
       <a:defRPr kern="0"/>
     </a:defPPr>
   </p:defaultTextStyle>
-  <p:extLst>
-    <p:ext uri="{EFAFB233-063F-42B5-8137-9DF3F51BA10A}">
-      <p15:sldGuideLst xmlns:p15="http://schemas.microsoft.com/office/powerpoint/2012/main">
-        <p15:guide id="1" orient="horz" pos="2880" userDrawn="1">
-          <p15:clr>
-            <a:srgbClr val="A4A3A4"/>
-          </p15:clr>
-        </p15:guide>
-        <p15:guide id="2" pos="2160" userDrawn="1">
-          <p15:clr>
-            <a:srgbClr val="A4A3A4"/>
-          </p15:clr>
-        </p15:guide>
-      </p15:sldGuideLst>
-    </p:ext>
-  </p:extLst>
 </p:presentation>
 </file>
 
 <file path=ppt/slideLayouts/slideLayout1.xml><?xml version="1.0" encoding="utf-8"?>
-<p:sldLayout xmlns:a="http://schemas.openxmlformats.org/drawingml/2006/main" xmlns:r="http://schemas.openxmlformats.org/officeDocument/2006/relationships" xmlns:p="http://schemas.openxmlformats.org/presentationml/2006/main" type="obj" preserve="1">
+<p:sldLayout xmlns:a="http://schemas.openxmlformats.org/drawingml/2006/main" xmlns:r="http://schemas.openxmlformats.org/officeDocument/2006/relationships" xmlns:p="http://schemas.openxmlformats.org/presentationml/2006/main" preserve="1" type="obj">
   <p:cSld name="Title Slide">
     <p:spTree>
       <p:nvGrpSpPr>
@@ -120,7 +104,7 @@
             <a:spLocks noGrp="1"/>
           </p:cNvSpPr>
           <p:nvPr>
-            <p:ph type="ftr" sz="quarter" idx="5"/>
+            <p:ph type="ftr" idx="5" sz="quarter"/>
           </p:nvPr>
         </p:nvSpPr>
         <p:spPr/>
@@ -147,7 +131,7 @@
             <a:spLocks noGrp="1"/>
           </p:cNvSpPr>
           <p:nvPr>
-            <p:ph type="dt" sz="half" idx="6"/>
+            <p:ph type="dt" idx="6" sz="half"/>
           </p:nvPr>
         </p:nvSpPr>
         <p:spPr/>
@@ -168,7 +152,6 @@
             <a:fld id="{1D8BD707-D9CF-40AE-B4C6-C98DA3205C09}" type="datetimeFigureOut">
               <a:rPr lang="en-US"/>
             </a:fld>
-            <a:endParaRPr lang="en-US"/>
           </a:p>
         </p:txBody>
       </p:sp>
@@ -179,7 +162,7 @@
             <a:spLocks noGrp="1"/>
           </p:cNvSpPr>
           <p:nvPr>
-            <p:ph type="sldNum" sz="quarter" idx="7"/>
+            <p:ph type="sldNum" idx="7" sz="quarter"/>
           </p:nvPr>
         </p:nvSpPr>
         <p:spPr/>
@@ -198,9 +181,8 @@
           </a:lstStyle>
           <a:p>
             <a:fld id="{B6F15528-21DE-4FAA-801E-634DDDAF4B2B}" type="slidenum">
-              <a:rPr/>
+              <a:t>#</a:t>
             </a:fld>
-            <a:endParaRPr/>
           </a:p>
         </p:txBody>
       </p:sp>
@@ -213,7 +195,7 @@
 </file>
 
 <file path=ppt/slideLayouts/slideLayout2.xml><?xml version="1.0" encoding="utf-8"?>
-<p:sldLayout xmlns:a="http://schemas.openxmlformats.org/drawingml/2006/main" xmlns:r="http://schemas.openxmlformats.org/officeDocument/2006/relationships" xmlns:p="http://schemas.openxmlformats.org/presentationml/2006/main" type="obj" preserve="1">
+<p:sldLayout xmlns:a="http://schemas.openxmlformats.org/drawingml/2006/main" xmlns:r="http://schemas.openxmlformats.org/officeDocument/2006/relationships" xmlns:p="http://schemas.openxmlformats.org/presentationml/2006/main" preserve="1" type="obj">
   <p:cSld name="Title and Content">
     <p:spTree>
       <p:nvGrpSpPr>
@@ -278,7 +260,7 @@
             <a:spLocks noGrp="1"/>
           </p:cNvSpPr>
           <p:nvPr>
-            <p:ph type="ftr" sz="quarter" idx="5"/>
+            <p:ph type="ftr" idx="5" sz="quarter"/>
           </p:nvPr>
         </p:nvSpPr>
         <p:spPr/>
@@ -305,7 +287,7 @@
             <a:spLocks noGrp="1"/>
           </p:cNvSpPr>
           <p:nvPr>
-            <p:ph type="dt" sz="half" idx="6"/>
+            <p:ph type="dt" idx="6" sz="half"/>
           </p:nvPr>
         </p:nvSpPr>
         <p:spPr/>
@@ -326,7 +308,6 @@
             <a:fld id="{1D8BD707-D9CF-40AE-B4C6-C98DA3205C09}" type="datetimeFigureOut">
               <a:rPr lang="en-US"/>
             </a:fld>
-            <a:endParaRPr lang="en-US"/>
           </a:p>
         </p:txBody>
       </p:sp>
@@ -337,7 +318,7 @@
             <a:spLocks noGrp="1"/>
           </p:cNvSpPr>
           <p:nvPr>
-            <p:ph type="sldNum" sz="quarter" idx="7"/>
+            <p:ph type="sldNum" idx="7" sz="quarter"/>
           </p:nvPr>
         </p:nvSpPr>
         <p:spPr/>
@@ -356,9 +337,8 @@
           </a:lstStyle>
           <a:p>
             <a:fld id="{B6F15528-21DE-4FAA-801E-634DDDAF4B2B}" type="slidenum">
-              <a:rPr/>
+              <a:t>#</a:t>
             </a:fld>
-            <a:endParaRPr/>
           </a:p>
         </p:txBody>
       </p:sp>
@@ -371,7 +351,7 @@
 </file>
 
 <file path=ppt/slideLayouts/slideLayout3.xml><?xml version="1.0" encoding="utf-8"?>
-<p:sldLayout xmlns:a="http://schemas.openxmlformats.org/drawingml/2006/main" xmlns:r="http://schemas.openxmlformats.org/officeDocument/2006/relationships" xmlns:p="http://schemas.openxmlformats.org/presentationml/2006/main" type="obj" preserve="1">
+<p:sldLayout xmlns:a="http://schemas.openxmlformats.org/drawingml/2006/main" xmlns:r="http://schemas.openxmlformats.org/officeDocument/2006/relationships" xmlns:p="http://schemas.openxmlformats.org/presentationml/2006/main" preserve="1" type="obj">
   <p:cSld name="Two Content">
     <p:spTree>
       <p:nvGrpSpPr>
@@ -415,7 +395,7 @@
             <a:spLocks noGrp="1"/>
           </p:cNvSpPr>
           <p:nvPr>
-            <p:ph sz="half" idx="2"/>
+            <p:ph idx="2" sz="half"/>
           </p:nvPr>
         </p:nvSpPr>
         <p:spPr>
@@ -446,7 +426,7 @@
             <a:spLocks noGrp="1"/>
           </p:cNvSpPr>
           <p:nvPr>
-            <p:ph sz="half" idx="3"/>
+            <p:ph idx="3" sz="half"/>
           </p:nvPr>
         </p:nvSpPr>
         <p:spPr>
@@ -477,7 +457,7 @@
             <a:spLocks noGrp="1"/>
           </p:cNvSpPr>
           <p:nvPr>
-            <p:ph type="ftr" sz="quarter" idx="5"/>
+            <p:ph type="ftr" idx="5" sz="quarter"/>
           </p:nvPr>
         </p:nvSpPr>
         <p:spPr/>
@@ -504,7 +484,7 @@
             <a:spLocks noGrp="1"/>
           </p:cNvSpPr>
           <p:nvPr>
-            <p:ph type="dt" sz="half" idx="6"/>
+            <p:ph type="dt" idx="6" sz="half"/>
           </p:nvPr>
         </p:nvSpPr>
         <p:spPr/>
@@ -525,7 +505,6 @@
             <a:fld id="{1D8BD707-D9CF-40AE-B4C6-C98DA3205C09}" type="datetimeFigureOut">
               <a:rPr lang="en-US"/>
             </a:fld>
-            <a:endParaRPr lang="en-US"/>
           </a:p>
         </p:txBody>
       </p:sp>
@@ -536,7 +515,7 @@
             <a:spLocks noGrp="1"/>
           </p:cNvSpPr>
           <p:nvPr>
-            <p:ph type="sldNum" sz="quarter" idx="7"/>
+            <p:ph type="sldNum" idx="7" sz="quarter"/>
           </p:nvPr>
         </p:nvSpPr>
         <p:spPr/>
@@ -555,9 +534,8 @@
           </a:lstStyle>
           <a:p>
             <a:fld id="{B6F15528-21DE-4FAA-801E-634DDDAF4B2B}" type="slidenum">
-              <a:rPr/>
+              <a:t>#</a:t>
             </a:fld>
-            <a:endParaRPr/>
           </a:p>
         </p:txBody>
       </p:sp>
@@ -570,7 +548,7 @@
 </file>
 
 <file path=ppt/slideLayouts/slideLayout4.xml><?xml version="1.0" encoding="utf-8"?>
-<p:sldLayout xmlns:a="http://schemas.openxmlformats.org/drawingml/2006/main" xmlns:r="http://schemas.openxmlformats.org/officeDocument/2006/relationships" xmlns:p="http://schemas.openxmlformats.org/presentationml/2006/main" type="obj" preserve="1">
+<p:sldLayout xmlns:a="http://schemas.openxmlformats.org/drawingml/2006/main" xmlns:r="http://schemas.openxmlformats.org/officeDocument/2006/relationships" xmlns:p="http://schemas.openxmlformats.org/presentationml/2006/main" preserve="1" type="obj">
   <p:cSld name="Title Only">
     <p:spTree>
       <p:nvGrpSpPr>
@@ -614,7 +592,7 @@
             <a:spLocks noGrp="1"/>
           </p:cNvSpPr>
           <p:nvPr>
-            <p:ph type="ftr" sz="quarter" idx="5"/>
+            <p:ph type="ftr" idx="5" sz="quarter"/>
           </p:nvPr>
         </p:nvSpPr>
         <p:spPr/>
@@ -641,7 +619,7 @@
             <a:spLocks noGrp="1"/>
           </p:cNvSpPr>
           <p:nvPr>
-            <p:ph type="dt" sz="half" idx="6"/>
+            <p:ph type="dt" idx="6" sz="half"/>
           </p:nvPr>
         </p:nvSpPr>
         <p:spPr/>
@@ -662,7 +640,6 @@
             <a:fld id="{1D8BD707-D9CF-40AE-B4C6-C98DA3205C09}" type="datetimeFigureOut">
               <a:rPr lang="en-US"/>
             </a:fld>
-            <a:endParaRPr lang="en-US"/>
           </a:p>
         </p:txBody>
       </p:sp>
@@ -673,7 +650,7 @@
             <a:spLocks noGrp="1"/>
           </p:cNvSpPr>
           <p:nvPr>
-            <p:ph type="sldNum" sz="quarter" idx="7"/>
+            <p:ph type="sldNum" idx="7" sz="quarter"/>
           </p:nvPr>
         </p:nvSpPr>
         <p:spPr/>
@@ -692,9 +669,8 @@
           </a:lstStyle>
           <a:p>
             <a:fld id="{B6F15528-21DE-4FAA-801E-634DDDAF4B2B}" type="slidenum">
-              <a:rPr/>
+              <a:t>#</a:t>
             </a:fld>
-            <a:endParaRPr/>
           </a:p>
         </p:txBody>
       </p:sp>
@@ -707,7 +683,7 @@
 </file>
 
 <file path=ppt/slideLayouts/slideLayout5.xml><?xml version="1.0" encoding="utf-8"?>
-<p:sldLayout xmlns:a="http://schemas.openxmlformats.org/drawingml/2006/main" xmlns:r="http://schemas.openxmlformats.org/officeDocument/2006/relationships" xmlns:p="http://schemas.openxmlformats.org/presentationml/2006/main" type="obj" preserve="1">
+<p:sldLayout xmlns:a="http://schemas.openxmlformats.org/drawingml/2006/main" xmlns:r="http://schemas.openxmlformats.org/officeDocument/2006/relationships" xmlns:p="http://schemas.openxmlformats.org/presentationml/2006/main" preserve="1" type="obj">
   <p:cSld name="Blank">
     <p:spTree>
       <p:nvGrpSpPr>
@@ -730,7 +706,7 @@
             <a:spLocks noGrp="1"/>
           </p:cNvSpPr>
           <p:nvPr>
-            <p:ph type="ftr" sz="quarter" idx="5"/>
+            <p:ph type="ftr" idx="5" sz="quarter"/>
           </p:nvPr>
         </p:nvSpPr>
         <p:spPr/>
@@ -757,7 +733,7 @@
             <a:spLocks noGrp="1"/>
           </p:cNvSpPr>
           <p:nvPr>
-            <p:ph type="dt" sz="half" idx="6"/>
+            <p:ph type="dt" idx="6" sz="half"/>
           </p:nvPr>
         </p:nvSpPr>
         <p:spPr/>
@@ -778,7 +754,6 @@
             <a:fld id="{1D8BD707-D9CF-40AE-B4C6-C98DA3205C09}" type="datetimeFigureOut">
               <a:rPr lang="en-US"/>
             </a:fld>
-            <a:endParaRPr lang="en-US"/>
           </a:p>
         </p:txBody>
       </p:sp>
@@ -789,7 +764,7 @@
             <a:spLocks noGrp="1"/>
           </p:cNvSpPr>
           <p:nvPr>
-            <p:ph type="sldNum" sz="quarter" idx="7"/>
+            <p:ph type="sldNum" idx="7" sz="quarter"/>
           </p:nvPr>
         </p:nvSpPr>
         <p:spPr/>
@@ -808,9 +783,8 @@
           </a:lstStyle>
           <a:p>
             <a:fld id="{B6F15528-21DE-4FAA-801E-634DDDAF4B2B}" type="slidenum">
-              <a:rPr/>
+              <a:t>#</a:t>
             </a:fld>
-            <a:endParaRPr/>
           </a:p>
         </p:txBody>
       </p:sp>
@@ -916,7 +890,7 @@
             <a:spLocks noGrp="1"/>
           </p:cNvSpPr>
           <p:nvPr>
-            <p:ph type="ftr" sz="quarter" idx="5"/>
+            <p:ph type="ftr" idx="5" sz="quarter"/>
           </p:nvPr>
         </p:nvSpPr>
         <p:spPr>
@@ -953,7 +927,7 @@
             <a:spLocks noGrp="1"/>
           </p:cNvSpPr>
           <p:nvPr>
-            <p:ph type="dt" sz="half" idx="6"/>
+            <p:ph type="dt" idx="6" sz="half"/>
           </p:nvPr>
         </p:nvSpPr>
         <p:spPr>
@@ -984,7 +958,6 @@
             <a:fld id="{1D8BD707-D9CF-40AE-B4C6-C98DA3205C09}" type="datetimeFigureOut">
               <a:rPr lang="en-US"/>
             </a:fld>
-            <a:endParaRPr lang="en-US"/>
           </a:p>
         </p:txBody>
       </p:sp>
@@ -995,7 +968,7 @@
             <a:spLocks noGrp="1"/>
           </p:cNvSpPr>
           <p:nvPr>
-            <p:ph type="sldNum" sz="quarter" idx="7"/>
+            <p:ph type="sldNum" idx="7" sz="quarter"/>
           </p:nvPr>
         </p:nvSpPr>
         <p:spPr>
@@ -1024,21 +997,20 @@
           </a:lstStyle>
           <a:p>
             <a:fld id="{B6F15528-21DE-4FAA-801E-634DDDAF4B2B}" type="slidenum">
-              <a:rPr/>
+              <a:t>#</a:t>
             </a:fld>
-            <a:endParaRPr/>
           </a:p>
         </p:txBody>
       </p:sp>
     </p:spTree>
   </p:cSld>
-  <p:clrMap bg1="lt1" tx1="dk1" bg2="lt2" tx2="dk2" accent1="accent1" accent2="accent2" accent3="accent3" accent4="accent4" accent5="accent5" accent6="accent6" hlink="hlink" folHlink="folHlink"/>
+  <p:clrMap folHlink="folHlink" hlink="hlink" accent1="accent1" accent2="accent2" accent3="accent3" accent4="accent4" accent5="accent5" accent6="accent6" tx2="dk2" bg2="lt2" tx1="dk1" bg1="lt1"/>
   <p:sldLayoutIdLst>
-    <p:sldLayoutId id="2147483649" r:id="rId1"/>
-    <p:sldLayoutId id="2147483650" r:id="rId2"/>
-    <p:sldLayoutId id="2147483651" r:id="rId3"/>
-    <p:sldLayoutId id="2147483652" r:id="rId4"/>
-    <p:sldLayoutId id="2147483653" r:id="rId5"/>
+    <p:sldLayoutId id="2147483661" r:id="rId1"/>
+    <p:sldLayoutId id="2147483662" r:id="rId2"/>
+    <p:sldLayoutId id="2147483663" r:id="rId3"/>
+    <p:sldLayoutId id="2147483664" r:id="rId4"/>
+    <p:sldLayoutId id="2147483665" r:id="rId5"/>
   </p:sldLayoutIdLst>
   <p:txStyles>
     <p:titleStyle>
@@ -1203,7 +1175,7 @@
       </p:grpSpPr>
       <p:sp>
         <p:nvSpPr>
-          <p:cNvPr id="2" name="object 2"/>
+          <p:cNvPr id="2" name="object 2" descr=""/>
           <p:cNvSpPr/>
           <p:nvPr/>
         </p:nvSpPr>
@@ -1219,7 +1191,7 @@
             <a:cxnLst/>
             <a:rect l="l" t="t" r="r" b="b"/>
             <a:pathLst>
-              <a:path w="6781800">
+              <a:path w="6781800" h="0">
                 <a:moveTo>
                   <a:pt x="0" y="0"/>
                 </a:moveTo>
@@ -1243,7 +1215,7 @@
       </p:sp>
       <p:sp>
         <p:nvSpPr>
-          <p:cNvPr id="3" name="object 3"/>
+          <p:cNvPr id="3" name="object 3" descr=""/>
           <p:cNvSpPr/>
           <p:nvPr/>
         </p:nvSpPr>
@@ -1259,7 +1231,7 @@
             <a:cxnLst/>
             <a:rect l="l" t="t" r="r" b="b"/>
             <a:pathLst>
-              <a:path w="6781800">
+              <a:path w="6781800" h="0">
                 <a:moveTo>
                   <a:pt x="0" y="0"/>
                 </a:moveTo>
@@ -1283,35 +1255,35 @@
       </p:sp>
       <p:sp>
         <p:nvSpPr>
-          <p:cNvPr id="4" name="object 4"/>
+          <p:cNvPr id="4" name="object 4" descr=""/>
           <p:cNvSpPr txBox="1"/>
           <p:nvPr/>
         </p:nvSpPr>
         <p:spPr>
           <a:xfrm>
             <a:off x="444500" y="409443"/>
-            <a:ext cx="6329045" cy="6436995"/>
+            <a:ext cx="6329045" cy="6157595"/>
           </a:xfrm>
           <a:prstGeom prst="rect">
             <a:avLst/>
           </a:prstGeom>
         </p:spPr>
         <p:txBody>
-          <a:bodyPr vert="horz" wrap="square" lIns="0" tIns="12700" rIns="0" bIns="0" rtlCol="0">
+          <a:bodyPr wrap="square" lIns="0" tIns="12700" rIns="0" bIns="0" rtlCol="0" vert="horz">
             <a:spAutoFit/>
           </a:bodyPr>
           <a:lstStyle/>
           <a:p>
             <a:pPr marL="12700" marR="3982720">
               <a:lnSpc>
-                <a:spcPct val="115000"/>
+                <a:spcPct val="114999"/>
               </a:lnSpc>
               <a:spcBef>
                 <a:spcPts val="100"/>
               </a:spcBef>
             </a:pPr>
             <a:r>
-              <a:rPr sz="1200" b="1" spc="-65" dirty="0">
+              <a:rPr dirty="0" sz="1200" spc="-65" b="1">
                 <a:solidFill>
                   <a:srgbClr val="404040"/>
                 </a:solidFill>
@@ -1321,17 +1293,17 @@
               <a:t>Header</a:t>
             </a:r>
             <a:r>
-              <a:rPr sz="1200" b="1" spc="-25" dirty="0">
-                <a:solidFill>
-                  <a:srgbClr val="404040"/>
-                </a:solidFill>
-                <a:latin typeface="Gill Sans MT"/>
-                <a:cs typeface="Gill Sans MT"/>
-              </a:rPr>
-              <a:t> </a:t>
-            </a:r>
-            <a:r>
-              <a:rPr sz="1200" b="1" spc="-90" dirty="0">
+              <a:rPr dirty="0" sz="1200" spc="-25" b="1">
+                <a:solidFill>
+                  <a:srgbClr val="404040"/>
+                </a:solidFill>
+                <a:latin typeface="Gill Sans MT"/>
+                <a:cs typeface="Gill Sans MT"/>
+              </a:rPr>
+              <a:t> </a:t>
+            </a:r>
+            <a:r>
+              <a:rPr dirty="0" sz="1200" spc="-90" b="1">
                 <a:solidFill>
                   <a:srgbClr val="404040"/>
                 </a:solidFill>
@@ -1341,7 +1313,7 @@
               <a:t>(Top</a:t>
             </a:r>
             <a:r>
-              <a:rPr sz="1200" b="1" spc="-20" dirty="0">
+              <a:rPr dirty="0" sz="1200" spc="-20" b="1">
                 <a:solidFill>
                   <a:srgbClr val="404040"/>
                 </a:solidFill>
@@ -1351,17 +1323,17 @@
               <a:t> Margin</a:t>
             </a:r>
             <a:r>
-              <a:rPr sz="1200" b="1" spc="-25" dirty="0">
-                <a:solidFill>
-                  <a:srgbClr val="404040"/>
-                </a:solidFill>
-                <a:latin typeface="Gill Sans MT"/>
-                <a:cs typeface="Gill Sans MT"/>
-              </a:rPr>
-              <a:t> </a:t>
-            </a:r>
-            <a:r>
-              <a:rPr sz="1200" b="1" dirty="0">
+              <a:rPr dirty="0" sz="1200" spc="-25" b="1">
+                <a:solidFill>
+                  <a:srgbClr val="404040"/>
+                </a:solidFill>
+                <a:latin typeface="Gill Sans MT"/>
+                <a:cs typeface="Gill Sans MT"/>
+              </a:rPr>
+              <a:t> </a:t>
+            </a:r>
+            <a:r>
+              <a:rPr dirty="0" sz="1200" b="1">
                 <a:solidFill>
                   <a:srgbClr val="404040"/>
                 </a:solidFill>
@@ -1371,17 +1343,17 @@
               <a:t>of</a:t>
             </a:r>
             <a:r>
-              <a:rPr sz="1200" b="1" spc="-20" dirty="0">
-                <a:solidFill>
-                  <a:srgbClr val="404040"/>
-                </a:solidFill>
-                <a:latin typeface="Gill Sans MT"/>
-                <a:cs typeface="Gill Sans MT"/>
-              </a:rPr>
-              <a:t> </a:t>
-            </a:r>
-            <a:r>
-              <a:rPr sz="1200" b="1" spc="-30" dirty="0">
+              <a:rPr dirty="0" sz="1200" spc="-20" b="1">
+                <a:solidFill>
+                  <a:srgbClr val="404040"/>
+                </a:solidFill>
+                <a:latin typeface="Gill Sans MT"/>
+                <a:cs typeface="Gill Sans MT"/>
+              </a:rPr>
+              <a:t> </a:t>
+            </a:r>
+            <a:r>
+              <a:rPr dirty="0" sz="1200" spc="-30" b="1">
                 <a:solidFill>
                   <a:srgbClr val="404040"/>
                 </a:solidFill>
@@ -1391,17 +1363,17 @@
               <a:t>First</a:t>
             </a:r>
             <a:r>
-              <a:rPr sz="1200" b="1" spc="-25" dirty="0">
-                <a:solidFill>
-                  <a:srgbClr val="404040"/>
-                </a:solidFill>
-                <a:latin typeface="Gill Sans MT"/>
-                <a:cs typeface="Gill Sans MT"/>
-              </a:rPr>
-              <a:t> </a:t>
-            </a:r>
-            <a:r>
-              <a:rPr sz="1200" b="1" spc="-10" dirty="0">
+              <a:rPr dirty="0" sz="1200" spc="-25" b="1">
+                <a:solidFill>
+                  <a:srgbClr val="404040"/>
+                </a:solidFill>
+                <a:latin typeface="Gill Sans MT"/>
+                <a:cs typeface="Gill Sans MT"/>
+              </a:rPr>
+              <a:t> </a:t>
+            </a:r>
+            <a:r>
+              <a:rPr dirty="0" sz="1200" spc="-10" b="1">
                 <a:solidFill>
                   <a:srgbClr val="404040"/>
                 </a:solidFill>
@@ -1411,7 +1383,7 @@
               <a:t>Page) </a:t>
             </a:r>
             <a:r>
-              <a:rPr sz="1200" b="1" spc="-40" dirty="0">
+              <a:rPr dirty="0" sz="1200" spc="-40" b="1">
                 <a:solidFill>
                   <a:srgbClr val="404040"/>
                 </a:solidFill>
@@ -1421,17 +1393,17 @@
               <a:t>Course</a:t>
             </a:r>
             <a:r>
-              <a:rPr sz="1200" b="1" spc="-10" dirty="0">
-                <a:solidFill>
-                  <a:srgbClr val="404040"/>
-                </a:solidFill>
-                <a:latin typeface="Gill Sans MT"/>
-                <a:cs typeface="Gill Sans MT"/>
-              </a:rPr>
-              <a:t> </a:t>
-            </a:r>
-            <a:r>
-              <a:rPr sz="1200" b="1" spc="-55" dirty="0">
+              <a:rPr dirty="0" sz="1200" spc="-10" b="1">
+                <a:solidFill>
+                  <a:srgbClr val="404040"/>
+                </a:solidFill>
+                <a:latin typeface="Gill Sans MT"/>
+                <a:cs typeface="Gill Sans MT"/>
+              </a:rPr>
+              <a:t> </a:t>
+            </a:r>
+            <a:r>
+              <a:rPr dirty="0" sz="1200" spc="-55" b="1">
                 <a:solidFill>
                   <a:srgbClr val="404040"/>
                 </a:solidFill>
@@ -1441,77 +1413,77 @@
               <a:t>Code:</a:t>
             </a:r>
             <a:r>
-              <a:rPr sz="1200" b="1" spc="-5" dirty="0">
-                <a:solidFill>
-                  <a:srgbClr val="404040"/>
-                </a:solidFill>
-                <a:latin typeface="Gill Sans MT"/>
-                <a:cs typeface="Gill Sans MT"/>
-              </a:rPr>
-              <a:t> </a:t>
-            </a:r>
-            <a:r>
-              <a:rPr sz="1200" spc="80" dirty="0">
-                <a:solidFill>
-                  <a:srgbClr val="404040"/>
-                </a:solidFill>
-                <a:latin typeface="Trebuchet MS" panose="020B0603020202020204"/>
-                <a:cs typeface="Trebuchet MS" panose="020B0603020202020204"/>
+              <a:rPr dirty="0" sz="1200" spc="-5" b="1">
+                <a:solidFill>
+                  <a:srgbClr val="404040"/>
+                </a:solidFill>
+                <a:latin typeface="Gill Sans MT"/>
+                <a:cs typeface="Gill Sans MT"/>
+              </a:rPr>
+              <a:t> </a:t>
+            </a:r>
+            <a:r>
+              <a:rPr dirty="0" sz="1200" spc="80">
+                <a:solidFill>
+                  <a:srgbClr val="404040"/>
+                </a:solidFill>
+                <a:latin typeface="Trebuchet MS"/>
+                <a:cs typeface="Trebuchet MS"/>
               </a:rPr>
               <a:t>CSE</a:t>
             </a:r>
             <a:r>
-              <a:rPr sz="1200" spc="-35" dirty="0">
-                <a:solidFill>
-                  <a:srgbClr val="404040"/>
-                </a:solidFill>
-                <a:latin typeface="Trebuchet MS" panose="020B0603020202020204"/>
-                <a:cs typeface="Trebuchet MS" panose="020B0603020202020204"/>
-              </a:rPr>
-              <a:t> </a:t>
-            </a:r>
-            <a:r>
-              <a:rPr sz="1200" dirty="0">
-                <a:solidFill>
-                  <a:srgbClr val="404040"/>
-                </a:solidFill>
-                <a:latin typeface="Trebuchet MS" panose="020B0603020202020204"/>
-                <a:cs typeface="Trebuchet MS" panose="020B0603020202020204"/>
+              <a:rPr dirty="0" sz="1200" spc="-35">
+                <a:solidFill>
+                  <a:srgbClr val="404040"/>
+                </a:solidFill>
+                <a:latin typeface="Trebuchet MS"/>
+                <a:cs typeface="Trebuchet MS"/>
+              </a:rPr>
+              <a:t> </a:t>
+            </a:r>
+            <a:r>
+              <a:rPr dirty="0" sz="1200">
+                <a:solidFill>
+                  <a:srgbClr val="404040"/>
+                </a:solidFill>
+                <a:latin typeface="Trebuchet MS"/>
+                <a:cs typeface="Trebuchet MS"/>
               </a:rPr>
               <a:t>115</a:t>
             </a:r>
             <a:r>
-              <a:rPr sz="1200" spc="-30" dirty="0">
-                <a:solidFill>
-                  <a:srgbClr val="404040"/>
-                </a:solidFill>
-                <a:latin typeface="Trebuchet MS" panose="020B0603020202020204"/>
-                <a:cs typeface="Trebuchet MS" panose="020B0603020202020204"/>
-              </a:rPr>
-              <a:t> </a:t>
-            </a:r>
-            <a:r>
-              <a:rPr sz="1200" spc="-340" dirty="0">
-                <a:solidFill>
-                  <a:srgbClr val="404040"/>
-                </a:solidFill>
-                <a:latin typeface="Trebuchet MS" panose="020B0603020202020204"/>
-                <a:cs typeface="Trebuchet MS" panose="020B0603020202020204"/>
+              <a:rPr dirty="0" sz="1200" spc="-30">
+                <a:solidFill>
+                  <a:srgbClr val="404040"/>
+                </a:solidFill>
+                <a:latin typeface="Trebuchet MS"/>
+                <a:cs typeface="Trebuchet MS"/>
+              </a:rPr>
+              <a:t> </a:t>
+            </a:r>
+            <a:r>
+              <a:rPr dirty="0" sz="1200" spc="-340">
+                <a:solidFill>
+                  <a:srgbClr val="404040"/>
+                </a:solidFill>
+                <a:latin typeface="Trebuchet MS"/>
+                <a:cs typeface="Trebuchet MS"/>
               </a:rPr>
               <a:t>|</a:t>
             </a:r>
             <a:r>
-              <a:rPr sz="1200" spc="-30" dirty="0">
-                <a:solidFill>
-                  <a:srgbClr val="404040"/>
-                </a:solidFill>
-                <a:latin typeface="Trebuchet MS" panose="020B0603020202020204"/>
-                <a:cs typeface="Trebuchet MS" panose="020B0603020202020204"/>
-              </a:rPr>
-              <a:t> </a:t>
-            </a:r>
-            <a:r>
-              <a:rPr sz="1200" b="1" spc="-65" dirty="0">
+              <a:rPr dirty="0" sz="1200" spc="-30">
+                <a:solidFill>
+                  <a:srgbClr val="404040"/>
+                </a:solidFill>
+                <a:latin typeface="Trebuchet MS"/>
+                <a:cs typeface="Trebuchet MS"/>
+              </a:rPr>
+              <a:t> </a:t>
+            </a:r>
+            <a:r>
+              <a:rPr dirty="0" sz="1200" spc="-65" b="1">
                 <a:solidFill>
                   <a:srgbClr val="404040"/>
                 </a:solidFill>
@@ -1521,36 +1493,27 @@
               <a:t>Group:</a:t>
             </a:r>
             <a:r>
-              <a:rPr sz="1200" b="1" spc="-10" dirty="0">
-                <a:solidFill>
-                  <a:srgbClr val="404040"/>
-                </a:solidFill>
-                <a:latin typeface="Gill Sans MT"/>
-                <a:cs typeface="Gill Sans MT"/>
-              </a:rPr>
-              <a:t> </a:t>
-            </a:r>
-            <a:r>
-              <a:rPr sz="1200" spc="-50" dirty="0">
-                <a:solidFill>
-                  <a:srgbClr val="404040"/>
-                </a:solidFill>
-                <a:latin typeface="Trebuchet MS" panose="020B0603020202020204"/>
-                <a:cs typeface="Trebuchet MS" panose="020B0603020202020204"/>
+              <a:rPr dirty="0" sz="1200" spc="-10" b="1">
+                <a:solidFill>
+                  <a:srgbClr val="404040"/>
+                </a:solidFill>
+                <a:latin typeface="Gill Sans MT"/>
+                <a:cs typeface="Gill Sans MT"/>
+              </a:rPr>
+              <a:t> </a:t>
+            </a:r>
+            <a:r>
+              <a:rPr dirty="0" sz="1200" spc="-50">
+                <a:solidFill>
+                  <a:srgbClr val="404040"/>
+                </a:solidFill>
+                <a:latin typeface="Trebuchet MS"/>
+                <a:cs typeface="Trebuchet MS"/>
               </a:rPr>
               <a:t>3 </a:t>
             </a:r>
-            <a:br>
-              <a:rPr sz="1200" spc="-50" dirty="0">
-                <a:solidFill>
-                  <a:srgbClr val="404040"/>
-                </a:solidFill>
-                <a:latin typeface="Trebuchet MS" panose="020B0603020202020204"/>
-                <a:cs typeface="Trebuchet MS" panose="020B0603020202020204"/>
-              </a:rPr>
-            </a:br>
-            <a:r>
-              <a:rPr sz="1200" b="1" spc="-10" dirty="0">
+            <a:r>
+              <a:rPr dirty="0" sz="1200" spc="-10" b="1">
                 <a:solidFill>
                   <a:srgbClr val="404040"/>
                 </a:solidFill>
@@ -1578,138 +1541,138 @@
               </a:tabLst>
             </a:pPr>
             <a:r>
-              <a:rPr sz="1200" spc="-10" dirty="0">
-                <a:solidFill>
-                  <a:srgbClr val="404040"/>
-                </a:solidFill>
-                <a:latin typeface="Trebuchet MS" panose="020B0603020202020204"/>
-                <a:cs typeface="Trebuchet MS" panose="020B0603020202020204"/>
+              <a:rPr dirty="0" sz="1200" spc="-10">
+                <a:solidFill>
+                  <a:srgbClr val="404040"/>
+                </a:solidFill>
+                <a:latin typeface="Trebuchet MS"/>
+                <a:cs typeface="Trebuchet MS"/>
               </a:rPr>
               <a:t>Fardin</a:t>
             </a:r>
             <a:r>
-              <a:rPr sz="1200" spc="75" dirty="0">
-                <a:solidFill>
-                  <a:srgbClr val="404040"/>
-                </a:solidFill>
-                <a:latin typeface="Trebuchet MS" panose="020B0603020202020204"/>
-                <a:cs typeface="Trebuchet MS" panose="020B0603020202020204"/>
-              </a:rPr>
-              <a:t> </a:t>
-            </a:r>
-            <a:r>
-              <a:rPr sz="1200" dirty="0">
-                <a:solidFill>
-                  <a:srgbClr val="404040"/>
-                </a:solidFill>
-                <a:latin typeface="Trebuchet MS" panose="020B0603020202020204"/>
-                <a:cs typeface="Trebuchet MS" panose="020B0603020202020204"/>
+              <a:rPr dirty="0" sz="1200" spc="75">
+                <a:solidFill>
+                  <a:srgbClr val="404040"/>
+                </a:solidFill>
+                <a:latin typeface="Trebuchet MS"/>
+                <a:cs typeface="Trebuchet MS"/>
+              </a:rPr>
+              <a:t> </a:t>
+            </a:r>
+            <a:r>
+              <a:rPr dirty="0" sz="1200">
+                <a:solidFill>
+                  <a:srgbClr val="404040"/>
+                </a:solidFill>
+                <a:latin typeface="Trebuchet MS"/>
+                <a:cs typeface="Trebuchet MS"/>
               </a:rPr>
               <a:t>Hossain</a:t>
             </a:r>
             <a:r>
-              <a:rPr sz="1200" spc="80" dirty="0">
-                <a:solidFill>
-                  <a:srgbClr val="404040"/>
-                </a:solidFill>
-                <a:latin typeface="Trebuchet MS" panose="020B0603020202020204"/>
-                <a:cs typeface="Trebuchet MS" panose="020B0603020202020204"/>
-              </a:rPr>
-              <a:t> </a:t>
-            </a:r>
-            <a:r>
-              <a:rPr sz="1200" spc="-35" dirty="0">
-                <a:solidFill>
-                  <a:srgbClr val="404040"/>
-                </a:solidFill>
-                <a:latin typeface="Trebuchet MS" panose="020B0603020202020204"/>
-                <a:cs typeface="Trebuchet MS" panose="020B0603020202020204"/>
+              <a:rPr dirty="0" sz="1200" spc="80">
+                <a:solidFill>
+                  <a:srgbClr val="404040"/>
+                </a:solidFill>
+                <a:latin typeface="Trebuchet MS"/>
+                <a:cs typeface="Trebuchet MS"/>
+              </a:rPr>
+              <a:t> </a:t>
+            </a:r>
+            <a:r>
+              <a:rPr dirty="0" sz="1200" spc="-35">
+                <a:solidFill>
+                  <a:srgbClr val="404040"/>
+                </a:solidFill>
+                <a:latin typeface="Trebuchet MS"/>
+                <a:cs typeface="Trebuchet MS"/>
               </a:rPr>
               <a:t>(ID:</a:t>
             </a:r>
             <a:r>
-              <a:rPr sz="1200" spc="75" dirty="0">
-                <a:solidFill>
-                  <a:srgbClr val="404040"/>
-                </a:solidFill>
-                <a:latin typeface="Trebuchet MS" panose="020B0603020202020204"/>
-                <a:cs typeface="Trebuchet MS" panose="020B0603020202020204"/>
-              </a:rPr>
-              <a:t> </a:t>
-            </a:r>
-            <a:r>
-              <a:rPr sz="1200" dirty="0">
-                <a:solidFill>
-                  <a:srgbClr val="404040"/>
-                </a:solidFill>
-                <a:latin typeface="Trebuchet MS" panose="020B0603020202020204"/>
-                <a:cs typeface="Trebuchet MS" panose="020B0603020202020204"/>
+              <a:rPr dirty="0" sz="1200" spc="75">
+                <a:solidFill>
+                  <a:srgbClr val="404040"/>
+                </a:solidFill>
+                <a:latin typeface="Trebuchet MS"/>
+                <a:cs typeface="Trebuchet MS"/>
+              </a:rPr>
+              <a:t> </a:t>
+            </a:r>
+            <a:r>
+              <a:rPr dirty="0" sz="1200">
+                <a:solidFill>
+                  <a:srgbClr val="404040"/>
+                </a:solidFill>
+                <a:latin typeface="Trebuchet MS"/>
+                <a:cs typeface="Trebuchet MS"/>
               </a:rPr>
               <a:t>2512532642)</a:t>
             </a:r>
             <a:r>
-              <a:rPr sz="1200" spc="80" dirty="0">
-                <a:solidFill>
-                  <a:srgbClr val="404040"/>
-                </a:solidFill>
-                <a:latin typeface="Trebuchet MS" panose="020B0603020202020204"/>
-                <a:cs typeface="Trebuchet MS" panose="020B0603020202020204"/>
-              </a:rPr>
-              <a:t> </a:t>
-            </a:r>
-            <a:r>
-              <a:rPr sz="1200" spc="-114" dirty="0">
-                <a:solidFill>
-                  <a:srgbClr val="404040"/>
-                </a:solidFill>
-                <a:latin typeface="Trebuchet MS" panose="020B0603020202020204"/>
-                <a:cs typeface="Trebuchet MS" panose="020B0603020202020204"/>
+              <a:rPr dirty="0" sz="1200" spc="80">
+                <a:solidFill>
+                  <a:srgbClr val="404040"/>
+                </a:solidFill>
+                <a:latin typeface="Trebuchet MS"/>
+                <a:cs typeface="Trebuchet MS"/>
+              </a:rPr>
+              <a:t> </a:t>
+            </a:r>
+            <a:r>
+              <a:rPr dirty="0" sz="1200" spc="-114">
+                <a:solidFill>
+                  <a:srgbClr val="404040"/>
+                </a:solidFill>
+                <a:latin typeface="Trebuchet MS"/>
+                <a:cs typeface="Trebuchet MS"/>
               </a:rPr>
               <a:t>-</a:t>
             </a:r>
             <a:r>
-              <a:rPr sz="1200" spc="75" dirty="0">
-                <a:solidFill>
-                  <a:srgbClr val="404040"/>
-                </a:solidFill>
-                <a:latin typeface="Trebuchet MS" panose="020B0603020202020204"/>
-                <a:cs typeface="Trebuchet MS" panose="020B0603020202020204"/>
-              </a:rPr>
-              <a:t> </a:t>
-            </a:r>
-            <a:r>
-              <a:rPr sz="1200" dirty="0">
-                <a:solidFill>
-                  <a:srgbClr val="404040"/>
-                </a:solidFill>
-                <a:latin typeface="Trebuchet MS" panose="020B0603020202020204"/>
-                <a:cs typeface="Trebuchet MS" panose="020B0603020202020204"/>
+              <a:rPr dirty="0" sz="1200" spc="75">
+                <a:solidFill>
+                  <a:srgbClr val="404040"/>
+                </a:solidFill>
+                <a:latin typeface="Trebuchet MS"/>
+                <a:cs typeface="Trebuchet MS"/>
+              </a:rPr>
+              <a:t> </a:t>
+            </a:r>
+            <a:r>
+              <a:rPr dirty="0" sz="1200">
+                <a:solidFill>
+                  <a:srgbClr val="404040"/>
+                </a:solidFill>
+                <a:latin typeface="Trebuchet MS"/>
+                <a:cs typeface="Trebuchet MS"/>
               </a:rPr>
               <a:t>Game</a:t>
             </a:r>
             <a:r>
-              <a:rPr sz="1200" spc="80" dirty="0">
-                <a:solidFill>
-                  <a:srgbClr val="404040"/>
-                </a:solidFill>
-                <a:latin typeface="Trebuchet MS" panose="020B0603020202020204"/>
-                <a:cs typeface="Trebuchet MS" panose="020B0603020202020204"/>
-              </a:rPr>
-              <a:t> </a:t>
-            </a:r>
-            <a:r>
-              <a:rPr sz="1200" spc="-10" dirty="0">
-                <a:solidFill>
-                  <a:srgbClr val="404040"/>
-                </a:solidFill>
-                <a:latin typeface="Trebuchet MS" panose="020B0603020202020204"/>
-                <a:cs typeface="Trebuchet MS" panose="020B0603020202020204"/>
+              <a:rPr dirty="0" sz="1200" spc="80">
+                <a:solidFill>
+                  <a:srgbClr val="404040"/>
+                </a:solidFill>
+                <a:latin typeface="Trebuchet MS"/>
+                <a:cs typeface="Trebuchet MS"/>
+              </a:rPr>
+              <a:t> </a:t>
+            </a:r>
+            <a:r>
+              <a:rPr dirty="0" sz="1200" spc="-10">
+                <a:solidFill>
+                  <a:srgbClr val="404040"/>
+                </a:solidFill>
+                <a:latin typeface="Trebuchet MS"/>
+                <a:cs typeface="Trebuchet MS"/>
               </a:rPr>
               <a:t>Initialization</a:t>
             </a:r>
             <a:endParaRPr sz="1200">
-              <a:latin typeface="Trebuchet MS" panose="020B0603020202020204"/>
-              <a:cs typeface="Trebuchet MS" panose="020B0603020202020204"/>
+              <a:latin typeface="Trebuchet MS"/>
+              <a:cs typeface="Trebuchet MS"/>
             </a:endParaRPr>
           </a:p>
           <a:p>
@@ -1726,138 +1689,138 @@
               </a:tabLst>
             </a:pPr>
             <a:r>
-              <a:rPr sz="1200" dirty="0">
-                <a:solidFill>
-                  <a:srgbClr val="404040"/>
-                </a:solidFill>
-                <a:latin typeface="Trebuchet MS" panose="020B0603020202020204"/>
-                <a:cs typeface="Trebuchet MS" panose="020B0603020202020204"/>
+              <a:rPr dirty="0" sz="1200">
+                <a:solidFill>
+                  <a:srgbClr val="404040"/>
+                </a:solidFill>
+                <a:latin typeface="Trebuchet MS"/>
+                <a:cs typeface="Trebuchet MS"/>
               </a:rPr>
               <a:t>Jayonti Sarkar</a:t>
             </a:r>
             <a:r>
-              <a:rPr sz="1200" spc="5" dirty="0">
-                <a:solidFill>
-                  <a:srgbClr val="404040"/>
-                </a:solidFill>
-                <a:latin typeface="Trebuchet MS" panose="020B0603020202020204"/>
-                <a:cs typeface="Trebuchet MS" panose="020B0603020202020204"/>
-              </a:rPr>
-              <a:t> </a:t>
-            </a:r>
-            <a:r>
-              <a:rPr sz="1200" spc="-35" dirty="0">
-                <a:solidFill>
-                  <a:srgbClr val="404040"/>
-                </a:solidFill>
-                <a:latin typeface="Trebuchet MS" panose="020B0603020202020204"/>
-                <a:cs typeface="Trebuchet MS" panose="020B0603020202020204"/>
+              <a:rPr dirty="0" sz="1200" spc="5">
+                <a:solidFill>
+                  <a:srgbClr val="404040"/>
+                </a:solidFill>
+                <a:latin typeface="Trebuchet MS"/>
+                <a:cs typeface="Trebuchet MS"/>
+              </a:rPr>
+              <a:t> </a:t>
+            </a:r>
+            <a:r>
+              <a:rPr dirty="0" sz="1200" spc="-35">
+                <a:solidFill>
+                  <a:srgbClr val="404040"/>
+                </a:solidFill>
+                <a:latin typeface="Trebuchet MS"/>
+                <a:cs typeface="Trebuchet MS"/>
               </a:rPr>
               <a:t>(ID:</a:t>
             </a:r>
             <a:r>
-              <a:rPr sz="1200" spc="5" dirty="0">
-                <a:solidFill>
-                  <a:srgbClr val="404040"/>
-                </a:solidFill>
-                <a:latin typeface="Trebuchet MS" panose="020B0603020202020204"/>
-                <a:cs typeface="Trebuchet MS" panose="020B0603020202020204"/>
-              </a:rPr>
-              <a:t> </a:t>
-            </a:r>
-            <a:r>
-              <a:rPr sz="1200" dirty="0">
-                <a:solidFill>
-                  <a:srgbClr val="404040"/>
-                </a:solidFill>
-                <a:latin typeface="Trebuchet MS" panose="020B0603020202020204"/>
-                <a:cs typeface="Trebuchet MS" panose="020B0603020202020204"/>
+              <a:rPr dirty="0" sz="1200" spc="5">
+                <a:solidFill>
+                  <a:srgbClr val="404040"/>
+                </a:solidFill>
+                <a:latin typeface="Trebuchet MS"/>
+                <a:cs typeface="Trebuchet MS"/>
+              </a:rPr>
+              <a:t> </a:t>
+            </a:r>
+            <a:r>
+              <a:rPr dirty="0" sz="1200">
+                <a:solidFill>
+                  <a:srgbClr val="404040"/>
+                </a:solidFill>
+                <a:latin typeface="Trebuchet MS"/>
+                <a:cs typeface="Trebuchet MS"/>
               </a:rPr>
               <a:t>1911069042</a:t>
             </a:r>
             <a:r>
-              <a:rPr sz="1200" spc="5" dirty="0">
-                <a:solidFill>
-                  <a:srgbClr val="404040"/>
-                </a:solidFill>
-                <a:latin typeface="Trebuchet MS" panose="020B0603020202020204"/>
-                <a:cs typeface="Trebuchet MS" panose="020B0603020202020204"/>
-              </a:rPr>
-              <a:t> </a:t>
-            </a:r>
-            <a:r>
-              <a:rPr sz="1200" dirty="0">
-                <a:solidFill>
-                  <a:srgbClr val="404040"/>
-                </a:solidFill>
-                <a:latin typeface="Trebuchet MS" panose="020B0603020202020204"/>
-                <a:cs typeface="Trebuchet MS" panose="020B0603020202020204"/>
+              <a:rPr dirty="0" sz="1200" spc="5">
+                <a:solidFill>
+                  <a:srgbClr val="404040"/>
+                </a:solidFill>
+                <a:latin typeface="Trebuchet MS"/>
+                <a:cs typeface="Trebuchet MS"/>
+              </a:rPr>
+              <a:t> </a:t>
+            </a:r>
+            <a:r>
+              <a:rPr dirty="0" sz="1200">
+                <a:solidFill>
+                  <a:srgbClr val="404040"/>
+                </a:solidFill>
+                <a:latin typeface="Trebuchet MS"/>
+                <a:cs typeface="Trebuchet MS"/>
               </a:rPr>
               <a:t>)</a:t>
             </a:r>
             <a:r>
-              <a:rPr sz="1200" spc="5" dirty="0">
-                <a:solidFill>
-                  <a:srgbClr val="404040"/>
-                </a:solidFill>
-                <a:latin typeface="Trebuchet MS" panose="020B0603020202020204"/>
-                <a:cs typeface="Trebuchet MS" panose="020B0603020202020204"/>
-              </a:rPr>
-              <a:t> </a:t>
-            </a:r>
-            <a:r>
-              <a:rPr sz="1200" spc="-114" dirty="0">
-                <a:solidFill>
-                  <a:srgbClr val="404040"/>
-                </a:solidFill>
-                <a:latin typeface="Trebuchet MS" panose="020B0603020202020204"/>
-                <a:cs typeface="Trebuchet MS" panose="020B0603020202020204"/>
+              <a:rPr dirty="0" sz="1200" spc="5">
+                <a:solidFill>
+                  <a:srgbClr val="404040"/>
+                </a:solidFill>
+                <a:latin typeface="Trebuchet MS"/>
+                <a:cs typeface="Trebuchet MS"/>
+              </a:rPr>
+              <a:t> </a:t>
+            </a:r>
+            <a:r>
+              <a:rPr dirty="0" sz="1200" spc="-114">
+                <a:solidFill>
+                  <a:srgbClr val="404040"/>
+                </a:solidFill>
+                <a:latin typeface="Trebuchet MS"/>
+                <a:cs typeface="Trebuchet MS"/>
               </a:rPr>
               <a:t>-</a:t>
             </a:r>
             <a:r>
-              <a:rPr sz="1200" spc="5" dirty="0">
-                <a:solidFill>
-                  <a:srgbClr val="404040"/>
-                </a:solidFill>
-                <a:latin typeface="Trebuchet MS" panose="020B0603020202020204"/>
-                <a:cs typeface="Trebuchet MS" panose="020B0603020202020204"/>
-              </a:rPr>
-              <a:t> </a:t>
-            </a:r>
-            <a:r>
-              <a:rPr sz="1200" spc="-20" dirty="0">
-                <a:solidFill>
-                  <a:srgbClr val="404040"/>
-                </a:solidFill>
-                <a:latin typeface="Trebuchet MS" panose="020B0603020202020204"/>
-                <a:cs typeface="Trebuchet MS" panose="020B0603020202020204"/>
+              <a:rPr dirty="0" sz="1200" spc="5">
+                <a:solidFill>
+                  <a:srgbClr val="404040"/>
+                </a:solidFill>
+                <a:latin typeface="Trebuchet MS"/>
+                <a:cs typeface="Trebuchet MS"/>
+              </a:rPr>
+              <a:t> </a:t>
+            </a:r>
+            <a:r>
+              <a:rPr dirty="0" sz="1200" spc="-20">
+                <a:solidFill>
+                  <a:srgbClr val="404040"/>
+                </a:solidFill>
+                <a:latin typeface="Trebuchet MS"/>
+                <a:cs typeface="Trebuchet MS"/>
               </a:rPr>
               <a:t>Input</a:t>
             </a:r>
             <a:r>
-              <a:rPr sz="1200" spc="5" dirty="0">
-                <a:solidFill>
-                  <a:srgbClr val="404040"/>
-                </a:solidFill>
-                <a:latin typeface="Trebuchet MS" panose="020B0603020202020204"/>
-                <a:cs typeface="Trebuchet MS" panose="020B0603020202020204"/>
-              </a:rPr>
-              <a:t> </a:t>
-            </a:r>
-            <a:r>
-              <a:rPr sz="1200" spc="-10" dirty="0">
-                <a:solidFill>
-                  <a:srgbClr val="404040"/>
-                </a:solidFill>
-                <a:latin typeface="Trebuchet MS" panose="020B0603020202020204"/>
-                <a:cs typeface="Trebuchet MS" panose="020B0603020202020204"/>
+              <a:rPr dirty="0" sz="1200" spc="5">
+                <a:solidFill>
+                  <a:srgbClr val="404040"/>
+                </a:solidFill>
+                <a:latin typeface="Trebuchet MS"/>
+                <a:cs typeface="Trebuchet MS"/>
+              </a:rPr>
+              <a:t> </a:t>
+            </a:r>
+            <a:r>
+              <a:rPr dirty="0" sz="1200" spc="-10">
+                <a:solidFill>
+                  <a:srgbClr val="404040"/>
+                </a:solidFill>
+                <a:latin typeface="Trebuchet MS"/>
+                <a:cs typeface="Trebuchet MS"/>
               </a:rPr>
               <a:t>Handling</a:t>
             </a:r>
             <a:endParaRPr sz="1200">
-              <a:latin typeface="Trebuchet MS" panose="020B0603020202020204"/>
-              <a:cs typeface="Trebuchet MS" panose="020B0603020202020204"/>
+              <a:latin typeface="Trebuchet MS"/>
+              <a:cs typeface="Trebuchet MS"/>
             </a:endParaRPr>
           </a:p>
           <a:p>
@@ -1866,7 +1829,7 @@
                 <a:spcPct val="100000"/>
               </a:lnSpc>
               <a:spcBef>
-                <a:spcPts val="220"/>
+                <a:spcPts val="219"/>
               </a:spcBef>
               <a:buAutoNum type="arabicPeriod"/>
               <a:tabLst>
@@ -1874,162 +1837,162 @@
               </a:tabLst>
             </a:pPr>
             <a:r>
-              <a:rPr sz="1200" dirty="0">
-                <a:solidFill>
-                  <a:srgbClr val="404040"/>
-                </a:solidFill>
-                <a:latin typeface="Trebuchet MS" panose="020B0603020202020204"/>
-                <a:cs typeface="Trebuchet MS" panose="020B0603020202020204"/>
+              <a:rPr dirty="0" sz="1200">
+                <a:solidFill>
+                  <a:srgbClr val="404040"/>
+                </a:solidFill>
+                <a:latin typeface="Trebuchet MS"/>
+                <a:cs typeface="Trebuchet MS"/>
               </a:rPr>
               <a:t>Aﬁf</a:t>
             </a:r>
             <a:r>
-              <a:rPr sz="1200" spc="25" dirty="0">
-                <a:solidFill>
-                  <a:srgbClr val="404040"/>
-                </a:solidFill>
-                <a:latin typeface="Trebuchet MS" panose="020B0603020202020204"/>
-                <a:cs typeface="Trebuchet MS" panose="020B0603020202020204"/>
-              </a:rPr>
-              <a:t> </a:t>
-            </a:r>
-            <a:r>
-              <a:rPr sz="1200" dirty="0">
-                <a:solidFill>
-                  <a:srgbClr val="404040"/>
-                </a:solidFill>
-                <a:latin typeface="Trebuchet MS" panose="020B0603020202020204"/>
-                <a:cs typeface="Trebuchet MS" panose="020B0603020202020204"/>
+              <a:rPr dirty="0" sz="1200" spc="25">
+                <a:solidFill>
+                  <a:srgbClr val="404040"/>
+                </a:solidFill>
+                <a:latin typeface="Trebuchet MS"/>
+                <a:cs typeface="Trebuchet MS"/>
+              </a:rPr>
+              <a:t> </a:t>
+            </a:r>
+            <a:r>
+              <a:rPr dirty="0" sz="1200">
+                <a:solidFill>
+                  <a:srgbClr val="404040"/>
+                </a:solidFill>
+                <a:latin typeface="Trebuchet MS"/>
+                <a:cs typeface="Trebuchet MS"/>
               </a:rPr>
               <a:t>Chowdhury</a:t>
             </a:r>
             <a:r>
-              <a:rPr sz="1200" spc="30" dirty="0">
-                <a:solidFill>
-                  <a:srgbClr val="404040"/>
-                </a:solidFill>
-                <a:latin typeface="Trebuchet MS" panose="020B0603020202020204"/>
-                <a:cs typeface="Trebuchet MS" panose="020B0603020202020204"/>
-              </a:rPr>
-              <a:t> </a:t>
-            </a:r>
-            <a:r>
-              <a:rPr sz="1200" spc="-35" dirty="0">
-                <a:solidFill>
-                  <a:srgbClr val="404040"/>
-                </a:solidFill>
-                <a:latin typeface="Trebuchet MS" panose="020B0603020202020204"/>
-                <a:cs typeface="Trebuchet MS" panose="020B0603020202020204"/>
+              <a:rPr dirty="0" sz="1200" spc="30">
+                <a:solidFill>
+                  <a:srgbClr val="404040"/>
+                </a:solidFill>
+                <a:latin typeface="Trebuchet MS"/>
+                <a:cs typeface="Trebuchet MS"/>
+              </a:rPr>
+              <a:t> </a:t>
+            </a:r>
+            <a:r>
+              <a:rPr dirty="0" sz="1200" spc="-35">
+                <a:solidFill>
+                  <a:srgbClr val="404040"/>
+                </a:solidFill>
+                <a:latin typeface="Trebuchet MS"/>
+                <a:cs typeface="Trebuchet MS"/>
               </a:rPr>
               <a:t>(ID:</a:t>
             </a:r>
             <a:r>
-              <a:rPr sz="1200" spc="30" dirty="0">
-                <a:solidFill>
-                  <a:srgbClr val="404040"/>
-                </a:solidFill>
-                <a:latin typeface="Trebuchet MS" panose="020B0603020202020204"/>
-                <a:cs typeface="Trebuchet MS" panose="020B0603020202020204"/>
-              </a:rPr>
-              <a:t> </a:t>
-            </a:r>
-            <a:r>
-              <a:rPr sz="1200" dirty="0">
-                <a:solidFill>
-                  <a:srgbClr val="404040"/>
-                </a:solidFill>
-                <a:latin typeface="Trebuchet MS" panose="020B0603020202020204"/>
-                <a:cs typeface="Trebuchet MS" panose="020B0603020202020204"/>
+              <a:rPr dirty="0" sz="1200" spc="30">
+                <a:solidFill>
+                  <a:srgbClr val="404040"/>
+                </a:solidFill>
+                <a:latin typeface="Trebuchet MS"/>
+                <a:cs typeface="Trebuchet MS"/>
+              </a:rPr>
+              <a:t> </a:t>
+            </a:r>
+            <a:r>
+              <a:rPr dirty="0" sz="1200">
+                <a:solidFill>
+                  <a:srgbClr val="404040"/>
+                </a:solidFill>
+                <a:latin typeface="Trebuchet MS"/>
+                <a:cs typeface="Trebuchet MS"/>
               </a:rPr>
               <a:t>2513880642</a:t>
             </a:r>
             <a:r>
-              <a:rPr sz="1200" spc="30" dirty="0">
-                <a:solidFill>
-                  <a:srgbClr val="404040"/>
-                </a:solidFill>
-                <a:latin typeface="Trebuchet MS" panose="020B0603020202020204"/>
-                <a:cs typeface="Trebuchet MS" panose="020B0603020202020204"/>
-              </a:rPr>
-              <a:t> </a:t>
-            </a:r>
-            <a:r>
-              <a:rPr sz="1200" dirty="0">
-                <a:solidFill>
-                  <a:srgbClr val="404040"/>
-                </a:solidFill>
-                <a:latin typeface="Trebuchet MS" panose="020B0603020202020204"/>
-                <a:cs typeface="Trebuchet MS" panose="020B0603020202020204"/>
+              <a:rPr dirty="0" sz="1200" spc="30">
+                <a:solidFill>
+                  <a:srgbClr val="404040"/>
+                </a:solidFill>
+                <a:latin typeface="Trebuchet MS"/>
+                <a:cs typeface="Trebuchet MS"/>
+              </a:rPr>
+              <a:t> </a:t>
+            </a:r>
+            <a:r>
+              <a:rPr dirty="0" sz="1200">
+                <a:solidFill>
+                  <a:srgbClr val="404040"/>
+                </a:solidFill>
+                <a:latin typeface="Trebuchet MS"/>
+                <a:cs typeface="Trebuchet MS"/>
               </a:rPr>
               <a:t>)</a:t>
             </a:r>
             <a:r>
-              <a:rPr sz="1200" spc="30" dirty="0">
-                <a:solidFill>
-                  <a:srgbClr val="404040"/>
-                </a:solidFill>
-                <a:latin typeface="Trebuchet MS" panose="020B0603020202020204"/>
-                <a:cs typeface="Trebuchet MS" panose="020B0603020202020204"/>
-              </a:rPr>
-              <a:t> </a:t>
-            </a:r>
-            <a:r>
-              <a:rPr sz="1200" spc="-114" dirty="0">
-                <a:solidFill>
-                  <a:srgbClr val="404040"/>
-                </a:solidFill>
-                <a:latin typeface="Trebuchet MS" panose="020B0603020202020204"/>
-                <a:cs typeface="Trebuchet MS" panose="020B0603020202020204"/>
+              <a:rPr dirty="0" sz="1200" spc="30">
+                <a:solidFill>
+                  <a:srgbClr val="404040"/>
+                </a:solidFill>
+                <a:latin typeface="Trebuchet MS"/>
+                <a:cs typeface="Trebuchet MS"/>
+              </a:rPr>
+              <a:t> </a:t>
+            </a:r>
+            <a:r>
+              <a:rPr dirty="0" sz="1200" spc="-114">
+                <a:solidFill>
+                  <a:srgbClr val="404040"/>
+                </a:solidFill>
+                <a:latin typeface="Trebuchet MS"/>
+                <a:cs typeface="Trebuchet MS"/>
               </a:rPr>
               <a:t>-</a:t>
             </a:r>
             <a:r>
-              <a:rPr sz="1200" spc="30" dirty="0">
-                <a:solidFill>
-                  <a:srgbClr val="404040"/>
-                </a:solidFill>
-                <a:latin typeface="Trebuchet MS" panose="020B0603020202020204"/>
-                <a:cs typeface="Trebuchet MS" panose="020B0603020202020204"/>
-              </a:rPr>
-              <a:t> </a:t>
-            </a:r>
-            <a:r>
-              <a:rPr sz="1200" dirty="0">
-                <a:solidFill>
-                  <a:srgbClr val="404040"/>
-                </a:solidFill>
-                <a:latin typeface="Trebuchet MS" panose="020B0603020202020204"/>
-                <a:cs typeface="Trebuchet MS" panose="020B0603020202020204"/>
+              <a:rPr dirty="0" sz="1200" spc="30">
+                <a:solidFill>
+                  <a:srgbClr val="404040"/>
+                </a:solidFill>
+                <a:latin typeface="Trebuchet MS"/>
+                <a:cs typeface="Trebuchet MS"/>
+              </a:rPr>
+              <a:t> </a:t>
+            </a:r>
+            <a:r>
+              <a:rPr dirty="0" sz="1200">
+                <a:solidFill>
+                  <a:srgbClr val="404040"/>
+                </a:solidFill>
+                <a:latin typeface="Trebuchet MS"/>
+                <a:cs typeface="Trebuchet MS"/>
               </a:rPr>
               <a:t>Snake</a:t>
             </a:r>
             <a:r>
-              <a:rPr sz="1200" spc="30" dirty="0">
-                <a:solidFill>
-                  <a:srgbClr val="404040"/>
-                </a:solidFill>
-                <a:latin typeface="Trebuchet MS" panose="020B0603020202020204"/>
-                <a:cs typeface="Trebuchet MS" panose="020B0603020202020204"/>
-              </a:rPr>
-              <a:t> </a:t>
-            </a:r>
-            <a:r>
-              <a:rPr sz="1200" spc="-10" dirty="0">
-                <a:solidFill>
-                  <a:srgbClr val="404040"/>
-                </a:solidFill>
-                <a:latin typeface="Trebuchet MS" panose="020B0603020202020204"/>
-                <a:cs typeface="Trebuchet MS" panose="020B0603020202020204"/>
+              <a:rPr dirty="0" sz="1200" spc="30">
+                <a:solidFill>
+                  <a:srgbClr val="404040"/>
+                </a:solidFill>
+                <a:latin typeface="Trebuchet MS"/>
+                <a:cs typeface="Trebuchet MS"/>
+              </a:rPr>
+              <a:t> </a:t>
+            </a:r>
+            <a:r>
+              <a:rPr dirty="0" sz="1200" spc="-10">
+                <a:solidFill>
+                  <a:srgbClr val="404040"/>
+                </a:solidFill>
+                <a:latin typeface="Trebuchet MS"/>
+                <a:cs typeface="Trebuchet MS"/>
               </a:rPr>
               <a:t>Mechanics</a:t>
             </a:r>
             <a:endParaRPr sz="1200">
-              <a:latin typeface="Trebuchet MS" panose="020B0603020202020204"/>
-              <a:cs typeface="Trebuchet MS" panose="020B0603020202020204"/>
+              <a:latin typeface="Trebuchet MS"/>
+              <a:cs typeface="Trebuchet MS"/>
             </a:endParaRPr>
           </a:p>
           <a:p>
-            <a:pPr marL="467360" indent="-226060">
+            <a:pPr marL="467359" indent="-226060">
               <a:lnSpc>
                 <a:spcPct val="100000"/>
               </a:lnSpc>
@@ -2039,86 +2002,86 @@
               <a:buClr>
                 <a:srgbClr val="404040"/>
               </a:buClr>
-              <a:buSzPct val="108000"/>
-              <a:buFont typeface="Trebuchet MS" panose="020B0603020202020204"/>
+              <a:buSzPct val="108333"/>
+              <a:buFont typeface="Trebuchet MS"/>
               <a:buAutoNum type="arabicPeriod"/>
               <a:tabLst>
-                <a:tab pos="466725" algn="l"/>
+                <a:tab pos="467359" algn="l"/>
               </a:tabLst>
             </a:pPr>
             <a:r>
-              <a:rPr sz="1200" dirty="0">
-                <a:latin typeface="Arial" panose="020B0604020202020204"/>
-                <a:cs typeface="Arial" panose="020B0604020202020204"/>
+              <a:rPr dirty="0" sz="1200">
+                <a:latin typeface="Arial"/>
+                <a:cs typeface="Arial"/>
               </a:rPr>
               <a:t>Mohammad</a:t>
             </a:r>
             <a:r>
-              <a:rPr sz="1200" spc="-5" dirty="0">
-                <a:latin typeface="Arial" panose="020B0604020202020204"/>
-                <a:cs typeface="Arial" panose="020B0604020202020204"/>
-              </a:rPr>
-              <a:t> </a:t>
-            </a:r>
-            <a:r>
-              <a:rPr sz="1200" dirty="0">
-                <a:latin typeface="Arial" panose="020B0604020202020204"/>
-                <a:cs typeface="Arial" panose="020B0604020202020204"/>
+              <a:rPr dirty="0" sz="1200" spc="-5">
+                <a:latin typeface="Arial"/>
+                <a:cs typeface="Arial"/>
+              </a:rPr>
+              <a:t> </a:t>
+            </a:r>
+            <a:r>
+              <a:rPr dirty="0" sz="1200">
+                <a:latin typeface="Arial"/>
+                <a:cs typeface="Arial"/>
               </a:rPr>
               <a:t>Ali</a:t>
             </a:r>
             <a:r>
-              <a:rPr sz="1200" spc="-5" dirty="0">
-                <a:latin typeface="Arial" panose="020B0604020202020204"/>
-                <a:cs typeface="Arial" panose="020B0604020202020204"/>
-              </a:rPr>
-              <a:t> </a:t>
-            </a:r>
-            <a:r>
-              <a:rPr sz="1200" dirty="0">
-                <a:latin typeface="Arial" panose="020B0604020202020204"/>
-                <a:cs typeface="Arial" panose="020B0604020202020204"/>
+              <a:rPr dirty="0" sz="1200" spc="-5">
+                <a:latin typeface="Arial"/>
+                <a:cs typeface="Arial"/>
+              </a:rPr>
+              <a:t> </a:t>
+            </a:r>
+            <a:r>
+              <a:rPr dirty="0" sz="1200">
+                <a:latin typeface="Arial"/>
+                <a:cs typeface="Arial"/>
               </a:rPr>
               <a:t>(ID:</a:t>
             </a:r>
             <a:r>
-              <a:rPr sz="1200" spc="-5" dirty="0">
-                <a:latin typeface="Arial" panose="020B0604020202020204"/>
-                <a:cs typeface="Arial" panose="020B0604020202020204"/>
-              </a:rPr>
-              <a:t> </a:t>
-            </a:r>
-            <a:r>
-              <a:rPr sz="1200" dirty="0">
-                <a:latin typeface="Arial" panose="020B0604020202020204"/>
-                <a:cs typeface="Arial" panose="020B0604020202020204"/>
+              <a:rPr dirty="0" sz="1200" spc="-5">
+                <a:latin typeface="Arial"/>
+                <a:cs typeface="Arial"/>
+              </a:rPr>
+              <a:t> </a:t>
+            </a:r>
+            <a:r>
+              <a:rPr dirty="0" sz="1200">
+                <a:latin typeface="Arial"/>
+                <a:cs typeface="Arial"/>
               </a:rPr>
               <a:t>2512818642)-</a:t>
             </a:r>
             <a:r>
-              <a:rPr sz="1200" spc="-5" dirty="0">
-                <a:latin typeface="Arial" panose="020B0604020202020204"/>
-                <a:cs typeface="Arial" panose="020B0604020202020204"/>
-              </a:rPr>
-              <a:t> </a:t>
-            </a:r>
-            <a:r>
-              <a:rPr sz="1200" dirty="0">
-                <a:latin typeface="Arial" panose="020B0604020202020204"/>
-                <a:cs typeface="Arial" panose="020B0604020202020204"/>
+              <a:rPr dirty="0" sz="1200" spc="-5">
+                <a:latin typeface="Arial"/>
+                <a:cs typeface="Arial"/>
+              </a:rPr>
+              <a:t> </a:t>
+            </a:r>
+            <a:r>
+              <a:rPr dirty="0" sz="1200">
+                <a:latin typeface="Arial"/>
+                <a:cs typeface="Arial"/>
               </a:rPr>
               <a:t>Rendering </a:t>
             </a:r>
             <a:r>
-              <a:rPr sz="1200" spc="-10" dirty="0">
-                <a:latin typeface="Arial" panose="020B0604020202020204"/>
-                <a:cs typeface="Arial" panose="020B0604020202020204"/>
+              <a:rPr dirty="0" sz="1200" spc="-10">
+                <a:latin typeface="Arial"/>
+                <a:cs typeface="Arial"/>
               </a:rPr>
               <a:t>System</a:t>
             </a:r>
             <a:endParaRPr sz="1200">
-              <a:latin typeface="Arial" panose="020B0604020202020204"/>
-              <a:cs typeface="Arial" panose="020B0604020202020204"/>
+              <a:latin typeface="Arial"/>
+              <a:cs typeface="Arial"/>
             </a:endParaRPr>
           </a:p>
           <a:p>
@@ -2135,158 +2098,158 @@
               </a:tabLst>
             </a:pPr>
             <a:r>
-              <a:rPr sz="1200" spc="105" dirty="0">
-                <a:solidFill>
-                  <a:srgbClr val="404040"/>
-                </a:solidFill>
-                <a:latin typeface="Trebuchet MS" panose="020B0603020202020204"/>
-                <a:cs typeface="Trebuchet MS" panose="020B0603020202020204"/>
+              <a:rPr dirty="0" sz="1200" spc="105">
+                <a:solidFill>
+                  <a:srgbClr val="404040"/>
+                </a:solidFill>
+                <a:latin typeface="Trebuchet MS"/>
+                <a:cs typeface="Trebuchet MS"/>
               </a:rPr>
               <a:t>Md</a:t>
             </a:r>
             <a:r>
-              <a:rPr sz="1200" spc="35" dirty="0">
-                <a:solidFill>
-                  <a:srgbClr val="404040"/>
-                </a:solidFill>
-                <a:latin typeface="Trebuchet MS" panose="020B0603020202020204"/>
-                <a:cs typeface="Trebuchet MS" panose="020B0603020202020204"/>
-              </a:rPr>
-              <a:t> </a:t>
-            </a:r>
-            <a:r>
-              <a:rPr sz="1200" dirty="0">
-                <a:solidFill>
-                  <a:srgbClr val="404040"/>
-                </a:solidFill>
-                <a:latin typeface="Trebuchet MS" panose="020B0603020202020204"/>
-                <a:cs typeface="Trebuchet MS" panose="020B0603020202020204"/>
+              <a:rPr dirty="0" sz="1200" spc="35">
+                <a:solidFill>
+                  <a:srgbClr val="404040"/>
+                </a:solidFill>
+                <a:latin typeface="Trebuchet MS"/>
+                <a:cs typeface="Trebuchet MS"/>
+              </a:rPr>
+              <a:t> </a:t>
+            </a:r>
+            <a:r>
+              <a:rPr dirty="0" sz="1200">
+                <a:solidFill>
+                  <a:srgbClr val="404040"/>
+                </a:solidFill>
+                <a:latin typeface="Trebuchet MS"/>
+                <a:cs typeface="Trebuchet MS"/>
               </a:rPr>
               <a:t>Nahim</a:t>
             </a:r>
             <a:r>
-              <a:rPr sz="1200" spc="40" dirty="0">
-                <a:solidFill>
-                  <a:srgbClr val="404040"/>
-                </a:solidFill>
-                <a:latin typeface="Trebuchet MS" panose="020B0603020202020204"/>
-                <a:cs typeface="Trebuchet MS" panose="020B0603020202020204"/>
-              </a:rPr>
-              <a:t> </a:t>
-            </a:r>
-            <a:r>
-              <a:rPr sz="1200" spc="-35" dirty="0">
-                <a:solidFill>
-                  <a:srgbClr val="404040"/>
-                </a:solidFill>
-                <a:latin typeface="Trebuchet MS" panose="020B0603020202020204"/>
-                <a:cs typeface="Trebuchet MS" panose="020B0603020202020204"/>
+              <a:rPr dirty="0" sz="1200" spc="40">
+                <a:solidFill>
+                  <a:srgbClr val="404040"/>
+                </a:solidFill>
+                <a:latin typeface="Trebuchet MS"/>
+                <a:cs typeface="Trebuchet MS"/>
+              </a:rPr>
+              <a:t> </a:t>
+            </a:r>
+            <a:r>
+              <a:rPr dirty="0" sz="1200" spc="-35">
+                <a:solidFill>
+                  <a:srgbClr val="404040"/>
+                </a:solidFill>
+                <a:latin typeface="Trebuchet MS"/>
+                <a:cs typeface="Trebuchet MS"/>
               </a:rPr>
               <a:t>(ID:</a:t>
             </a:r>
             <a:r>
-              <a:rPr sz="1200" spc="40" dirty="0">
-                <a:solidFill>
-                  <a:srgbClr val="404040"/>
-                </a:solidFill>
-                <a:latin typeface="Trebuchet MS" panose="020B0603020202020204"/>
-                <a:cs typeface="Trebuchet MS" panose="020B0603020202020204"/>
-              </a:rPr>
-              <a:t> </a:t>
-            </a:r>
-            <a:r>
-              <a:rPr sz="1200" dirty="0">
-                <a:solidFill>
-                  <a:srgbClr val="404040"/>
-                </a:solidFill>
-                <a:latin typeface="Trebuchet MS" panose="020B0603020202020204"/>
-                <a:cs typeface="Trebuchet MS" panose="020B0603020202020204"/>
+              <a:rPr dirty="0" sz="1200" spc="40">
+                <a:solidFill>
+                  <a:srgbClr val="404040"/>
+                </a:solidFill>
+                <a:latin typeface="Trebuchet MS"/>
+                <a:cs typeface="Trebuchet MS"/>
+              </a:rPr>
+              <a:t> </a:t>
+            </a:r>
+            <a:r>
+              <a:rPr dirty="0" sz="1200">
+                <a:solidFill>
+                  <a:srgbClr val="404040"/>
+                </a:solidFill>
+                <a:latin typeface="Trebuchet MS"/>
+                <a:cs typeface="Trebuchet MS"/>
               </a:rPr>
               <a:t>2514251042)</a:t>
             </a:r>
             <a:r>
-              <a:rPr sz="1200" spc="35" dirty="0">
-                <a:solidFill>
-                  <a:srgbClr val="404040"/>
-                </a:solidFill>
-                <a:latin typeface="Trebuchet MS" panose="020B0603020202020204"/>
-                <a:cs typeface="Trebuchet MS" panose="020B0603020202020204"/>
-              </a:rPr>
-              <a:t> </a:t>
-            </a:r>
-            <a:r>
-              <a:rPr sz="1200" spc="-114" dirty="0">
-                <a:solidFill>
-                  <a:srgbClr val="404040"/>
-                </a:solidFill>
-                <a:latin typeface="Trebuchet MS" panose="020B0603020202020204"/>
-                <a:cs typeface="Trebuchet MS" panose="020B0603020202020204"/>
+              <a:rPr dirty="0" sz="1200" spc="35">
+                <a:solidFill>
+                  <a:srgbClr val="404040"/>
+                </a:solidFill>
+                <a:latin typeface="Trebuchet MS"/>
+                <a:cs typeface="Trebuchet MS"/>
+              </a:rPr>
+              <a:t> </a:t>
+            </a:r>
+            <a:r>
+              <a:rPr dirty="0" sz="1200" spc="-114">
+                <a:solidFill>
+                  <a:srgbClr val="404040"/>
+                </a:solidFill>
+                <a:latin typeface="Trebuchet MS"/>
+                <a:cs typeface="Trebuchet MS"/>
               </a:rPr>
               <a:t>-</a:t>
             </a:r>
             <a:r>
-              <a:rPr sz="1200" spc="40" dirty="0">
-                <a:solidFill>
-                  <a:srgbClr val="404040"/>
-                </a:solidFill>
-                <a:latin typeface="Trebuchet MS" panose="020B0603020202020204"/>
-                <a:cs typeface="Trebuchet MS" panose="020B0603020202020204"/>
-              </a:rPr>
-              <a:t> </a:t>
-            </a:r>
-            <a:r>
-              <a:rPr sz="1200" dirty="0">
-                <a:solidFill>
-                  <a:srgbClr val="404040"/>
-                </a:solidFill>
-                <a:latin typeface="Trebuchet MS" panose="020B0603020202020204"/>
-                <a:cs typeface="Trebuchet MS" panose="020B0603020202020204"/>
+              <a:rPr dirty="0" sz="1200" spc="40">
+                <a:solidFill>
+                  <a:srgbClr val="404040"/>
+                </a:solidFill>
+                <a:latin typeface="Trebuchet MS"/>
+                <a:cs typeface="Trebuchet MS"/>
+              </a:rPr>
+              <a:t> </a:t>
+            </a:r>
+            <a:r>
+              <a:rPr dirty="0" sz="1200">
+                <a:solidFill>
+                  <a:srgbClr val="404040"/>
+                </a:solidFill>
+                <a:latin typeface="Trebuchet MS"/>
+                <a:cs typeface="Trebuchet MS"/>
               </a:rPr>
               <a:t>Food</a:t>
             </a:r>
             <a:r>
-              <a:rPr sz="1200" spc="40" dirty="0">
-                <a:solidFill>
-                  <a:srgbClr val="404040"/>
-                </a:solidFill>
-                <a:latin typeface="Trebuchet MS" panose="020B0603020202020204"/>
-                <a:cs typeface="Trebuchet MS" panose="020B0603020202020204"/>
-              </a:rPr>
-              <a:t> </a:t>
-            </a:r>
-            <a:r>
-              <a:rPr sz="1200" spc="-120" dirty="0">
-                <a:solidFill>
-                  <a:srgbClr val="404040"/>
-                </a:solidFill>
-                <a:latin typeface="Trebuchet MS" panose="020B0603020202020204"/>
-                <a:cs typeface="Trebuchet MS" panose="020B0603020202020204"/>
+              <a:rPr dirty="0" sz="1200" spc="40">
+                <a:solidFill>
+                  <a:srgbClr val="404040"/>
+                </a:solidFill>
+                <a:latin typeface="Trebuchet MS"/>
+                <a:cs typeface="Trebuchet MS"/>
+              </a:rPr>
+              <a:t> </a:t>
+            </a:r>
+            <a:r>
+              <a:rPr dirty="0" sz="1200" spc="-120">
+                <a:solidFill>
+                  <a:srgbClr val="404040"/>
+                </a:solidFill>
+                <a:latin typeface="Trebuchet MS"/>
+                <a:cs typeface="Trebuchet MS"/>
               </a:rPr>
               <a:t>&amp;</a:t>
             </a:r>
             <a:r>
-              <a:rPr sz="1200" spc="35" dirty="0">
-                <a:solidFill>
-                  <a:srgbClr val="404040"/>
-                </a:solidFill>
-                <a:latin typeface="Trebuchet MS" panose="020B0603020202020204"/>
-                <a:cs typeface="Trebuchet MS" panose="020B0603020202020204"/>
-              </a:rPr>
-              <a:t> </a:t>
-            </a:r>
-            <a:r>
-              <a:rPr sz="1200" spc="-10" dirty="0">
-                <a:solidFill>
-                  <a:srgbClr val="404040"/>
-                </a:solidFill>
-                <a:latin typeface="Trebuchet MS" panose="020B0603020202020204"/>
-                <a:cs typeface="Trebuchet MS" panose="020B0603020202020204"/>
+              <a:rPr dirty="0" sz="1200" spc="35">
+                <a:solidFill>
+                  <a:srgbClr val="404040"/>
+                </a:solidFill>
+                <a:latin typeface="Trebuchet MS"/>
+                <a:cs typeface="Trebuchet MS"/>
+              </a:rPr>
+              <a:t> </a:t>
+            </a:r>
+            <a:r>
+              <a:rPr dirty="0" sz="1200" spc="-10">
+                <a:solidFill>
+                  <a:srgbClr val="404040"/>
+                </a:solidFill>
+                <a:latin typeface="Trebuchet MS"/>
+                <a:cs typeface="Trebuchet MS"/>
               </a:rPr>
               <a:t>Score</a:t>
             </a:r>
             <a:endParaRPr sz="1200">
-              <a:latin typeface="Trebuchet MS" panose="020B0603020202020204"/>
-              <a:cs typeface="Trebuchet MS" panose="020B0603020202020204"/>
+              <a:latin typeface="Trebuchet MS"/>
+              <a:cs typeface="Trebuchet MS"/>
             </a:endParaRPr>
           </a:p>
           <a:p>
@@ -2297,8 +2260,8 @@
               <a:buAutoNum type="arabicPeriod"/>
             </a:pPr>
             <a:endParaRPr sz="1200">
-              <a:latin typeface="Trebuchet MS" panose="020B0603020202020204"/>
-              <a:cs typeface="Trebuchet MS" panose="020B0603020202020204"/>
+              <a:latin typeface="Trebuchet MS"/>
+              <a:cs typeface="Trebuchet MS"/>
             </a:endParaRPr>
           </a:p>
           <a:p>
@@ -2312,8 +2275,8 @@
               <a:buAutoNum type="arabicPeriod"/>
             </a:pPr>
             <a:endParaRPr sz="1200">
-              <a:latin typeface="Trebuchet MS" panose="020B0603020202020204"/>
-              <a:cs typeface="Trebuchet MS" panose="020B0603020202020204"/>
+              <a:latin typeface="Trebuchet MS"/>
+              <a:cs typeface="Trebuchet MS"/>
             </a:endParaRPr>
           </a:p>
           <a:p>
@@ -2323,7 +2286,7 @@
               </a:lnSpc>
             </a:pPr>
             <a:r>
-              <a:rPr sz="1300" b="1" spc="-10" dirty="0">
+              <a:rPr dirty="0" sz="1300" spc="-10" b="1">
                 <a:solidFill>
                   <a:srgbClr val="404040"/>
                 </a:solidFill>
@@ -2333,17 +2296,17 @@
               <a:t>Snake</a:t>
             </a:r>
             <a:r>
-              <a:rPr sz="1300" b="1" spc="-40" dirty="0">
-                <a:solidFill>
-                  <a:srgbClr val="404040"/>
-                </a:solidFill>
-                <a:latin typeface="Gill Sans MT"/>
-                <a:cs typeface="Gill Sans MT"/>
-              </a:rPr>
-              <a:t> </a:t>
-            </a:r>
-            <a:r>
-              <a:rPr sz="1300" b="1" spc="-90" dirty="0">
+              <a:rPr dirty="0" sz="1300" spc="-40" b="1">
+                <a:solidFill>
+                  <a:srgbClr val="404040"/>
+                </a:solidFill>
+                <a:latin typeface="Gill Sans MT"/>
+                <a:cs typeface="Gill Sans MT"/>
+              </a:rPr>
+              <a:t> </a:t>
+            </a:r>
+            <a:r>
+              <a:rPr dirty="0" sz="1300" spc="-90" b="1">
                 <a:solidFill>
                   <a:srgbClr val="404040"/>
                 </a:solidFill>
@@ -2353,7 +2316,7 @@
               <a:t>Game</a:t>
             </a:r>
             <a:r>
-              <a:rPr sz="1300" b="1" spc="-40" dirty="0">
+              <a:rPr dirty="0" sz="1300" spc="-40" b="1">
                 <a:solidFill>
                   <a:srgbClr val="404040"/>
                 </a:solidFill>
@@ -2363,7 +2326,7 @@
               <a:t> Project: </a:t>
             </a:r>
             <a:r>
-              <a:rPr sz="1300" b="1" spc="-10" dirty="0">
+              <a:rPr dirty="0" sz="1300" spc="-10" b="1">
                 <a:solidFill>
                   <a:srgbClr val="404040"/>
                 </a:solidFill>
@@ -2373,17 +2336,17 @@
               <a:t>Progress</a:t>
             </a:r>
             <a:r>
-              <a:rPr sz="1300" b="1" spc="-40" dirty="0">
-                <a:solidFill>
-                  <a:srgbClr val="404040"/>
-                </a:solidFill>
-                <a:latin typeface="Gill Sans MT"/>
-                <a:cs typeface="Gill Sans MT"/>
-              </a:rPr>
-              <a:t> </a:t>
-            </a:r>
-            <a:r>
-              <a:rPr sz="1300" b="1" spc="-10" dirty="0">
+              <a:rPr dirty="0" sz="1300" spc="-40" b="1">
+                <a:solidFill>
+                  <a:srgbClr val="404040"/>
+                </a:solidFill>
+                <a:latin typeface="Gill Sans MT"/>
+                <a:cs typeface="Gill Sans MT"/>
+              </a:rPr>
+              <a:t> </a:t>
+            </a:r>
+            <a:r>
+              <a:rPr dirty="0" sz="1300" spc="-10" b="1">
                 <a:solidFill>
                   <a:srgbClr val="404040"/>
                 </a:solidFill>
@@ -2418,7 +2381,7 @@
               </a:lnSpc>
             </a:pPr>
             <a:r>
-              <a:rPr sz="1200" b="1" spc="-40" dirty="0">
+              <a:rPr dirty="0" sz="1200" spc="-40" b="1">
                 <a:solidFill>
                   <a:srgbClr val="404040"/>
                 </a:solidFill>
@@ -2428,7 +2391,7 @@
               <a:t>Project </a:t>
             </a:r>
             <a:r>
-              <a:rPr sz="1200" b="1" spc="-10" dirty="0">
+              <a:rPr dirty="0" sz="1200" spc="-10" b="1">
                 <a:solidFill>
                   <a:srgbClr val="404040"/>
                 </a:solidFill>
@@ -2445,751 +2408,751 @@
           <a:p>
             <a:pPr marL="12700" marR="5080">
               <a:lnSpc>
-                <a:spcPct val="115000"/>
+                <a:spcPct val="114999"/>
               </a:lnSpc>
               <a:spcBef>
                 <a:spcPts val="200"/>
               </a:spcBef>
             </a:pPr>
             <a:r>
-              <a:rPr sz="1200" dirty="0">
-                <a:solidFill>
-                  <a:srgbClr val="404040"/>
-                </a:solidFill>
-                <a:latin typeface="Trebuchet MS" panose="020B0603020202020204"/>
-                <a:cs typeface="Trebuchet MS" panose="020B0603020202020204"/>
+              <a:rPr dirty="0" sz="1200">
+                <a:solidFill>
+                  <a:srgbClr val="404040"/>
+                </a:solidFill>
+                <a:latin typeface="Trebuchet MS"/>
+                <a:cs typeface="Trebuchet MS"/>
               </a:rPr>
               <a:t>We</a:t>
             </a:r>
             <a:r>
-              <a:rPr sz="1200" spc="-10" dirty="0">
-                <a:solidFill>
-                  <a:srgbClr val="404040"/>
-                </a:solidFill>
-                <a:latin typeface="Trebuchet MS" panose="020B0603020202020204"/>
-                <a:cs typeface="Trebuchet MS" panose="020B0603020202020204"/>
+              <a:rPr dirty="0" sz="1200" spc="-10">
+                <a:solidFill>
+                  <a:srgbClr val="404040"/>
+                </a:solidFill>
+                <a:latin typeface="Trebuchet MS"/>
+                <a:cs typeface="Trebuchet MS"/>
               </a:rPr>
               <a:t> developed </a:t>
             </a:r>
             <a:r>
-              <a:rPr sz="1200" dirty="0">
-                <a:solidFill>
-                  <a:srgbClr val="404040"/>
-                </a:solidFill>
-                <a:latin typeface="Trebuchet MS" panose="020B0603020202020204"/>
-                <a:cs typeface="Trebuchet MS" panose="020B0603020202020204"/>
+              <a:rPr dirty="0" sz="1200">
+                <a:solidFill>
+                  <a:srgbClr val="404040"/>
+                </a:solidFill>
+                <a:latin typeface="Trebuchet MS"/>
+                <a:cs typeface="Trebuchet MS"/>
               </a:rPr>
               <a:t>a</a:t>
             </a:r>
             <a:r>
-              <a:rPr sz="1200" spc="-10" dirty="0">
-                <a:solidFill>
-                  <a:srgbClr val="404040"/>
-                </a:solidFill>
-                <a:latin typeface="Trebuchet MS" panose="020B0603020202020204"/>
-                <a:cs typeface="Trebuchet MS" panose="020B0603020202020204"/>
-              </a:rPr>
-              <a:t> </a:t>
-            </a:r>
-            <a:r>
-              <a:rPr sz="1200" spc="-20" dirty="0">
-                <a:solidFill>
-                  <a:srgbClr val="404040"/>
-                </a:solidFill>
-                <a:latin typeface="Trebuchet MS" panose="020B0603020202020204"/>
-                <a:cs typeface="Trebuchet MS" panose="020B0603020202020204"/>
+              <a:rPr dirty="0" sz="1200" spc="-10">
+                <a:solidFill>
+                  <a:srgbClr val="404040"/>
+                </a:solidFill>
+                <a:latin typeface="Trebuchet MS"/>
+                <a:cs typeface="Trebuchet MS"/>
+              </a:rPr>
+              <a:t> </a:t>
+            </a:r>
+            <a:r>
+              <a:rPr dirty="0" sz="1200" spc="-20">
+                <a:solidFill>
+                  <a:srgbClr val="404040"/>
+                </a:solidFill>
+                <a:latin typeface="Trebuchet MS"/>
+                <a:cs typeface="Trebuchet MS"/>
               </a:rPr>
               <a:t>terminal-</a:t>
             </a:r>
             <a:r>
-              <a:rPr sz="1200" spc="-10" dirty="0">
-                <a:solidFill>
-                  <a:srgbClr val="404040"/>
-                </a:solidFill>
-                <a:latin typeface="Trebuchet MS" panose="020B0603020202020204"/>
-                <a:cs typeface="Trebuchet MS" panose="020B0603020202020204"/>
+              <a:rPr dirty="0" sz="1200" spc="-10">
+                <a:solidFill>
+                  <a:srgbClr val="404040"/>
+                </a:solidFill>
+                <a:latin typeface="Trebuchet MS"/>
+                <a:cs typeface="Trebuchet MS"/>
               </a:rPr>
               <a:t>based </a:t>
             </a:r>
             <a:r>
-              <a:rPr sz="1200" dirty="0">
-                <a:solidFill>
-                  <a:srgbClr val="404040"/>
-                </a:solidFill>
-                <a:latin typeface="Trebuchet MS" panose="020B0603020202020204"/>
-                <a:cs typeface="Trebuchet MS" panose="020B0603020202020204"/>
+              <a:rPr dirty="0" sz="1200">
+                <a:solidFill>
+                  <a:srgbClr val="404040"/>
+                </a:solidFill>
+                <a:latin typeface="Trebuchet MS"/>
+                <a:cs typeface="Trebuchet MS"/>
               </a:rPr>
               <a:t>Snake</a:t>
             </a:r>
             <a:r>
-              <a:rPr sz="1200" spc="-10" dirty="0">
-                <a:solidFill>
-                  <a:srgbClr val="404040"/>
-                </a:solidFill>
-                <a:latin typeface="Trebuchet MS" panose="020B0603020202020204"/>
-                <a:cs typeface="Trebuchet MS" panose="020B0603020202020204"/>
-              </a:rPr>
-              <a:t> </a:t>
-            </a:r>
-            <a:r>
-              <a:rPr sz="1200" dirty="0">
-                <a:solidFill>
-                  <a:srgbClr val="404040"/>
-                </a:solidFill>
-                <a:latin typeface="Trebuchet MS" panose="020B0603020202020204"/>
-                <a:cs typeface="Trebuchet MS" panose="020B0603020202020204"/>
+              <a:rPr dirty="0" sz="1200" spc="-10">
+                <a:solidFill>
+                  <a:srgbClr val="404040"/>
+                </a:solidFill>
+                <a:latin typeface="Trebuchet MS"/>
+                <a:cs typeface="Trebuchet MS"/>
+              </a:rPr>
+              <a:t> </a:t>
+            </a:r>
+            <a:r>
+              <a:rPr dirty="0" sz="1200">
+                <a:solidFill>
+                  <a:srgbClr val="404040"/>
+                </a:solidFill>
+                <a:latin typeface="Trebuchet MS"/>
+                <a:cs typeface="Trebuchet MS"/>
               </a:rPr>
               <a:t>game</a:t>
             </a:r>
             <a:r>
-              <a:rPr sz="1200" spc="-10" dirty="0">
-                <a:solidFill>
-                  <a:srgbClr val="404040"/>
-                </a:solidFill>
-                <a:latin typeface="Trebuchet MS" panose="020B0603020202020204"/>
-                <a:cs typeface="Trebuchet MS" panose="020B0603020202020204"/>
-              </a:rPr>
-              <a:t> </a:t>
-            </a:r>
-            <a:r>
-              <a:rPr sz="1200" spc="-20" dirty="0">
-                <a:solidFill>
-                  <a:srgbClr val="404040"/>
-                </a:solidFill>
-                <a:latin typeface="Trebuchet MS" panose="020B0603020202020204"/>
-                <a:cs typeface="Trebuchet MS" panose="020B0603020202020204"/>
+              <a:rPr dirty="0" sz="1200" spc="-10">
+                <a:solidFill>
+                  <a:srgbClr val="404040"/>
+                </a:solidFill>
+                <a:latin typeface="Trebuchet MS"/>
+                <a:cs typeface="Trebuchet MS"/>
+              </a:rPr>
+              <a:t> </a:t>
+            </a:r>
+            <a:r>
+              <a:rPr dirty="0" sz="1200" spc="-20">
+                <a:solidFill>
+                  <a:srgbClr val="404040"/>
+                </a:solidFill>
+                <a:latin typeface="Trebuchet MS"/>
+                <a:cs typeface="Trebuchet MS"/>
               </a:rPr>
               <a:t>in</a:t>
             </a:r>
             <a:r>
-              <a:rPr sz="1200" spc="-10" dirty="0">
-                <a:solidFill>
-                  <a:srgbClr val="404040"/>
-                </a:solidFill>
-                <a:latin typeface="Trebuchet MS" panose="020B0603020202020204"/>
-                <a:cs typeface="Trebuchet MS" panose="020B0603020202020204"/>
-              </a:rPr>
-              <a:t> </a:t>
-            </a:r>
-            <a:r>
-              <a:rPr sz="1200" spc="60" dirty="0">
-                <a:solidFill>
-                  <a:srgbClr val="404040"/>
-                </a:solidFill>
-                <a:latin typeface="Trebuchet MS" panose="020B0603020202020204"/>
-                <a:cs typeface="Trebuchet MS" panose="020B0603020202020204"/>
+              <a:rPr dirty="0" sz="1200" spc="-10">
+                <a:solidFill>
+                  <a:srgbClr val="404040"/>
+                </a:solidFill>
+                <a:latin typeface="Trebuchet MS"/>
+                <a:cs typeface="Trebuchet MS"/>
+              </a:rPr>
+              <a:t> </a:t>
+            </a:r>
+            <a:r>
+              <a:rPr dirty="0" sz="1200" spc="60">
+                <a:solidFill>
+                  <a:srgbClr val="404040"/>
+                </a:solidFill>
+                <a:latin typeface="Trebuchet MS"/>
+                <a:cs typeface="Trebuchet MS"/>
               </a:rPr>
               <a:t>C</a:t>
             </a:r>
             <a:r>
-              <a:rPr sz="1200" spc="-5" dirty="0">
-                <a:solidFill>
-                  <a:srgbClr val="404040"/>
-                </a:solidFill>
-                <a:latin typeface="Trebuchet MS" panose="020B0603020202020204"/>
-                <a:cs typeface="Trebuchet MS" panose="020B0603020202020204"/>
-              </a:rPr>
-              <a:t> </a:t>
-            </a:r>
-            <a:r>
-              <a:rPr sz="1200" dirty="0">
-                <a:solidFill>
-                  <a:srgbClr val="404040"/>
-                </a:solidFill>
-                <a:latin typeface="Trebuchet MS" panose="020B0603020202020204"/>
-                <a:cs typeface="Trebuchet MS" panose="020B0603020202020204"/>
+              <a:rPr dirty="0" sz="1200" spc="-5">
+                <a:solidFill>
+                  <a:srgbClr val="404040"/>
+                </a:solidFill>
+                <a:latin typeface="Trebuchet MS"/>
+                <a:cs typeface="Trebuchet MS"/>
+              </a:rPr>
+              <a:t> </a:t>
+            </a:r>
+            <a:r>
+              <a:rPr dirty="0" sz="1200">
+                <a:solidFill>
+                  <a:srgbClr val="404040"/>
+                </a:solidFill>
+                <a:latin typeface="Trebuchet MS"/>
+                <a:cs typeface="Trebuchet MS"/>
               </a:rPr>
               <a:t>using</a:t>
             </a:r>
             <a:r>
-              <a:rPr sz="1200" spc="-10" dirty="0">
-                <a:solidFill>
-                  <a:srgbClr val="404040"/>
-                </a:solidFill>
-                <a:latin typeface="Trebuchet MS" panose="020B0603020202020204"/>
-                <a:cs typeface="Trebuchet MS" panose="020B0603020202020204"/>
-              </a:rPr>
-              <a:t> </a:t>
-            </a:r>
-            <a:r>
-              <a:rPr sz="1200" dirty="0">
-                <a:solidFill>
-                  <a:srgbClr val="404040"/>
-                </a:solidFill>
-                <a:latin typeface="Trebuchet MS" panose="020B0603020202020204"/>
-                <a:cs typeface="Trebuchet MS" panose="020B0603020202020204"/>
+              <a:rPr dirty="0" sz="1200" spc="-10">
+                <a:solidFill>
+                  <a:srgbClr val="404040"/>
+                </a:solidFill>
+                <a:latin typeface="Trebuchet MS"/>
+                <a:cs typeface="Trebuchet MS"/>
+              </a:rPr>
+              <a:t> </a:t>
+            </a:r>
+            <a:r>
+              <a:rPr dirty="0" sz="1200">
+                <a:solidFill>
+                  <a:srgbClr val="404040"/>
+                </a:solidFill>
+                <a:latin typeface="Trebuchet MS"/>
+                <a:cs typeface="Trebuchet MS"/>
               </a:rPr>
               <a:t>a</a:t>
             </a:r>
             <a:r>
-              <a:rPr sz="1200" spc="-10" dirty="0">
-                <a:solidFill>
-                  <a:srgbClr val="404040"/>
-                </a:solidFill>
-                <a:latin typeface="Trebuchet MS" panose="020B0603020202020204"/>
-                <a:cs typeface="Trebuchet MS" panose="020B0603020202020204"/>
-              </a:rPr>
-              <a:t> </a:t>
-            </a:r>
-            <a:r>
-              <a:rPr sz="1200" dirty="0">
-                <a:solidFill>
-                  <a:srgbClr val="404040"/>
-                </a:solidFill>
-                <a:latin typeface="Trebuchet MS" panose="020B0603020202020204"/>
-                <a:cs typeface="Trebuchet MS" panose="020B0603020202020204"/>
+              <a:rPr dirty="0" sz="1200" spc="-10">
+                <a:solidFill>
+                  <a:srgbClr val="404040"/>
+                </a:solidFill>
+                <a:latin typeface="Trebuchet MS"/>
+                <a:cs typeface="Trebuchet MS"/>
+              </a:rPr>
+              <a:t> </a:t>
+            </a:r>
+            <a:r>
+              <a:rPr dirty="0" sz="1200">
+                <a:solidFill>
+                  <a:srgbClr val="404040"/>
+                </a:solidFill>
+                <a:latin typeface="Trebuchet MS"/>
+                <a:cs typeface="Trebuchet MS"/>
               </a:rPr>
               <a:t>modular</a:t>
             </a:r>
             <a:r>
-              <a:rPr sz="1200" spc="-10" dirty="0">
-                <a:solidFill>
-                  <a:srgbClr val="404040"/>
-                </a:solidFill>
-                <a:latin typeface="Trebuchet MS" panose="020B0603020202020204"/>
-                <a:cs typeface="Trebuchet MS" panose="020B0603020202020204"/>
-              </a:rPr>
-              <a:t> </a:t>
-            </a:r>
-            <a:r>
-              <a:rPr sz="1200" dirty="0">
-                <a:solidFill>
-                  <a:srgbClr val="404040"/>
-                </a:solidFill>
-                <a:latin typeface="Trebuchet MS" panose="020B0603020202020204"/>
-                <a:cs typeface="Trebuchet MS" panose="020B0603020202020204"/>
+              <a:rPr dirty="0" sz="1200" spc="-10">
+                <a:solidFill>
+                  <a:srgbClr val="404040"/>
+                </a:solidFill>
+                <a:latin typeface="Trebuchet MS"/>
+                <a:cs typeface="Trebuchet MS"/>
+              </a:rPr>
+              <a:t> </a:t>
+            </a:r>
+            <a:r>
+              <a:rPr dirty="0" sz="1200">
+                <a:solidFill>
+                  <a:srgbClr val="404040"/>
+                </a:solidFill>
+                <a:latin typeface="Trebuchet MS"/>
+                <a:cs typeface="Trebuchet MS"/>
               </a:rPr>
               <a:t>design</a:t>
             </a:r>
             <a:r>
-              <a:rPr sz="1200" spc="340" dirty="0">
-                <a:solidFill>
-                  <a:srgbClr val="404040"/>
-                </a:solidFill>
-                <a:latin typeface="Trebuchet MS" panose="020B0603020202020204"/>
-                <a:cs typeface="Trebuchet MS" panose="020B0603020202020204"/>
-              </a:rPr>
-              <a:t> </a:t>
-            </a:r>
-            <a:r>
-              <a:rPr sz="1200" dirty="0">
-                <a:solidFill>
-                  <a:srgbClr val="404040"/>
-                </a:solidFill>
-                <a:latin typeface="Trebuchet MS" panose="020B0603020202020204"/>
-                <a:cs typeface="Trebuchet MS" panose="020B0603020202020204"/>
+              <a:rPr dirty="0" sz="1200" spc="340">
+                <a:solidFill>
+                  <a:srgbClr val="404040"/>
+                </a:solidFill>
+                <a:latin typeface="Trebuchet MS"/>
+                <a:cs typeface="Trebuchet MS"/>
+              </a:rPr>
+              <a:t> </a:t>
+            </a:r>
+            <a:r>
+              <a:rPr dirty="0" sz="1200">
+                <a:solidFill>
+                  <a:srgbClr val="404040"/>
+                </a:solidFill>
+                <a:latin typeface="Trebuchet MS"/>
+                <a:cs typeface="Trebuchet MS"/>
               </a:rPr>
               <a:t>Each</a:t>
             </a:r>
             <a:r>
-              <a:rPr sz="1200" spc="-10" dirty="0">
-                <a:solidFill>
-                  <a:srgbClr val="404040"/>
-                </a:solidFill>
-                <a:latin typeface="Trebuchet MS" panose="020B0603020202020204"/>
-                <a:cs typeface="Trebuchet MS" panose="020B0603020202020204"/>
+              <a:rPr dirty="0" sz="1200" spc="-10">
+                <a:solidFill>
+                  <a:srgbClr val="404040"/>
+                </a:solidFill>
+                <a:latin typeface="Trebuchet MS"/>
+                <a:cs typeface="Trebuchet MS"/>
               </a:rPr>
               <a:t> team member </a:t>
             </a:r>
             <a:r>
-              <a:rPr sz="1200" spc="-20" dirty="0">
-                <a:solidFill>
-                  <a:srgbClr val="404040"/>
-                </a:solidFill>
-                <a:latin typeface="Trebuchet MS" panose="020B0603020202020204"/>
-                <a:cs typeface="Trebuchet MS" panose="020B0603020202020204"/>
+              <a:rPr dirty="0" sz="1200" spc="-20">
+                <a:solidFill>
+                  <a:srgbClr val="404040"/>
+                </a:solidFill>
+                <a:latin typeface="Trebuchet MS"/>
+                <a:cs typeface="Trebuchet MS"/>
               </a:rPr>
               <a:t>implemented</a:t>
             </a:r>
             <a:r>
-              <a:rPr sz="1200" spc="-5" dirty="0">
-                <a:solidFill>
-                  <a:srgbClr val="404040"/>
-                </a:solidFill>
-                <a:latin typeface="Trebuchet MS" panose="020B0603020202020204"/>
-                <a:cs typeface="Trebuchet MS" panose="020B0603020202020204"/>
-              </a:rPr>
-              <a:t> </a:t>
-            </a:r>
-            <a:r>
-              <a:rPr sz="1200" dirty="0">
-                <a:solidFill>
-                  <a:srgbClr val="404040"/>
-                </a:solidFill>
-                <a:latin typeface="Trebuchet MS" panose="020B0603020202020204"/>
-                <a:cs typeface="Trebuchet MS" panose="020B0603020202020204"/>
+              <a:rPr dirty="0" sz="1200" spc="-5">
+                <a:solidFill>
+                  <a:srgbClr val="404040"/>
+                </a:solidFill>
+                <a:latin typeface="Trebuchet MS"/>
+                <a:cs typeface="Trebuchet MS"/>
+              </a:rPr>
+              <a:t> </a:t>
+            </a:r>
+            <a:r>
+              <a:rPr dirty="0" sz="1200">
+                <a:solidFill>
+                  <a:srgbClr val="404040"/>
+                </a:solidFill>
+                <a:latin typeface="Trebuchet MS"/>
+                <a:cs typeface="Trebuchet MS"/>
               </a:rPr>
               <a:t>a</a:t>
             </a:r>
             <a:r>
-              <a:rPr sz="1200" spc="-5" dirty="0">
-                <a:solidFill>
-                  <a:srgbClr val="404040"/>
-                </a:solidFill>
-                <a:latin typeface="Trebuchet MS" panose="020B0603020202020204"/>
-                <a:cs typeface="Trebuchet MS" panose="020B0603020202020204"/>
-              </a:rPr>
-              <a:t> </a:t>
-            </a:r>
-            <a:r>
-              <a:rPr sz="1200" spc="-35" dirty="0">
-                <a:solidFill>
-                  <a:srgbClr val="404040"/>
-                </a:solidFill>
-                <a:latin typeface="Trebuchet MS" panose="020B0603020202020204"/>
-                <a:cs typeface="Trebuchet MS" panose="020B0603020202020204"/>
+              <a:rPr dirty="0" sz="1200" spc="-5">
+                <a:solidFill>
+                  <a:srgbClr val="404040"/>
+                </a:solidFill>
+                <a:latin typeface="Trebuchet MS"/>
+                <a:cs typeface="Trebuchet MS"/>
+              </a:rPr>
+              <a:t> </a:t>
+            </a:r>
+            <a:r>
+              <a:rPr dirty="0" sz="1200" spc="-35">
+                <a:solidFill>
+                  <a:srgbClr val="404040"/>
+                </a:solidFill>
+                <a:latin typeface="Trebuchet MS"/>
+                <a:cs typeface="Trebuchet MS"/>
               </a:rPr>
               <a:t>critical</a:t>
             </a:r>
             <a:r>
-              <a:rPr sz="1200" spc="-5" dirty="0">
-                <a:solidFill>
-                  <a:srgbClr val="404040"/>
-                </a:solidFill>
-                <a:latin typeface="Trebuchet MS" panose="020B0603020202020204"/>
-                <a:cs typeface="Trebuchet MS" panose="020B0603020202020204"/>
-              </a:rPr>
-              <a:t> </a:t>
-            </a:r>
-            <a:r>
-              <a:rPr sz="1200" spc="-20" dirty="0">
-                <a:solidFill>
-                  <a:srgbClr val="404040"/>
-                </a:solidFill>
-                <a:latin typeface="Trebuchet MS" panose="020B0603020202020204"/>
-                <a:cs typeface="Trebuchet MS" panose="020B0603020202020204"/>
+              <a:rPr dirty="0" sz="1200" spc="-5">
+                <a:solidFill>
+                  <a:srgbClr val="404040"/>
+                </a:solidFill>
+                <a:latin typeface="Trebuchet MS"/>
+                <a:cs typeface="Trebuchet MS"/>
+              </a:rPr>
+              <a:t> </a:t>
+            </a:r>
+            <a:r>
+              <a:rPr dirty="0" sz="1200" spc="-20">
+                <a:solidFill>
+                  <a:srgbClr val="404040"/>
+                </a:solidFill>
+                <a:latin typeface="Trebuchet MS"/>
+                <a:cs typeface="Trebuchet MS"/>
               </a:rPr>
               <a:t>component,</a:t>
             </a:r>
             <a:r>
-              <a:rPr sz="1200" spc="-5" dirty="0">
-                <a:solidFill>
-                  <a:srgbClr val="404040"/>
-                </a:solidFill>
-                <a:latin typeface="Trebuchet MS" panose="020B0603020202020204"/>
-                <a:cs typeface="Trebuchet MS" panose="020B0603020202020204"/>
-              </a:rPr>
-              <a:t> </a:t>
-            </a:r>
-            <a:r>
-              <a:rPr sz="1200" dirty="0">
-                <a:solidFill>
-                  <a:srgbClr val="404040"/>
-                </a:solidFill>
-                <a:latin typeface="Trebuchet MS" panose="020B0603020202020204"/>
-                <a:cs typeface="Trebuchet MS" panose="020B0603020202020204"/>
+              <a:rPr dirty="0" sz="1200" spc="-5">
+                <a:solidFill>
+                  <a:srgbClr val="404040"/>
+                </a:solidFill>
+                <a:latin typeface="Trebuchet MS"/>
+                <a:cs typeface="Trebuchet MS"/>
+              </a:rPr>
+              <a:t> </a:t>
+            </a:r>
+            <a:r>
+              <a:rPr dirty="0" sz="1200">
+                <a:solidFill>
+                  <a:srgbClr val="404040"/>
+                </a:solidFill>
+                <a:latin typeface="Trebuchet MS"/>
+                <a:cs typeface="Trebuchet MS"/>
               </a:rPr>
               <a:t>ensuring</a:t>
             </a:r>
             <a:r>
-              <a:rPr sz="1200" spc="-5" dirty="0">
-                <a:solidFill>
-                  <a:srgbClr val="404040"/>
-                </a:solidFill>
-                <a:latin typeface="Trebuchet MS" panose="020B0603020202020204"/>
-                <a:cs typeface="Trebuchet MS" panose="020B0603020202020204"/>
-              </a:rPr>
-              <a:t> </a:t>
-            </a:r>
-            <a:r>
-              <a:rPr sz="1200" spc="-30" dirty="0">
-                <a:solidFill>
-                  <a:srgbClr val="404040"/>
-                </a:solidFill>
-                <a:latin typeface="Trebuchet MS" panose="020B0603020202020204"/>
-                <a:cs typeface="Trebuchet MS" panose="020B0603020202020204"/>
+              <a:rPr dirty="0" sz="1200" spc="-5">
+                <a:solidFill>
+                  <a:srgbClr val="404040"/>
+                </a:solidFill>
+                <a:latin typeface="Trebuchet MS"/>
+                <a:cs typeface="Trebuchet MS"/>
+              </a:rPr>
+              <a:t> </a:t>
+            </a:r>
+            <a:r>
+              <a:rPr dirty="0" sz="1200" spc="-30">
+                <a:solidFill>
+                  <a:srgbClr val="404040"/>
+                </a:solidFill>
+                <a:latin typeface="Trebuchet MS"/>
+                <a:cs typeface="Trebuchet MS"/>
               </a:rPr>
               <a:t>eﬃcient</a:t>
             </a:r>
             <a:r>
-              <a:rPr sz="1200" spc="-5" dirty="0">
-                <a:solidFill>
-                  <a:srgbClr val="404040"/>
-                </a:solidFill>
-                <a:latin typeface="Trebuchet MS" panose="020B0603020202020204"/>
-                <a:cs typeface="Trebuchet MS" panose="020B0603020202020204"/>
-              </a:rPr>
-              <a:t> </a:t>
-            </a:r>
-            <a:r>
-              <a:rPr sz="1200" spc="-25" dirty="0">
-                <a:solidFill>
-                  <a:srgbClr val="404040"/>
-                </a:solidFill>
-                <a:latin typeface="Trebuchet MS" panose="020B0603020202020204"/>
-                <a:cs typeface="Trebuchet MS" panose="020B0603020202020204"/>
+              <a:rPr dirty="0" sz="1200" spc="-5">
+                <a:solidFill>
+                  <a:srgbClr val="404040"/>
+                </a:solidFill>
+                <a:latin typeface="Trebuchet MS"/>
+                <a:cs typeface="Trebuchet MS"/>
+              </a:rPr>
+              <a:t> </a:t>
+            </a:r>
+            <a:r>
+              <a:rPr dirty="0" sz="1200" spc="-25">
+                <a:solidFill>
+                  <a:srgbClr val="404040"/>
+                </a:solidFill>
+                <a:latin typeface="Trebuchet MS"/>
+                <a:cs typeface="Trebuchet MS"/>
               </a:rPr>
               <a:t>collaboration.</a:t>
             </a:r>
             <a:r>
-              <a:rPr sz="1200" spc="-5" dirty="0">
-                <a:solidFill>
-                  <a:srgbClr val="404040"/>
-                </a:solidFill>
-                <a:latin typeface="Trebuchet MS" panose="020B0603020202020204"/>
-                <a:cs typeface="Trebuchet MS" panose="020B0603020202020204"/>
-              </a:rPr>
-              <a:t> </a:t>
-            </a:r>
-            <a:r>
-              <a:rPr sz="1200" dirty="0">
-                <a:solidFill>
-                  <a:srgbClr val="404040"/>
-                </a:solidFill>
-                <a:latin typeface="Trebuchet MS" panose="020B0603020202020204"/>
-                <a:cs typeface="Trebuchet MS" panose="020B0603020202020204"/>
+              <a:rPr dirty="0" sz="1200" spc="-5">
+                <a:solidFill>
+                  <a:srgbClr val="404040"/>
+                </a:solidFill>
+                <a:latin typeface="Trebuchet MS"/>
+                <a:cs typeface="Trebuchet MS"/>
+              </a:rPr>
+              <a:t> </a:t>
+            </a:r>
+            <a:r>
+              <a:rPr dirty="0" sz="1200">
+                <a:solidFill>
+                  <a:srgbClr val="404040"/>
+                </a:solidFill>
+                <a:latin typeface="Trebuchet MS"/>
+                <a:cs typeface="Trebuchet MS"/>
               </a:rPr>
               <a:t>The</a:t>
             </a:r>
             <a:r>
-              <a:rPr sz="1200" spc="-5" dirty="0">
-                <a:solidFill>
-                  <a:srgbClr val="404040"/>
-                </a:solidFill>
-                <a:latin typeface="Trebuchet MS" panose="020B0603020202020204"/>
-                <a:cs typeface="Trebuchet MS" panose="020B0603020202020204"/>
-              </a:rPr>
-              <a:t> </a:t>
-            </a:r>
-            <a:r>
-              <a:rPr sz="1200" dirty="0">
-                <a:solidFill>
-                  <a:srgbClr val="404040"/>
-                </a:solidFill>
-                <a:latin typeface="Trebuchet MS" panose="020B0603020202020204"/>
-                <a:cs typeface="Trebuchet MS" panose="020B0603020202020204"/>
+              <a:rPr dirty="0" sz="1200" spc="-5">
+                <a:solidFill>
+                  <a:srgbClr val="404040"/>
+                </a:solidFill>
+                <a:latin typeface="Trebuchet MS"/>
+                <a:cs typeface="Trebuchet MS"/>
+              </a:rPr>
+              <a:t> </a:t>
+            </a:r>
+            <a:r>
+              <a:rPr dirty="0" sz="1200">
+                <a:solidFill>
+                  <a:srgbClr val="404040"/>
+                </a:solidFill>
+                <a:latin typeface="Trebuchet MS"/>
+                <a:cs typeface="Trebuchet MS"/>
               </a:rPr>
               <a:t>game</a:t>
             </a:r>
             <a:r>
-              <a:rPr sz="1200" spc="-5" dirty="0">
-                <a:solidFill>
-                  <a:srgbClr val="404040"/>
-                </a:solidFill>
-                <a:latin typeface="Trebuchet MS" panose="020B0603020202020204"/>
-                <a:cs typeface="Trebuchet MS" panose="020B0603020202020204"/>
-              </a:rPr>
-              <a:t> </a:t>
-            </a:r>
-            <a:r>
-              <a:rPr sz="1200" spc="-10" dirty="0">
-                <a:solidFill>
-                  <a:srgbClr val="404040"/>
-                </a:solidFill>
-                <a:latin typeface="Trebuchet MS" panose="020B0603020202020204"/>
-                <a:cs typeface="Trebuchet MS" panose="020B0603020202020204"/>
+              <a:rPr dirty="0" sz="1200" spc="-5">
+                <a:solidFill>
+                  <a:srgbClr val="404040"/>
+                </a:solidFill>
+                <a:latin typeface="Trebuchet MS"/>
+                <a:cs typeface="Trebuchet MS"/>
+              </a:rPr>
+              <a:t> </a:t>
+            </a:r>
+            <a:r>
+              <a:rPr dirty="0" sz="1200" spc="-10">
+                <a:solidFill>
+                  <a:srgbClr val="404040"/>
+                </a:solidFill>
+                <a:latin typeface="Trebuchet MS"/>
+                <a:cs typeface="Trebuchet MS"/>
               </a:rPr>
               <a:t>features:</a:t>
             </a:r>
             <a:endParaRPr sz="1200">
-              <a:latin typeface="Trebuchet MS" panose="020B0603020202020204"/>
-              <a:cs typeface="Trebuchet MS" panose="020B0603020202020204"/>
+              <a:latin typeface="Trebuchet MS"/>
+              <a:cs typeface="Trebuchet MS"/>
             </a:endParaRPr>
           </a:p>
           <a:p>
-            <a:pPr marL="469265" lvl="1" indent="-227965">
+            <a:pPr lvl="1" marL="469265" indent="-227965">
               <a:lnSpc>
                 <a:spcPct val="100000"/>
               </a:lnSpc>
               <a:spcBef>
                 <a:spcPts val="215"/>
               </a:spcBef>
-              <a:buFont typeface="Arial" panose="020B0604020202020204"/>
+              <a:buFont typeface="Arial"/>
               <a:buChar char="●"/>
               <a:tabLst>
                 <a:tab pos="469265" algn="l"/>
               </a:tabLst>
             </a:pPr>
             <a:r>
-              <a:rPr sz="1200" dirty="0">
-                <a:solidFill>
-                  <a:srgbClr val="404040"/>
-                </a:solidFill>
-                <a:latin typeface="Trebuchet MS" panose="020B0603020202020204"/>
-                <a:cs typeface="Trebuchet MS" panose="020B0603020202020204"/>
+              <a:rPr dirty="0" sz="1200">
+                <a:solidFill>
+                  <a:srgbClr val="404040"/>
+                </a:solidFill>
+                <a:latin typeface="Trebuchet MS"/>
+                <a:cs typeface="Trebuchet MS"/>
               </a:rPr>
               <a:t>Smooth</a:t>
             </a:r>
             <a:r>
-              <a:rPr sz="1200" spc="80" dirty="0">
-                <a:solidFill>
-                  <a:srgbClr val="404040"/>
-                </a:solidFill>
-                <a:latin typeface="Trebuchet MS" panose="020B0603020202020204"/>
-                <a:cs typeface="Trebuchet MS" panose="020B0603020202020204"/>
-              </a:rPr>
-              <a:t> </a:t>
-            </a:r>
-            <a:r>
-              <a:rPr sz="1200" dirty="0">
-                <a:solidFill>
-                  <a:srgbClr val="404040"/>
-                </a:solidFill>
-                <a:latin typeface="Trebuchet MS" panose="020B0603020202020204"/>
-                <a:cs typeface="Trebuchet MS" panose="020B0603020202020204"/>
+              <a:rPr dirty="0" sz="1200" spc="80">
+                <a:solidFill>
+                  <a:srgbClr val="404040"/>
+                </a:solidFill>
+                <a:latin typeface="Trebuchet MS"/>
+                <a:cs typeface="Trebuchet MS"/>
+              </a:rPr>
+              <a:t> </a:t>
+            </a:r>
+            <a:r>
+              <a:rPr dirty="0" sz="1200">
+                <a:solidFill>
+                  <a:srgbClr val="404040"/>
+                </a:solidFill>
+                <a:latin typeface="Trebuchet MS"/>
+                <a:cs typeface="Trebuchet MS"/>
               </a:rPr>
               <a:t>snake</a:t>
             </a:r>
             <a:r>
-              <a:rPr sz="1200" spc="80" dirty="0">
-                <a:solidFill>
-                  <a:srgbClr val="404040"/>
-                </a:solidFill>
-                <a:latin typeface="Trebuchet MS" panose="020B0603020202020204"/>
-                <a:cs typeface="Trebuchet MS" panose="020B0603020202020204"/>
-              </a:rPr>
-              <a:t> </a:t>
-            </a:r>
-            <a:r>
-              <a:rPr sz="1200" spc="-10" dirty="0">
-                <a:solidFill>
-                  <a:srgbClr val="404040"/>
-                </a:solidFill>
-                <a:latin typeface="Trebuchet MS" panose="020B0603020202020204"/>
-                <a:cs typeface="Trebuchet MS" panose="020B0603020202020204"/>
+              <a:rPr dirty="0" sz="1200" spc="80">
+                <a:solidFill>
+                  <a:srgbClr val="404040"/>
+                </a:solidFill>
+                <a:latin typeface="Trebuchet MS"/>
+                <a:cs typeface="Trebuchet MS"/>
+              </a:rPr>
+              <a:t> </a:t>
+            </a:r>
+            <a:r>
+              <a:rPr dirty="0" sz="1200" spc="-10">
+                <a:solidFill>
+                  <a:srgbClr val="404040"/>
+                </a:solidFill>
+                <a:latin typeface="Trebuchet MS"/>
+                <a:cs typeface="Trebuchet MS"/>
               </a:rPr>
               <a:t>movement</a:t>
             </a:r>
             <a:endParaRPr sz="1200">
-              <a:latin typeface="Trebuchet MS" panose="020B0603020202020204"/>
-              <a:cs typeface="Trebuchet MS" panose="020B0603020202020204"/>
+              <a:latin typeface="Trebuchet MS"/>
+              <a:cs typeface="Trebuchet MS"/>
             </a:endParaRPr>
           </a:p>
           <a:p>
-            <a:pPr marL="469265" lvl="1" indent="-227965">
+            <a:pPr lvl="1" marL="469265" indent="-227965">
               <a:lnSpc>
                 <a:spcPct val="100000"/>
               </a:lnSpc>
               <a:spcBef>
-                <a:spcPts val="220"/>
+                <a:spcPts val="219"/>
               </a:spcBef>
-              <a:buFont typeface="Arial" panose="020B0604020202020204"/>
+              <a:buFont typeface="Arial"/>
               <a:buChar char="●"/>
               <a:tabLst>
                 <a:tab pos="469265" algn="l"/>
               </a:tabLst>
             </a:pPr>
             <a:r>
-              <a:rPr sz="1200" dirty="0">
-                <a:solidFill>
-                  <a:srgbClr val="404040"/>
-                </a:solidFill>
-                <a:latin typeface="Trebuchet MS" panose="020B0603020202020204"/>
-                <a:cs typeface="Trebuchet MS" panose="020B0603020202020204"/>
+              <a:rPr dirty="0" sz="1200">
+                <a:solidFill>
+                  <a:srgbClr val="404040"/>
+                </a:solidFill>
+                <a:latin typeface="Trebuchet MS"/>
+                <a:cs typeface="Trebuchet MS"/>
               </a:rPr>
               <a:t>Food</a:t>
             </a:r>
             <a:r>
-              <a:rPr sz="1200" spc="-5" dirty="0">
-                <a:solidFill>
-                  <a:srgbClr val="404040"/>
-                </a:solidFill>
-                <a:latin typeface="Trebuchet MS" panose="020B0603020202020204"/>
-                <a:cs typeface="Trebuchet MS" panose="020B0603020202020204"/>
-              </a:rPr>
-              <a:t> </a:t>
-            </a:r>
-            <a:r>
-              <a:rPr sz="1200" spc="-20" dirty="0">
-                <a:solidFill>
-                  <a:srgbClr val="404040"/>
-                </a:solidFill>
-                <a:latin typeface="Trebuchet MS" panose="020B0603020202020204"/>
-                <a:cs typeface="Trebuchet MS" panose="020B0603020202020204"/>
+              <a:rPr dirty="0" sz="1200" spc="-5">
+                <a:solidFill>
+                  <a:srgbClr val="404040"/>
+                </a:solidFill>
+                <a:latin typeface="Trebuchet MS"/>
+                <a:cs typeface="Trebuchet MS"/>
+              </a:rPr>
+              <a:t> </a:t>
+            </a:r>
+            <a:r>
+              <a:rPr dirty="0" sz="1200" spc="-20">
+                <a:solidFill>
+                  <a:srgbClr val="404040"/>
+                </a:solidFill>
+                <a:latin typeface="Trebuchet MS"/>
+                <a:cs typeface="Trebuchet MS"/>
               </a:rPr>
               <a:t>collection</a:t>
             </a:r>
             <a:r>
-              <a:rPr sz="1200" spc="-5" dirty="0">
-                <a:solidFill>
-                  <a:srgbClr val="404040"/>
-                </a:solidFill>
-                <a:latin typeface="Trebuchet MS" panose="020B0603020202020204"/>
-                <a:cs typeface="Trebuchet MS" panose="020B0603020202020204"/>
-              </a:rPr>
-              <a:t> </a:t>
-            </a:r>
-            <a:r>
-              <a:rPr sz="1200" spc="-120" dirty="0">
-                <a:solidFill>
-                  <a:srgbClr val="404040"/>
-                </a:solidFill>
-                <a:latin typeface="Trebuchet MS" panose="020B0603020202020204"/>
-                <a:cs typeface="Trebuchet MS" panose="020B0603020202020204"/>
+              <a:rPr dirty="0" sz="1200" spc="-5">
+                <a:solidFill>
+                  <a:srgbClr val="404040"/>
+                </a:solidFill>
+                <a:latin typeface="Trebuchet MS"/>
+                <a:cs typeface="Trebuchet MS"/>
+              </a:rPr>
+              <a:t> </a:t>
+            </a:r>
+            <a:r>
+              <a:rPr dirty="0" sz="1200" spc="-120">
+                <a:solidFill>
+                  <a:srgbClr val="404040"/>
+                </a:solidFill>
+                <a:latin typeface="Trebuchet MS"/>
+                <a:cs typeface="Trebuchet MS"/>
               </a:rPr>
               <a:t>&amp;</a:t>
             </a:r>
             <a:r>
-              <a:rPr sz="1200" dirty="0">
-                <a:solidFill>
-                  <a:srgbClr val="404040"/>
-                </a:solidFill>
-                <a:latin typeface="Trebuchet MS" panose="020B0603020202020204"/>
-                <a:cs typeface="Trebuchet MS" panose="020B0603020202020204"/>
+              <a:rPr dirty="0" sz="1200">
+                <a:solidFill>
+                  <a:srgbClr val="404040"/>
+                </a:solidFill>
+                <a:latin typeface="Trebuchet MS"/>
+                <a:cs typeface="Trebuchet MS"/>
               </a:rPr>
               <a:t> score</a:t>
             </a:r>
             <a:r>
-              <a:rPr sz="1200" spc="-5" dirty="0">
-                <a:solidFill>
-                  <a:srgbClr val="404040"/>
-                </a:solidFill>
-                <a:latin typeface="Trebuchet MS" panose="020B0603020202020204"/>
-                <a:cs typeface="Trebuchet MS" panose="020B0603020202020204"/>
-              </a:rPr>
-              <a:t> </a:t>
-            </a:r>
-            <a:r>
-              <a:rPr sz="1200" spc="-10" dirty="0">
-                <a:solidFill>
-                  <a:srgbClr val="404040"/>
-                </a:solidFill>
-                <a:latin typeface="Trebuchet MS" panose="020B0603020202020204"/>
-                <a:cs typeface="Trebuchet MS" panose="020B0603020202020204"/>
+              <a:rPr dirty="0" sz="1200" spc="-5">
+                <a:solidFill>
+                  <a:srgbClr val="404040"/>
+                </a:solidFill>
+                <a:latin typeface="Trebuchet MS"/>
+                <a:cs typeface="Trebuchet MS"/>
+              </a:rPr>
+              <a:t> </a:t>
+            </a:r>
+            <a:r>
+              <a:rPr dirty="0" sz="1200" spc="-10">
+                <a:solidFill>
+                  <a:srgbClr val="404040"/>
+                </a:solidFill>
+                <a:latin typeface="Trebuchet MS"/>
+                <a:cs typeface="Trebuchet MS"/>
               </a:rPr>
               <a:t>tracking</a:t>
             </a:r>
             <a:endParaRPr sz="1200">
-              <a:latin typeface="Trebuchet MS" panose="020B0603020202020204"/>
-              <a:cs typeface="Trebuchet MS" panose="020B0603020202020204"/>
+              <a:latin typeface="Trebuchet MS"/>
+              <a:cs typeface="Trebuchet MS"/>
             </a:endParaRPr>
           </a:p>
           <a:p>
-            <a:pPr marL="469265" lvl="1" indent="-227965">
+            <a:pPr lvl="1" marL="469265" indent="-227965">
               <a:lnSpc>
                 <a:spcPct val="100000"/>
               </a:lnSpc>
               <a:spcBef>
                 <a:spcPts val="215"/>
               </a:spcBef>
-              <a:buFont typeface="Arial" panose="020B0604020202020204"/>
+              <a:buFont typeface="Arial"/>
               <a:buChar char="●"/>
               <a:tabLst>
                 <a:tab pos="469265" algn="l"/>
               </a:tabLst>
             </a:pPr>
             <a:r>
-              <a:rPr sz="1200" dirty="0">
-                <a:solidFill>
-                  <a:srgbClr val="404040"/>
-                </a:solidFill>
-                <a:latin typeface="Trebuchet MS" panose="020B0603020202020204"/>
-                <a:cs typeface="Trebuchet MS" panose="020B0603020202020204"/>
+              <a:rPr dirty="0" sz="1200">
+                <a:solidFill>
+                  <a:srgbClr val="404040"/>
+                </a:solidFill>
+                <a:latin typeface="Trebuchet MS"/>
+                <a:cs typeface="Trebuchet MS"/>
               </a:rPr>
               <a:t>Collision</a:t>
             </a:r>
             <a:r>
-              <a:rPr sz="1200" spc="-30" dirty="0">
-                <a:solidFill>
-                  <a:srgbClr val="404040"/>
-                </a:solidFill>
-                <a:latin typeface="Trebuchet MS" panose="020B0603020202020204"/>
-                <a:cs typeface="Trebuchet MS" panose="020B0603020202020204"/>
-              </a:rPr>
-              <a:t> </a:t>
-            </a:r>
-            <a:r>
-              <a:rPr sz="1200" spc="-20" dirty="0">
-                <a:solidFill>
-                  <a:srgbClr val="404040"/>
-                </a:solidFill>
-                <a:latin typeface="Trebuchet MS" panose="020B0603020202020204"/>
-                <a:cs typeface="Trebuchet MS" panose="020B0603020202020204"/>
+              <a:rPr dirty="0" sz="1200" spc="-30">
+                <a:solidFill>
+                  <a:srgbClr val="404040"/>
+                </a:solidFill>
+                <a:latin typeface="Trebuchet MS"/>
+                <a:cs typeface="Trebuchet MS"/>
+              </a:rPr>
+              <a:t> </a:t>
+            </a:r>
+            <a:r>
+              <a:rPr dirty="0" sz="1200" spc="-20">
+                <a:solidFill>
+                  <a:srgbClr val="404040"/>
+                </a:solidFill>
+                <a:latin typeface="Trebuchet MS"/>
+                <a:cs typeface="Trebuchet MS"/>
               </a:rPr>
               <a:t>detection</a:t>
             </a:r>
             <a:r>
-              <a:rPr sz="1200" spc="-30" dirty="0">
-                <a:solidFill>
-                  <a:srgbClr val="404040"/>
-                </a:solidFill>
-                <a:latin typeface="Trebuchet MS" panose="020B0603020202020204"/>
-                <a:cs typeface="Trebuchet MS" panose="020B0603020202020204"/>
-              </a:rPr>
-              <a:t> </a:t>
-            </a:r>
-            <a:r>
-              <a:rPr sz="1200" spc="-10" dirty="0">
-                <a:solidFill>
-                  <a:srgbClr val="404040"/>
-                </a:solidFill>
-                <a:latin typeface="Trebuchet MS" panose="020B0603020202020204"/>
-                <a:cs typeface="Trebuchet MS" panose="020B0603020202020204"/>
+              <a:rPr dirty="0" sz="1200" spc="-30">
+                <a:solidFill>
+                  <a:srgbClr val="404040"/>
+                </a:solidFill>
+                <a:latin typeface="Trebuchet MS"/>
+                <a:cs typeface="Trebuchet MS"/>
+              </a:rPr>
+              <a:t> </a:t>
+            </a:r>
+            <a:r>
+              <a:rPr dirty="0" sz="1200" spc="-10">
+                <a:solidFill>
+                  <a:srgbClr val="404040"/>
+                </a:solidFill>
+                <a:latin typeface="Trebuchet MS"/>
+                <a:cs typeface="Trebuchet MS"/>
               </a:rPr>
               <a:t>(walls/self)</a:t>
             </a:r>
             <a:endParaRPr sz="1200">
-              <a:latin typeface="Trebuchet MS" panose="020B0603020202020204"/>
-              <a:cs typeface="Trebuchet MS" panose="020B0603020202020204"/>
+              <a:latin typeface="Trebuchet MS"/>
+              <a:cs typeface="Trebuchet MS"/>
             </a:endParaRPr>
           </a:p>
           <a:p>
-            <a:pPr marL="469265" lvl="1" indent="-227965">
+            <a:pPr lvl="1" marL="469265" indent="-227965">
               <a:lnSpc>
                 <a:spcPct val="100000"/>
               </a:lnSpc>
               <a:spcBef>
                 <a:spcPts val="215"/>
               </a:spcBef>
-              <a:buFont typeface="Arial" panose="020B0604020202020204"/>
+              <a:buFont typeface="Arial"/>
               <a:buChar char="●"/>
               <a:tabLst>
                 <a:tab pos="469265" algn="l"/>
               </a:tabLst>
             </a:pPr>
             <a:r>
-              <a:rPr sz="1200" dirty="0">
-                <a:solidFill>
-                  <a:srgbClr val="404040"/>
-                </a:solidFill>
-                <a:latin typeface="Trebuchet MS" panose="020B0603020202020204"/>
-                <a:cs typeface="Trebuchet MS" panose="020B0603020202020204"/>
+              <a:rPr dirty="0" sz="1200">
+                <a:solidFill>
+                  <a:srgbClr val="404040"/>
+                </a:solidFill>
+                <a:latin typeface="Trebuchet MS"/>
+                <a:cs typeface="Trebuchet MS"/>
               </a:rPr>
               <a:t>Stable</a:t>
             </a:r>
             <a:r>
-              <a:rPr sz="1200" spc="-60" dirty="0">
-                <a:solidFill>
-                  <a:srgbClr val="404040"/>
-                </a:solidFill>
-                <a:latin typeface="Trebuchet MS" panose="020B0603020202020204"/>
-                <a:cs typeface="Trebuchet MS" panose="020B0603020202020204"/>
-              </a:rPr>
-              <a:t> </a:t>
-            </a:r>
-            <a:r>
-              <a:rPr sz="1200" spc="-25" dirty="0">
-                <a:solidFill>
-                  <a:srgbClr val="404040"/>
-                </a:solidFill>
-                <a:latin typeface="Trebuchet MS" panose="020B0603020202020204"/>
-                <a:cs typeface="Trebuchet MS" panose="020B0603020202020204"/>
+              <a:rPr dirty="0" sz="1200" spc="-60">
+                <a:solidFill>
+                  <a:srgbClr val="404040"/>
+                </a:solidFill>
+                <a:latin typeface="Trebuchet MS"/>
+                <a:cs typeface="Trebuchet MS"/>
+              </a:rPr>
+              <a:t> </a:t>
+            </a:r>
+            <a:r>
+              <a:rPr dirty="0" sz="1200" spc="-25">
+                <a:solidFill>
+                  <a:srgbClr val="404040"/>
+                </a:solidFill>
+                <a:latin typeface="Trebuchet MS"/>
+                <a:cs typeface="Trebuchet MS"/>
               </a:rPr>
               <a:t>terminal</a:t>
             </a:r>
             <a:r>
-              <a:rPr sz="1200" spc="-55" dirty="0">
-                <a:solidFill>
-                  <a:srgbClr val="404040"/>
-                </a:solidFill>
-                <a:latin typeface="Trebuchet MS" panose="020B0603020202020204"/>
-                <a:cs typeface="Trebuchet MS" panose="020B0603020202020204"/>
-              </a:rPr>
-              <a:t> </a:t>
-            </a:r>
-            <a:r>
-              <a:rPr sz="1200" spc="-10" dirty="0">
-                <a:solidFill>
-                  <a:srgbClr val="404040"/>
-                </a:solidFill>
-                <a:latin typeface="Trebuchet MS" panose="020B0603020202020204"/>
-                <a:cs typeface="Trebuchet MS" panose="020B0603020202020204"/>
+              <a:rPr dirty="0" sz="1200" spc="-55">
+                <a:solidFill>
+                  <a:srgbClr val="404040"/>
+                </a:solidFill>
+                <a:latin typeface="Trebuchet MS"/>
+                <a:cs typeface="Trebuchet MS"/>
+              </a:rPr>
+              <a:t> </a:t>
+            </a:r>
+            <a:r>
+              <a:rPr dirty="0" sz="1200" spc="-10">
+                <a:solidFill>
+                  <a:srgbClr val="404040"/>
+                </a:solidFill>
+                <a:latin typeface="Trebuchet MS"/>
+                <a:cs typeface="Trebuchet MS"/>
               </a:rPr>
               <a:t>rendering.</a:t>
             </a:r>
             <a:endParaRPr sz="1200">
-              <a:latin typeface="Trebuchet MS" panose="020B0603020202020204"/>
-              <a:cs typeface="Trebuchet MS" panose="020B0603020202020204"/>
+              <a:latin typeface="Trebuchet MS"/>
+              <a:cs typeface="Trebuchet MS"/>
             </a:endParaRPr>
           </a:p>
           <a:p>
@@ -3199,8 +3162,8 @@
               </a:lnSpc>
             </a:pPr>
             <a:endParaRPr sz="1200">
-              <a:latin typeface="Trebuchet MS" panose="020B0603020202020204"/>
-              <a:cs typeface="Trebuchet MS" panose="020B0603020202020204"/>
+              <a:latin typeface="Trebuchet MS"/>
+              <a:cs typeface="Trebuchet MS"/>
             </a:endParaRPr>
           </a:p>
           <a:p>
@@ -3213,8 +3176,8 @@
               </a:spcBef>
             </a:pPr>
             <a:endParaRPr sz="1200">
-              <a:latin typeface="Trebuchet MS" panose="020B0603020202020204"/>
-              <a:cs typeface="Trebuchet MS" panose="020B0603020202020204"/>
+              <a:latin typeface="Trebuchet MS"/>
+              <a:cs typeface="Trebuchet MS"/>
             </a:endParaRPr>
           </a:p>
           <a:p>
@@ -3224,7 +3187,7 @@
               </a:lnSpc>
             </a:pPr>
             <a:r>
-              <a:rPr sz="1200" b="1" spc="-80" dirty="0">
+              <a:rPr dirty="0" sz="1200" spc="-80" b="1">
                 <a:solidFill>
                   <a:srgbClr val="404040"/>
                 </a:solidFill>
@@ -3234,17 +3197,17 @@
               <a:t>Team</a:t>
             </a:r>
             <a:r>
-              <a:rPr sz="1200" b="1" spc="-20" dirty="0">
-                <a:solidFill>
-                  <a:srgbClr val="404040"/>
-                </a:solidFill>
-                <a:latin typeface="Gill Sans MT"/>
-                <a:cs typeface="Gill Sans MT"/>
-              </a:rPr>
-              <a:t> </a:t>
-            </a:r>
-            <a:r>
-              <a:rPr sz="1200" b="1" spc="-10" dirty="0">
+              <a:rPr dirty="0" sz="1200" spc="-20" b="1">
+                <a:solidFill>
+                  <a:srgbClr val="404040"/>
+                </a:solidFill>
+                <a:latin typeface="Gill Sans MT"/>
+                <a:cs typeface="Gill Sans MT"/>
+              </a:rPr>
+              <a:t> </a:t>
+            </a:r>
+            <a:r>
+              <a:rPr dirty="0" sz="1200" spc="-10" b="1">
                 <a:solidFill>
                   <a:srgbClr val="404040"/>
                 </a:solidFill>
@@ -3272,7 +3235,7 @@
               </a:tabLst>
             </a:pPr>
             <a:r>
-              <a:rPr sz="1200" b="1" spc="-85" dirty="0">
+              <a:rPr dirty="0" sz="1200" spc="-85" b="1">
                 <a:solidFill>
                   <a:srgbClr val="404040"/>
                 </a:solidFill>
@@ -3282,17 +3245,17 @@
               <a:t>Game</a:t>
             </a:r>
             <a:r>
-              <a:rPr sz="1200" b="1" spc="15" dirty="0">
-                <a:solidFill>
-                  <a:srgbClr val="404040"/>
-                </a:solidFill>
-                <a:latin typeface="Gill Sans MT"/>
-                <a:cs typeface="Gill Sans MT"/>
-              </a:rPr>
-              <a:t> </a:t>
-            </a:r>
-            <a:r>
-              <a:rPr sz="1200" b="1" spc="-30" dirty="0">
+              <a:rPr dirty="0" sz="1200" spc="15" b="1">
+                <a:solidFill>
+                  <a:srgbClr val="404040"/>
+                </a:solidFill>
+                <a:latin typeface="Gill Sans MT"/>
+                <a:cs typeface="Gill Sans MT"/>
+              </a:rPr>
+              <a:t> </a:t>
+            </a:r>
+            <a:r>
+              <a:rPr dirty="0" sz="1200" spc="-30" b="1">
                 <a:solidFill>
                   <a:srgbClr val="404040"/>
                 </a:solidFill>
@@ -3302,17 +3265,17 @@
               <a:t>Initialization</a:t>
             </a:r>
             <a:r>
-              <a:rPr sz="1200" b="1" spc="15" dirty="0">
-                <a:solidFill>
-                  <a:srgbClr val="404040"/>
-                </a:solidFill>
-                <a:latin typeface="Gill Sans MT"/>
-                <a:cs typeface="Gill Sans MT"/>
-              </a:rPr>
-              <a:t> </a:t>
-            </a:r>
-            <a:r>
-              <a:rPr sz="1200" b="1" spc="-55" dirty="0">
+              <a:rPr dirty="0" sz="1200" spc="15" b="1">
+                <a:solidFill>
+                  <a:srgbClr val="404040"/>
+                </a:solidFill>
+                <a:latin typeface="Gill Sans MT"/>
+                <a:cs typeface="Gill Sans MT"/>
+              </a:rPr>
+              <a:t> </a:t>
+            </a:r>
+            <a:r>
+              <a:rPr dirty="0" sz="1200" spc="-55" b="1">
                 <a:solidFill>
                   <a:srgbClr val="404040"/>
                 </a:solidFill>
@@ -3322,17 +3285,17 @@
               <a:t>(Fardin</a:t>
             </a:r>
             <a:r>
-              <a:rPr sz="1200" b="1" spc="15" dirty="0">
-                <a:solidFill>
-                  <a:srgbClr val="404040"/>
-                </a:solidFill>
-                <a:latin typeface="Gill Sans MT"/>
-                <a:cs typeface="Gill Sans MT"/>
-              </a:rPr>
-              <a:t> </a:t>
-            </a:r>
-            <a:r>
-              <a:rPr sz="1200" b="1" spc="-10" dirty="0">
+              <a:rPr dirty="0" sz="1200" spc="15" b="1">
+                <a:solidFill>
+                  <a:srgbClr val="404040"/>
+                </a:solidFill>
+                <a:latin typeface="Gill Sans MT"/>
+                <a:cs typeface="Gill Sans MT"/>
+              </a:rPr>
+              <a:t> </a:t>
+            </a:r>
+            <a:r>
+              <a:rPr dirty="0" sz="1200" spc="-10" b="1">
                 <a:solidFill>
                   <a:srgbClr val="404040"/>
                 </a:solidFill>
@@ -3356,7 +3319,7 @@
               </a:spcBef>
             </a:pPr>
             <a:r>
-              <a:rPr sz="1200" i="1" spc="85" dirty="0">
+              <a:rPr dirty="0" sz="1200" spc="85" i="1">
                 <a:solidFill>
                   <a:srgbClr val="404040"/>
                 </a:solidFill>
@@ -3366,98 +3329,98 @@
               <a:t>Responsibility:</a:t>
             </a:r>
             <a:r>
-              <a:rPr sz="1200" i="1" spc="5" dirty="0">
-                <a:solidFill>
-                  <a:srgbClr val="404040"/>
-                </a:solidFill>
-                <a:latin typeface="Gill Sans MT"/>
-                <a:cs typeface="Gill Sans MT"/>
-              </a:rPr>
-              <a:t> </a:t>
-            </a:r>
-            <a:r>
-              <a:rPr sz="1200" dirty="0">
-                <a:solidFill>
-                  <a:srgbClr val="404040"/>
-                </a:solidFill>
-                <a:latin typeface="Trebuchet MS" panose="020B0603020202020204"/>
-                <a:cs typeface="Trebuchet MS" panose="020B0603020202020204"/>
+              <a:rPr dirty="0" sz="1200" spc="5" i="1">
+                <a:solidFill>
+                  <a:srgbClr val="404040"/>
+                </a:solidFill>
+                <a:latin typeface="Gill Sans MT"/>
+                <a:cs typeface="Gill Sans MT"/>
+              </a:rPr>
+              <a:t> </a:t>
+            </a:r>
+            <a:r>
+              <a:rPr dirty="0" sz="1200">
+                <a:solidFill>
+                  <a:srgbClr val="404040"/>
+                </a:solidFill>
+                <a:latin typeface="Trebuchet MS"/>
+                <a:cs typeface="Trebuchet MS"/>
               </a:rPr>
               <a:t>Setup</a:t>
             </a:r>
             <a:r>
-              <a:rPr sz="1200" spc="-20" dirty="0">
-                <a:solidFill>
-                  <a:srgbClr val="404040"/>
-                </a:solidFill>
-                <a:latin typeface="Trebuchet MS" panose="020B0603020202020204"/>
-                <a:cs typeface="Trebuchet MS" panose="020B0603020202020204"/>
-              </a:rPr>
-              <a:t> </a:t>
-            </a:r>
-            <a:r>
-              <a:rPr sz="1200" dirty="0">
-                <a:solidFill>
-                  <a:srgbClr val="404040"/>
-                </a:solidFill>
-                <a:latin typeface="Trebuchet MS" panose="020B0603020202020204"/>
-                <a:cs typeface="Trebuchet MS" panose="020B0603020202020204"/>
+              <a:rPr dirty="0" sz="1200" spc="-20">
+                <a:solidFill>
+                  <a:srgbClr val="404040"/>
+                </a:solidFill>
+                <a:latin typeface="Trebuchet MS"/>
+                <a:cs typeface="Trebuchet MS"/>
+              </a:rPr>
+              <a:t> </a:t>
+            </a:r>
+            <a:r>
+              <a:rPr dirty="0" sz="1200">
+                <a:solidFill>
+                  <a:srgbClr val="404040"/>
+                </a:solidFill>
+                <a:latin typeface="Trebuchet MS"/>
+                <a:cs typeface="Trebuchet MS"/>
               </a:rPr>
               <a:t>game</a:t>
             </a:r>
             <a:r>
-              <a:rPr sz="1200" spc="-20" dirty="0">
-                <a:solidFill>
-                  <a:srgbClr val="404040"/>
-                </a:solidFill>
-                <a:latin typeface="Trebuchet MS" panose="020B0603020202020204"/>
-                <a:cs typeface="Trebuchet MS" panose="020B0603020202020204"/>
-              </a:rPr>
-              <a:t> </a:t>
-            </a:r>
-            <a:r>
-              <a:rPr sz="1200" spc="-10" dirty="0">
-                <a:solidFill>
-                  <a:srgbClr val="404040"/>
-                </a:solidFill>
-                <a:latin typeface="Trebuchet MS" panose="020B0603020202020204"/>
-                <a:cs typeface="Trebuchet MS" panose="020B0603020202020204"/>
+              <a:rPr dirty="0" sz="1200" spc="-20">
+                <a:solidFill>
+                  <a:srgbClr val="404040"/>
+                </a:solidFill>
+                <a:latin typeface="Trebuchet MS"/>
+                <a:cs typeface="Trebuchet MS"/>
+              </a:rPr>
+              <a:t> </a:t>
+            </a:r>
+            <a:r>
+              <a:rPr dirty="0" sz="1200" spc="-10">
+                <a:solidFill>
+                  <a:srgbClr val="404040"/>
+                </a:solidFill>
+                <a:latin typeface="Trebuchet MS"/>
+                <a:cs typeface="Trebuchet MS"/>
               </a:rPr>
               <a:t>state</a:t>
             </a:r>
             <a:r>
-              <a:rPr sz="1200" spc="-20" dirty="0">
-                <a:solidFill>
-                  <a:srgbClr val="404040"/>
-                </a:solidFill>
-                <a:latin typeface="Trebuchet MS" panose="020B0603020202020204"/>
-                <a:cs typeface="Trebuchet MS" panose="020B0603020202020204"/>
-              </a:rPr>
-              <a:t> </a:t>
-            </a:r>
-            <a:r>
-              <a:rPr sz="1200" dirty="0">
-                <a:solidFill>
-                  <a:srgbClr val="404040"/>
-                </a:solidFill>
-                <a:latin typeface="Trebuchet MS" panose="020B0603020202020204"/>
-                <a:cs typeface="Trebuchet MS" panose="020B0603020202020204"/>
+              <a:rPr dirty="0" sz="1200" spc="-20">
+                <a:solidFill>
+                  <a:srgbClr val="404040"/>
+                </a:solidFill>
+                <a:latin typeface="Trebuchet MS"/>
+                <a:cs typeface="Trebuchet MS"/>
+              </a:rPr>
+              <a:t> </a:t>
+            </a:r>
+            <a:r>
+              <a:rPr dirty="0" sz="1200">
+                <a:solidFill>
+                  <a:srgbClr val="404040"/>
+                </a:solidFill>
+                <a:latin typeface="Trebuchet MS"/>
+                <a:cs typeface="Trebuchet MS"/>
               </a:rPr>
               <a:t>and</a:t>
             </a:r>
             <a:r>
-              <a:rPr sz="1200" spc="-20" dirty="0">
-                <a:solidFill>
-                  <a:srgbClr val="404040"/>
-                </a:solidFill>
-                <a:latin typeface="Trebuchet MS" panose="020B0603020202020204"/>
-                <a:cs typeface="Trebuchet MS" panose="020B0603020202020204"/>
+              <a:rPr dirty="0" sz="1200" spc="-20">
+                <a:solidFill>
+                  <a:srgbClr val="404040"/>
+                </a:solidFill>
+                <a:latin typeface="Trebuchet MS"/>
+                <a:cs typeface="Trebuchet MS"/>
               </a:rPr>
               <a:t> control ﬂow.</a:t>
             </a:r>
             <a:endParaRPr sz="1200">
-              <a:latin typeface="Trebuchet MS" panose="020B0603020202020204"/>
-              <a:cs typeface="Trebuchet MS" panose="020B0603020202020204"/>
+              <a:latin typeface="Trebuchet MS"/>
+              <a:cs typeface="Trebuchet MS"/>
             </a:endParaRPr>
           </a:p>
           <a:p>
@@ -3470,8 +3433,8 @@
               </a:spcBef>
             </a:pPr>
             <a:endParaRPr sz="1200">
-              <a:latin typeface="Trebuchet MS" panose="020B0603020202020204"/>
-              <a:cs typeface="Trebuchet MS" panose="020B0603020202020204"/>
+              <a:latin typeface="Trebuchet MS"/>
+              <a:cs typeface="Trebuchet MS"/>
             </a:endParaRPr>
           </a:p>
           <a:p>
@@ -3481,7 +3444,7 @@
               </a:lnSpc>
             </a:pPr>
             <a:r>
-              <a:rPr sz="1200" b="1" spc="-60" dirty="0">
+              <a:rPr dirty="0" sz="1200" spc="-60" b="1">
                 <a:solidFill>
                   <a:srgbClr val="404040"/>
                 </a:solidFill>
@@ -3491,17 +3454,17 @@
               <a:t>Key</a:t>
             </a:r>
             <a:r>
-              <a:rPr sz="1200" b="1" spc="-30" dirty="0">
-                <a:solidFill>
-                  <a:srgbClr val="404040"/>
-                </a:solidFill>
-                <a:latin typeface="Gill Sans MT"/>
-                <a:cs typeface="Gill Sans MT"/>
-              </a:rPr>
-              <a:t> </a:t>
-            </a:r>
-            <a:r>
-              <a:rPr sz="1200" b="1" spc="-10" dirty="0">
+              <a:rPr dirty="0" sz="1200" spc="-30" b="1">
+                <a:solidFill>
+                  <a:srgbClr val="404040"/>
+                </a:solidFill>
+                <a:latin typeface="Gill Sans MT"/>
+                <a:cs typeface="Gill Sans MT"/>
+              </a:rPr>
+              <a:t> </a:t>
+            </a:r>
+            <a:r>
+              <a:rPr dirty="0" sz="1200" spc="-10" b="1">
                 <a:solidFill>
                   <a:srgbClr val="404040"/>
                 </a:solidFill>
@@ -3516,327 +3479,327 @@
             </a:endParaRPr>
           </a:p>
           <a:p>
-            <a:pPr marL="926465" lvl="1" indent="-227965">
+            <a:pPr lvl="1" marL="926465" indent="-227965">
               <a:lnSpc>
                 <a:spcPct val="100000"/>
               </a:lnSpc>
               <a:spcBef>
                 <a:spcPts val="820"/>
               </a:spcBef>
-              <a:buFont typeface="Arial" panose="020B0604020202020204"/>
+              <a:buFont typeface="Arial"/>
               <a:buChar char="○"/>
               <a:tabLst>
                 <a:tab pos="926465" algn="l"/>
               </a:tabLst>
             </a:pPr>
             <a:r>
-              <a:rPr sz="1200" spc="-20" dirty="0">
-                <a:solidFill>
-                  <a:srgbClr val="404040"/>
-                </a:solidFill>
-                <a:latin typeface="Trebuchet MS" panose="020B0603020202020204"/>
-                <a:cs typeface="Trebuchet MS" panose="020B0603020202020204"/>
+              <a:rPr dirty="0" sz="1200" spc="-20">
+                <a:solidFill>
+                  <a:srgbClr val="404040"/>
+                </a:solidFill>
+                <a:latin typeface="Trebuchet MS"/>
+                <a:cs typeface="Trebuchet MS"/>
               </a:rPr>
               <a:t>Centralized</a:t>
             </a:r>
             <a:r>
-              <a:rPr sz="1200" spc="-10" dirty="0">
-                <a:solidFill>
-                  <a:srgbClr val="404040"/>
-                </a:solidFill>
-                <a:latin typeface="Trebuchet MS" panose="020B0603020202020204"/>
-                <a:cs typeface="Trebuchet MS" panose="020B0603020202020204"/>
-              </a:rPr>
-              <a:t> </a:t>
-            </a:r>
-            <a:r>
-              <a:rPr sz="1200" dirty="0">
-                <a:solidFill>
-                  <a:srgbClr val="404040"/>
-                </a:solidFill>
-                <a:latin typeface="Trebuchet MS" panose="020B0603020202020204"/>
-                <a:cs typeface="Trebuchet MS" panose="020B0603020202020204"/>
+              <a:rPr dirty="0" sz="1200" spc="-10">
+                <a:solidFill>
+                  <a:srgbClr val="404040"/>
+                </a:solidFill>
+                <a:latin typeface="Trebuchet MS"/>
+                <a:cs typeface="Trebuchet MS"/>
+              </a:rPr>
+              <a:t> </a:t>
+            </a:r>
+            <a:r>
+              <a:rPr dirty="0" sz="1200">
+                <a:solidFill>
+                  <a:srgbClr val="404040"/>
+                </a:solidFill>
+                <a:latin typeface="Trebuchet MS"/>
+                <a:cs typeface="Trebuchet MS"/>
               </a:rPr>
               <a:t>game</a:t>
             </a:r>
             <a:r>
-              <a:rPr sz="1200" spc="-5" dirty="0">
-                <a:solidFill>
-                  <a:srgbClr val="404040"/>
-                </a:solidFill>
-                <a:latin typeface="Trebuchet MS" panose="020B0603020202020204"/>
-                <a:cs typeface="Trebuchet MS" panose="020B0603020202020204"/>
-              </a:rPr>
-              <a:t> </a:t>
-            </a:r>
-            <a:r>
-              <a:rPr sz="1200" spc="-10" dirty="0">
-                <a:solidFill>
-                  <a:srgbClr val="404040"/>
-                </a:solidFill>
-                <a:latin typeface="Trebuchet MS" panose="020B0603020202020204"/>
-                <a:cs typeface="Trebuchet MS" panose="020B0603020202020204"/>
+              <a:rPr dirty="0" sz="1200" spc="-5">
+                <a:solidFill>
+                  <a:srgbClr val="404040"/>
+                </a:solidFill>
+                <a:latin typeface="Trebuchet MS"/>
+                <a:cs typeface="Trebuchet MS"/>
+              </a:rPr>
+              <a:t> </a:t>
+            </a:r>
+            <a:r>
+              <a:rPr dirty="0" sz="1200" spc="-10">
+                <a:solidFill>
+                  <a:srgbClr val="404040"/>
+                </a:solidFill>
+                <a:latin typeface="Trebuchet MS"/>
+                <a:cs typeface="Trebuchet MS"/>
               </a:rPr>
               <a:t>state</a:t>
             </a:r>
             <a:r>
-              <a:rPr sz="1200" spc="-5" dirty="0">
-                <a:solidFill>
-                  <a:srgbClr val="404040"/>
-                </a:solidFill>
-                <a:latin typeface="Trebuchet MS" panose="020B0603020202020204"/>
-                <a:cs typeface="Trebuchet MS" panose="020B0603020202020204"/>
-              </a:rPr>
-              <a:t> </a:t>
-            </a:r>
-            <a:r>
-              <a:rPr sz="1200" spc="-10" dirty="0">
-                <a:solidFill>
-                  <a:srgbClr val="404040"/>
-                </a:solidFill>
-                <a:latin typeface="Trebuchet MS" panose="020B0603020202020204"/>
-                <a:cs typeface="Trebuchet MS" panose="020B0603020202020204"/>
+              <a:rPr dirty="0" sz="1200" spc="-5">
+                <a:solidFill>
+                  <a:srgbClr val="404040"/>
+                </a:solidFill>
+                <a:latin typeface="Trebuchet MS"/>
+                <a:cs typeface="Trebuchet MS"/>
+              </a:rPr>
+              <a:t> </a:t>
+            </a:r>
+            <a:r>
+              <a:rPr dirty="0" sz="1200" spc="-10">
+                <a:solidFill>
+                  <a:srgbClr val="404040"/>
+                </a:solidFill>
+                <a:latin typeface="Trebuchet MS"/>
+                <a:cs typeface="Trebuchet MS"/>
               </a:rPr>
               <a:t>management</a:t>
             </a:r>
             <a:endParaRPr sz="1200">
-              <a:latin typeface="Trebuchet MS" panose="020B0603020202020204"/>
-              <a:cs typeface="Trebuchet MS" panose="020B0603020202020204"/>
+              <a:latin typeface="Trebuchet MS"/>
+              <a:cs typeface="Trebuchet MS"/>
             </a:endParaRPr>
           </a:p>
           <a:p>
-            <a:pPr marL="926465" lvl="1" indent="-227965">
+            <a:pPr lvl="1" marL="926465" indent="-227965">
               <a:lnSpc>
                 <a:spcPct val="100000"/>
               </a:lnSpc>
               <a:spcBef>
                 <a:spcPts val="215"/>
               </a:spcBef>
-              <a:buFont typeface="Arial" panose="020B0604020202020204"/>
+              <a:buFont typeface="Arial"/>
               <a:buChar char="○"/>
               <a:tabLst>
                 <a:tab pos="926465" algn="l"/>
               </a:tabLst>
             </a:pPr>
             <a:r>
-              <a:rPr sz="1200" dirty="0">
-                <a:solidFill>
-                  <a:srgbClr val="404040"/>
-                </a:solidFill>
-                <a:latin typeface="Trebuchet MS" panose="020B0603020202020204"/>
-                <a:cs typeface="Trebuchet MS" panose="020B0603020202020204"/>
+              <a:rPr dirty="0" sz="1200">
+                <a:solidFill>
+                  <a:srgbClr val="404040"/>
+                </a:solidFill>
+                <a:latin typeface="Trebuchet MS"/>
+                <a:cs typeface="Trebuchet MS"/>
               </a:rPr>
               <a:t>Randomized seed</a:t>
             </a:r>
             <a:r>
-              <a:rPr sz="1200" spc="5" dirty="0">
-                <a:solidFill>
-                  <a:srgbClr val="404040"/>
-                </a:solidFill>
-                <a:latin typeface="Trebuchet MS" panose="020B0603020202020204"/>
-                <a:cs typeface="Trebuchet MS" panose="020B0603020202020204"/>
-              </a:rPr>
-              <a:t> </a:t>
-            </a:r>
-            <a:r>
-              <a:rPr sz="1200" spc="-30" dirty="0">
-                <a:solidFill>
-                  <a:srgbClr val="404040"/>
-                </a:solidFill>
-                <a:latin typeface="Trebuchet MS" panose="020B0603020202020204"/>
-                <a:cs typeface="Trebuchet MS" panose="020B0603020202020204"/>
+              <a:rPr dirty="0" sz="1200" spc="5">
+                <a:solidFill>
+                  <a:srgbClr val="404040"/>
+                </a:solidFill>
+                <a:latin typeface="Trebuchet MS"/>
+                <a:cs typeface="Trebuchet MS"/>
+              </a:rPr>
+              <a:t> </a:t>
+            </a:r>
+            <a:r>
+              <a:rPr dirty="0" sz="1200" spc="-30">
+                <a:solidFill>
+                  <a:srgbClr val="404040"/>
+                </a:solidFill>
+                <a:latin typeface="Trebuchet MS"/>
+                <a:cs typeface="Trebuchet MS"/>
               </a:rPr>
               <a:t>initialization</a:t>
             </a:r>
             <a:r>
-              <a:rPr sz="1200" dirty="0">
-                <a:solidFill>
-                  <a:srgbClr val="404040"/>
-                </a:solidFill>
-                <a:latin typeface="Trebuchet MS" panose="020B0603020202020204"/>
-                <a:cs typeface="Trebuchet MS" panose="020B0603020202020204"/>
-              </a:rPr>
-              <a:t> </a:t>
-            </a:r>
-            <a:r>
-              <a:rPr sz="1200" spc="-10" dirty="0">
-                <a:solidFill>
-                  <a:srgbClr val="404040"/>
-                </a:solidFill>
-                <a:latin typeface="Trebuchet MS" panose="020B0603020202020204"/>
-                <a:cs typeface="Trebuchet MS" panose="020B0603020202020204"/>
+              <a:rPr dirty="0" sz="1200">
+                <a:solidFill>
+                  <a:srgbClr val="404040"/>
+                </a:solidFill>
+                <a:latin typeface="Trebuchet MS"/>
+                <a:cs typeface="Trebuchet MS"/>
+              </a:rPr>
+              <a:t> </a:t>
+            </a:r>
+            <a:r>
+              <a:rPr dirty="0" sz="1200" spc="-10">
+                <a:solidFill>
+                  <a:srgbClr val="404040"/>
+                </a:solidFill>
+                <a:latin typeface="Trebuchet MS"/>
+                <a:cs typeface="Trebuchet MS"/>
               </a:rPr>
               <a:t>via</a:t>
             </a:r>
             <a:r>
-              <a:rPr sz="1200" spc="5" dirty="0">
-                <a:solidFill>
-                  <a:srgbClr val="404040"/>
-                </a:solidFill>
-                <a:latin typeface="Trebuchet MS" panose="020B0603020202020204"/>
-                <a:cs typeface="Trebuchet MS" panose="020B0603020202020204"/>
-              </a:rPr>
-              <a:t> </a:t>
-            </a:r>
-            <a:r>
-              <a:rPr sz="1050" spc="-10" dirty="0">
-                <a:solidFill>
-                  <a:srgbClr val="404040"/>
-                </a:solidFill>
-                <a:latin typeface="Courier New" panose="02070309020205020404"/>
-                <a:cs typeface="Courier New" panose="02070309020205020404"/>
+              <a:rPr dirty="0" sz="1200" spc="5">
+                <a:solidFill>
+                  <a:srgbClr val="404040"/>
+                </a:solidFill>
+                <a:latin typeface="Trebuchet MS"/>
+                <a:cs typeface="Trebuchet MS"/>
+              </a:rPr>
+              <a:t> </a:t>
+            </a:r>
+            <a:r>
+              <a:rPr dirty="0" sz="1050" spc="-10">
+                <a:solidFill>
+                  <a:srgbClr val="404040"/>
+                </a:solidFill>
+                <a:latin typeface="Courier New"/>
+                <a:cs typeface="Courier New"/>
               </a:rPr>
               <a:t>srand(time(0))</a:t>
             </a:r>
             <a:endParaRPr sz="1050">
-              <a:latin typeface="Courier New" panose="02070309020205020404"/>
-              <a:cs typeface="Courier New" panose="02070309020205020404"/>
+              <a:latin typeface="Courier New"/>
+              <a:cs typeface="Courier New"/>
             </a:endParaRPr>
           </a:p>
           <a:p>
-            <a:pPr marL="926465" lvl="1" indent="-227965">
+            <a:pPr lvl="1" marL="926465" indent="-227965">
               <a:lnSpc>
                 <a:spcPct val="100000"/>
               </a:lnSpc>
               <a:spcBef>
                 <a:spcPts val="215"/>
               </a:spcBef>
-              <a:buFont typeface="Arial" panose="020B0604020202020204"/>
+              <a:buFont typeface="Arial"/>
               <a:buChar char="○"/>
               <a:tabLst>
                 <a:tab pos="926465" algn="l"/>
               </a:tabLst>
             </a:pPr>
             <a:r>
-              <a:rPr sz="1200" dirty="0">
-                <a:solidFill>
-                  <a:srgbClr val="404040"/>
-                </a:solidFill>
-                <a:latin typeface="Trebuchet MS" panose="020B0603020202020204"/>
-                <a:cs typeface="Trebuchet MS" panose="020B0603020202020204"/>
+              <a:rPr dirty="0" sz="1200">
+                <a:solidFill>
+                  <a:srgbClr val="404040"/>
+                </a:solidFill>
+                <a:latin typeface="Trebuchet MS"/>
+                <a:cs typeface="Trebuchet MS"/>
               </a:rPr>
               <a:t>Loop</a:t>
             </a:r>
             <a:r>
-              <a:rPr sz="1200" spc="-25" dirty="0">
-                <a:solidFill>
-                  <a:srgbClr val="404040"/>
-                </a:solidFill>
-                <a:latin typeface="Trebuchet MS" panose="020B0603020202020204"/>
-                <a:cs typeface="Trebuchet MS" panose="020B0603020202020204"/>
-              </a:rPr>
-              <a:t> </a:t>
-            </a:r>
-            <a:r>
-              <a:rPr sz="1200" spc="-10" dirty="0">
-                <a:solidFill>
-                  <a:srgbClr val="404040"/>
-                </a:solidFill>
-                <a:latin typeface="Trebuchet MS" panose="020B0603020202020204"/>
-                <a:cs typeface="Trebuchet MS" panose="020B0603020202020204"/>
+              <a:rPr dirty="0" sz="1200" spc="-25">
+                <a:solidFill>
+                  <a:srgbClr val="404040"/>
+                </a:solidFill>
+                <a:latin typeface="Trebuchet MS"/>
+                <a:cs typeface="Trebuchet MS"/>
+              </a:rPr>
+              <a:t> </a:t>
+            </a:r>
+            <a:r>
+              <a:rPr dirty="0" sz="1200" spc="-10">
+                <a:solidFill>
+                  <a:srgbClr val="404040"/>
+                </a:solidFill>
+                <a:latin typeface="Trebuchet MS"/>
+                <a:cs typeface="Trebuchet MS"/>
               </a:rPr>
               <a:t>timing</a:t>
             </a:r>
             <a:r>
-              <a:rPr sz="1200" spc="-20" dirty="0">
-                <a:solidFill>
-                  <a:srgbClr val="404040"/>
-                </a:solidFill>
-                <a:latin typeface="Trebuchet MS" panose="020B0603020202020204"/>
-                <a:cs typeface="Trebuchet MS" panose="020B0603020202020204"/>
-              </a:rPr>
-              <a:t> </a:t>
-            </a:r>
-            <a:r>
-              <a:rPr sz="1200" spc="-30" dirty="0">
-                <a:solidFill>
-                  <a:srgbClr val="404040"/>
-                </a:solidFill>
-                <a:latin typeface="Trebuchet MS" panose="020B0603020202020204"/>
-                <a:cs typeface="Trebuchet MS" panose="020B0603020202020204"/>
+              <a:rPr dirty="0" sz="1200" spc="-20">
+                <a:solidFill>
+                  <a:srgbClr val="404040"/>
+                </a:solidFill>
+                <a:latin typeface="Trebuchet MS"/>
+                <a:cs typeface="Trebuchet MS"/>
+              </a:rPr>
+              <a:t> </a:t>
+            </a:r>
+            <a:r>
+              <a:rPr dirty="0" sz="1200" spc="-30">
+                <a:solidFill>
+                  <a:srgbClr val="404040"/>
+                </a:solidFill>
+                <a:latin typeface="Trebuchet MS"/>
+                <a:cs typeface="Trebuchet MS"/>
               </a:rPr>
               <a:t>with</a:t>
             </a:r>
             <a:r>
-              <a:rPr sz="1200" spc="-20" dirty="0">
-                <a:solidFill>
-                  <a:srgbClr val="404040"/>
-                </a:solidFill>
-                <a:latin typeface="Trebuchet MS" panose="020B0603020202020204"/>
-                <a:cs typeface="Trebuchet MS" panose="020B0603020202020204"/>
-              </a:rPr>
-              <a:t> </a:t>
-            </a:r>
-            <a:r>
-              <a:rPr sz="1050" dirty="0">
-                <a:solidFill>
-                  <a:srgbClr val="404040"/>
-                </a:solidFill>
-                <a:latin typeface="Courier New" panose="02070309020205020404"/>
-                <a:cs typeface="Courier New" panose="02070309020205020404"/>
+              <a:rPr dirty="0" sz="1200" spc="-20">
+                <a:solidFill>
+                  <a:srgbClr val="404040"/>
+                </a:solidFill>
+                <a:latin typeface="Trebuchet MS"/>
+                <a:cs typeface="Trebuchet MS"/>
+              </a:rPr>
+              <a:t> </a:t>
+            </a:r>
+            <a:r>
+              <a:rPr dirty="0" sz="1050">
+                <a:solidFill>
+                  <a:srgbClr val="404040"/>
+                </a:solidFill>
+                <a:latin typeface="Courier New"/>
+                <a:cs typeface="Courier New"/>
               </a:rPr>
               <a:t>Sleep(200)</a:t>
             </a:r>
             <a:r>
-              <a:rPr sz="1050" spc="-290" dirty="0">
-                <a:solidFill>
-                  <a:srgbClr val="404040"/>
-                </a:solidFill>
-                <a:latin typeface="Courier New" panose="02070309020205020404"/>
-                <a:cs typeface="Courier New" panose="02070309020205020404"/>
-              </a:rPr>
-              <a:t> </a:t>
-            </a:r>
-            <a:r>
-              <a:rPr sz="1200" spc="-20" dirty="0">
-                <a:solidFill>
-                  <a:srgbClr val="404040"/>
-                </a:solidFill>
-                <a:latin typeface="Trebuchet MS" panose="020B0603020202020204"/>
-                <a:cs typeface="Trebuchet MS" panose="020B0603020202020204"/>
+              <a:rPr dirty="0" sz="1050" spc="-290">
+                <a:solidFill>
+                  <a:srgbClr val="404040"/>
+                </a:solidFill>
+                <a:latin typeface="Courier New"/>
+                <a:cs typeface="Courier New"/>
+              </a:rPr>
+              <a:t> </a:t>
+            </a:r>
+            <a:r>
+              <a:rPr dirty="0" sz="1200" spc="-20">
+                <a:solidFill>
+                  <a:srgbClr val="404040"/>
+                </a:solidFill>
+                <a:latin typeface="Trebuchet MS"/>
+                <a:cs typeface="Trebuchet MS"/>
               </a:rPr>
               <a:t>for </a:t>
             </a:r>
             <a:r>
-              <a:rPr sz="1200" dirty="0">
-                <a:solidFill>
-                  <a:srgbClr val="404040"/>
-                </a:solidFill>
-                <a:latin typeface="Trebuchet MS" panose="020B0603020202020204"/>
-                <a:cs typeface="Trebuchet MS" panose="020B0603020202020204"/>
+              <a:rPr dirty="0" sz="1200">
+                <a:solidFill>
+                  <a:srgbClr val="404040"/>
+                </a:solidFill>
+                <a:latin typeface="Trebuchet MS"/>
+                <a:cs typeface="Trebuchet MS"/>
               </a:rPr>
               <a:t>smooth</a:t>
             </a:r>
             <a:r>
-              <a:rPr sz="1200" spc="-20" dirty="0">
-                <a:solidFill>
-                  <a:srgbClr val="404040"/>
-                </a:solidFill>
-                <a:latin typeface="Trebuchet MS" panose="020B0603020202020204"/>
-                <a:cs typeface="Trebuchet MS" panose="020B0603020202020204"/>
-              </a:rPr>
-              <a:t> </a:t>
-            </a:r>
-            <a:r>
-              <a:rPr sz="1200" spc="-10" dirty="0">
-                <a:solidFill>
-                  <a:srgbClr val="404040"/>
-                </a:solidFill>
-                <a:latin typeface="Trebuchet MS" panose="020B0603020202020204"/>
-                <a:cs typeface="Trebuchet MS" panose="020B0603020202020204"/>
+              <a:rPr dirty="0" sz="1200" spc="-20">
+                <a:solidFill>
+                  <a:srgbClr val="404040"/>
+                </a:solidFill>
+                <a:latin typeface="Trebuchet MS"/>
+                <a:cs typeface="Trebuchet MS"/>
+              </a:rPr>
+              <a:t> </a:t>
+            </a:r>
+            <a:r>
+              <a:rPr dirty="0" sz="1200" spc="-10">
+                <a:solidFill>
+                  <a:srgbClr val="404040"/>
+                </a:solidFill>
+                <a:latin typeface="Trebuchet MS"/>
+                <a:cs typeface="Trebuchet MS"/>
               </a:rPr>
               <a:t>updates</a:t>
             </a:r>
             <a:endParaRPr sz="1200">
-              <a:latin typeface="Trebuchet MS" panose="020B0603020202020204"/>
-              <a:cs typeface="Trebuchet MS" panose="020B0603020202020204"/>
+              <a:latin typeface="Trebuchet MS"/>
+              <a:cs typeface="Trebuchet MS"/>
             </a:endParaRPr>
           </a:p>
         </p:txBody>
       </p:sp>
       <p:sp>
         <p:nvSpPr>
-          <p:cNvPr id="5" name="object 5"/>
+          <p:cNvPr id="5" name="object 5" descr=""/>
           <p:cNvSpPr/>
           <p:nvPr/>
         </p:nvSpPr>
@@ -3852,7 +3815,7 @@
             <a:cxnLst/>
             <a:rect l="l" t="t" r="r" b="b"/>
             <a:pathLst>
-              <a:path w="6781800">
+              <a:path w="6781800" h="0">
                 <a:moveTo>
                   <a:pt x="0" y="0"/>
                 </a:moveTo>
@@ -3876,7 +3839,7 @@
       </p:sp>
       <p:sp>
         <p:nvSpPr>
-          <p:cNvPr id="6" name="object 6"/>
+          <p:cNvPr id="6" name="object 6" descr=""/>
           <p:cNvSpPr txBox="1"/>
           <p:nvPr/>
         </p:nvSpPr>
@@ -3890,7 +3853,7 @@
           </a:prstGeom>
         </p:spPr>
         <p:txBody>
-          <a:bodyPr vert="horz" wrap="square" lIns="0" tIns="40005" rIns="0" bIns="0" rtlCol="0">
+          <a:bodyPr wrap="square" lIns="0" tIns="40005" rIns="0" bIns="0" rtlCol="0" vert="horz">
             <a:spAutoFit/>
           </a:bodyPr>
           <a:lstStyle/>
@@ -3908,7 +3871,7 @@
               </a:tabLst>
             </a:pPr>
             <a:r>
-              <a:rPr sz="1200" b="1" spc="-55" dirty="0">
+              <a:rPr dirty="0" sz="1200" spc="-55" b="1">
                 <a:solidFill>
                   <a:srgbClr val="404040"/>
                 </a:solidFill>
@@ -3918,17 +3881,17 @@
               <a:t>Input</a:t>
             </a:r>
             <a:r>
-              <a:rPr sz="1200" b="1" spc="-10" dirty="0">
-                <a:solidFill>
-                  <a:srgbClr val="404040"/>
-                </a:solidFill>
-                <a:latin typeface="Gill Sans MT"/>
-                <a:cs typeface="Gill Sans MT"/>
-              </a:rPr>
-              <a:t> </a:t>
-            </a:r>
-            <a:r>
-              <a:rPr sz="1200" b="1" spc="-35" dirty="0">
+              <a:rPr dirty="0" sz="1200" spc="-10" b="1">
+                <a:solidFill>
+                  <a:srgbClr val="404040"/>
+                </a:solidFill>
+                <a:latin typeface="Gill Sans MT"/>
+                <a:cs typeface="Gill Sans MT"/>
+              </a:rPr>
+              <a:t> </a:t>
+            </a:r>
+            <a:r>
+              <a:rPr dirty="0" sz="1200" spc="-35" b="1">
                 <a:solidFill>
                   <a:srgbClr val="404040"/>
                 </a:solidFill>
@@ -3938,17 +3901,17 @@
               <a:t>Handling</a:t>
             </a:r>
             <a:r>
-              <a:rPr sz="1200" b="1" spc="-5" dirty="0">
-                <a:solidFill>
-                  <a:srgbClr val="404040"/>
-                </a:solidFill>
-                <a:latin typeface="Gill Sans MT"/>
-                <a:cs typeface="Gill Sans MT"/>
-              </a:rPr>
-              <a:t> </a:t>
-            </a:r>
-            <a:r>
-              <a:rPr sz="1200" b="1" dirty="0">
+              <a:rPr dirty="0" sz="1200" spc="-5" b="1">
+                <a:solidFill>
+                  <a:srgbClr val="404040"/>
+                </a:solidFill>
+                <a:latin typeface="Gill Sans MT"/>
+                <a:cs typeface="Gill Sans MT"/>
+              </a:rPr>
+              <a:t> </a:t>
+            </a:r>
+            <a:r>
+              <a:rPr dirty="0" sz="1200" b="1">
                 <a:solidFill>
                   <a:srgbClr val="404040"/>
                 </a:solidFill>
@@ -3958,17 +3921,17 @@
               <a:t>(Jayonti</a:t>
             </a:r>
             <a:r>
-              <a:rPr sz="1200" b="1" spc="-5" dirty="0">
-                <a:solidFill>
-                  <a:srgbClr val="404040"/>
-                </a:solidFill>
-                <a:latin typeface="Gill Sans MT"/>
-                <a:cs typeface="Gill Sans MT"/>
-              </a:rPr>
-              <a:t> </a:t>
-            </a:r>
-            <a:r>
-              <a:rPr sz="1200" b="1" spc="-10" dirty="0">
+              <a:rPr dirty="0" sz="1200" spc="-5" b="1">
+                <a:solidFill>
+                  <a:srgbClr val="404040"/>
+                </a:solidFill>
+                <a:latin typeface="Gill Sans MT"/>
+                <a:cs typeface="Gill Sans MT"/>
+              </a:rPr>
+              <a:t> </a:t>
+            </a:r>
+            <a:r>
+              <a:rPr dirty="0" sz="1200" spc="-10" b="1">
                 <a:solidFill>
                   <a:srgbClr val="404040"/>
                 </a:solidFill>
@@ -3992,7 +3955,7 @@
               </a:spcBef>
             </a:pPr>
             <a:r>
-              <a:rPr sz="1200" i="1" spc="85" dirty="0">
+              <a:rPr dirty="0" sz="1200" spc="85" i="1">
                 <a:solidFill>
                   <a:srgbClr val="404040"/>
                 </a:solidFill>
@@ -4002,108 +3965,108 @@
               <a:t>Responsibility:</a:t>
             </a:r>
             <a:r>
-              <a:rPr sz="1200" i="1" spc="-30" dirty="0">
-                <a:solidFill>
-                  <a:srgbClr val="404040"/>
-                </a:solidFill>
-                <a:latin typeface="Gill Sans MT"/>
-                <a:cs typeface="Gill Sans MT"/>
-              </a:rPr>
-              <a:t> </a:t>
-            </a:r>
-            <a:r>
-              <a:rPr sz="1200" spc="-25" dirty="0">
-                <a:solidFill>
-                  <a:srgbClr val="404040"/>
-                </a:solidFill>
-                <a:latin typeface="Trebuchet MS" panose="020B0603020202020204"/>
-                <a:cs typeface="Trebuchet MS" panose="020B0603020202020204"/>
+              <a:rPr dirty="0" sz="1200" spc="-30" i="1">
+                <a:solidFill>
+                  <a:srgbClr val="404040"/>
+                </a:solidFill>
+                <a:latin typeface="Gill Sans MT"/>
+                <a:cs typeface="Gill Sans MT"/>
+              </a:rPr>
+              <a:t> </a:t>
+            </a:r>
+            <a:r>
+              <a:rPr dirty="0" sz="1200" spc="-25">
+                <a:solidFill>
+                  <a:srgbClr val="404040"/>
+                </a:solidFill>
+                <a:latin typeface="Trebuchet MS"/>
+                <a:cs typeface="Trebuchet MS"/>
               </a:rPr>
               <a:t>Detect</a:t>
             </a:r>
             <a:r>
-              <a:rPr sz="1200" spc="-50" dirty="0">
-                <a:solidFill>
-                  <a:srgbClr val="404040"/>
-                </a:solidFill>
-                <a:latin typeface="Trebuchet MS" panose="020B0603020202020204"/>
-                <a:cs typeface="Trebuchet MS" panose="020B0603020202020204"/>
-              </a:rPr>
-              <a:t> </a:t>
-            </a:r>
-            <a:r>
-              <a:rPr sz="1200" spc="-10" dirty="0">
-                <a:solidFill>
-                  <a:srgbClr val="404040"/>
-                </a:solidFill>
-                <a:latin typeface="Trebuchet MS" panose="020B0603020202020204"/>
-                <a:cs typeface="Trebuchet MS" panose="020B0603020202020204"/>
+              <a:rPr dirty="0" sz="1200" spc="-50">
+                <a:solidFill>
+                  <a:srgbClr val="404040"/>
+                </a:solidFill>
+                <a:latin typeface="Trebuchet MS"/>
+                <a:cs typeface="Trebuchet MS"/>
+              </a:rPr>
+              <a:t> </a:t>
+            </a:r>
+            <a:r>
+              <a:rPr dirty="0" sz="1200" spc="-10">
+                <a:solidFill>
+                  <a:srgbClr val="404040"/>
+                </a:solidFill>
+                <a:latin typeface="Trebuchet MS"/>
+                <a:cs typeface="Trebuchet MS"/>
               </a:rPr>
               <a:t>keyboard</a:t>
             </a:r>
             <a:r>
-              <a:rPr sz="1200" spc="-50" dirty="0">
-                <a:solidFill>
-                  <a:srgbClr val="404040"/>
-                </a:solidFill>
-                <a:latin typeface="Trebuchet MS" panose="020B0603020202020204"/>
-                <a:cs typeface="Trebuchet MS" panose="020B0603020202020204"/>
-              </a:rPr>
-              <a:t> </a:t>
-            </a:r>
-            <a:r>
-              <a:rPr sz="1200" spc="-25" dirty="0">
-                <a:solidFill>
-                  <a:srgbClr val="404040"/>
-                </a:solidFill>
-                <a:latin typeface="Trebuchet MS" panose="020B0603020202020204"/>
-                <a:cs typeface="Trebuchet MS" panose="020B0603020202020204"/>
+              <a:rPr dirty="0" sz="1200" spc="-50">
+                <a:solidFill>
+                  <a:srgbClr val="404040"/>
+                </a:solidFill>
+                <a:latin typeface="Trebuchet MS"/>
+                <a:cs typeface="Trebuchet MS"/>
+              </a:rPr>
+              <a:t> </a:t>
+            </a:r>
+            <a:r>
+              <a:rPr dirty="0" sz="1200" spc="-25">
+                <a:solidFill>
+                  <a:srgbClr val="404040"/>
+                </a:solidFill>
+                <a:latin typeface="Trebuchet MS"/>
+                <a:cs typeface="Trebuchet MS"/>
               </a:rPr>
               <a:t>input</a:t>
             </a:r>
             <a:r>
-              <a:rPr sz="1200" spc="-55" dirty="0">
-                <a:solidFill>
-                  <a:srgbClr val="404040"/>
-                </a:solidFill>
-                <a:latin typeface="Trebuchet MS" panose="020B0603020202020204"/>
-                <a:cs typeface="Trebuchet MS" panose="020B0603020202020204"/>
-              </a:rPr>
-              <a:t> </a:t>
-            </a:r>
-            <a:r>
-              <a:rPr sz="1200" spc="-20" dirty="0">
-                <a:solidFill>
-                  <a:srgbClr val="404040"/>
-                </a:solidFill>
-                <a:latin typeface="Trebuchet MS" panose="020B0603020202020204"/>
-                <a:cs typeface="Trebuchet MS" panose="020B0603020202020204"/>
+              <a:rPr dirty="0" sz="1200" spc="-55">
+                <a:solidFill>
+                  <a:srgbClr val="404040"/>
+                </a:solidFill>
+                <a:latin typeface="Trebuchet MS"/>
+                <a:cs typeface="Trebuchet MS"/>
+              </a:rPr>
+              <a:t> </a:t>
+            </a:r>
+            <a:r>
+              <a:rPr dirty="0" sz="1200" spc="-20">
+                <a:solidFill>
+                  <a:srgbClr val="404040"/>
+                </a:solidFill>
+                <a:latin typeface="Trebuchet MS"/>
+                <a:cs typeface="Trebuchet MS"/>
               </a:rPr>
               <a:t>for</a:t>
             </a:r>
             <a:r>
-              <a:rPr sz="1200" spc="-50" dirty="0">
-                <a:solidFill>
-                  <a:srgbClr val="404040"/>
-                </a:solidFill>
-                <a:latin typeface="Trebuchet MS" panose="020B0603020202020204"/>
-                <a:cs typeface="Trebuchet MS" panose="020B0603020202020204"/>
-              </a:rPr>
-              <a:t> </a:t>
-            </a:r>
-            <a:r>
-              <a:rPr sz="1200" spc="-10" dirty="0">
-                <a:solidFill>
-                  <a:srgbClr val="404040"/>
-                </a:solidFill>
-                <a:latin typeface="Trebuchet MS" panose="020B0603020202020204"/>
-                <a:cs typeface="Trebuchet MS" panose="020B0603020202020204"/>
+              <a:rPr dirty="0" sz="1200" spc="-50">
+                <a:solidFill>
+                  <a:srgbClr val="404040"/>
+                </a:solidFill>
+                <a:latin typeface="Trebuchet MS"/>
+                <a:cs typeface="Trebuchet MS"/>
+              </a:rPr>
+              <a:t> </a:t>
+            </a:r>
+            <a:r>
+              <a:rPr dirty="0" sz="1200" spc="-10">
+                <a:solidFill>
+                  <a:srgbClr val="404040"/>
+                </a:solidFill>
+                <a:latin typeface="Trebuchet MS"/>
+                <a:cs typeface="Trebuchet MS"/>
               </a:rPr>
               <a:t>movement.</a:t>
             </a:r>
             <a:endParaRPr sz="1200">
-              <a:latin typeface="Trebuchet MS" panose="020B0603020202020204"/>
-              <a:cs typeface="Trebuchet MS" panose="020B0603020202020204"/>
+              <a:latin typeface="Trebuchet MS"/>
+              <a:cs typeface="Trebuchet MS"/>
             </a:endParaRPr>
           </a:p>
           <a:p>
@@ -4116,8 +4079,8 @@
               </a:spcBef>
             </a:pPr>
             <a:endParaRPr sz="1200">
-              <a:latin typeface="Trebuchet MS" panose="020B0603020202020204"/>
-              <a:cs typeface="Trebuchet MS" panose="020B0603020202020204"/>
+              <a:latin typeface="Trebuchet MS"/>
+              <a:cs typeface="Trebuchet MS"/>
             </a:endParaRPr>
           </a:p>
           <a:p>
@@ -4127,7 +4090,7 @@
               </a:lnSpc>
             </a:pPr>
             <a:r>
-              <a:rPr sz="1200" b="1" spc="-60" dirty="0">
+              <a:rPr dirty="0" sz="1200" spc="-60" b="1">
                 <a:solidFill>
                   <a:srgbClr val="404040"/>
                 </a:solidFill>
@@ -4137,17 +4100,17 @@
               <a:t>Key</a:t>
             </a:r>
             <a:r>
-              <a:rPr sz="1200" b="1" spc="-30" dirty="0">
-                <a:solidFill>
-                  <a:srgbClr val="404040"/>
-                </a:solidFill>
-                <a:latin typeface="Gill Sans MT"/>
-                <a:cs typeface="Gill Sans MT"/>
-              </a:rPr>
-              <a:t> </a:t>
-            </a:r>
-            <a:r>
-              <a:rPr sz="1200" b="1" spc="-10" dirty="0">
+              <a:rPr dirty="0" sz="1200" spc="-30" b="1">
+                <a:solidFill>
+                  <a:srgbClr val="404040"/>
+                </a:solidFill>
+                <a:latin typeface="Gill Sans MT"/>
+                <a:cs typeface="Gill Sans MT"/>
+              </a:rPr>
+              <a:t> </a:t>
+            </a:r>
+            <a:r>
+              <a:rPr dirty="0" sz="1200" spc="-10" b="1">
                 <a:solidFill>
                   <a:srgbClr val="404040"/>
                 </a:solidFill>
@@ -4162,21 +4125,21 @@
             </a:endParaRPr>
           </a:p>
           <a:p>
-            <a:pPr marL="469265" lvl="1" indent="-227965">
+            <a:pPr lvl="1" marL="469265" indent="-227965">
               <a:lnSpc>
                 <a:spcPct val="100000"/>
               </a:lnSpc>
               <a:spcBef>
                 <a:spcPts val="515"/>
               </a:spcBef>
-              <a:buFont typeface="Arial" panose="020B0604020202020204"/>
+              <a:buFont typeface="Arial"/>
               <a:buChar char="●"/>
               <a:tabLst>
                 <a:tab pos="469265" algn="l"/>
               </a:tabLst>
             </a:pPr>
             <a:r>
-              <a:rPr sz="1200" b="1" spc="-55" dirty="0">
+              <a:rPr dirty="0" sz="1200" spc="-55" b="1">
                 <a:solidFill>
                   <a:srgbClr val="404040"/>
                 </a:solidFill>
@@ -4186,17 +4149,17 @@
               <a:t>Direction</a:t>
             </a:r>
             <a:r>
-              <a:rPr sz="1200" b="1" spc="-30" dirty="0">
-                <a:solidFill>
-                  <a:srgbClr val="404040"/>
-                </a:solidFill>
-                <a:latin typeface="Gill Sans MT"/>
-                <a:cs typeface="Gill Sans MT"/>
-              </a:rPr>
-              <a:t> </a:t>
-            </a:r>
-            <a:r>
-              <a:rPr sz="1200" b="1" spc="-25" dirty="0">
+              <a:rPr dirty="0" sz="1200" spc="-30" b="1">
+                <a:solidFill>
+                  <a:srgbClr val="404040"/>
+                </a:solidFill>
+                <a:latin typeface="Gill Sans MT"/>
+                <a:cs typeface="Gill Sans MT"/>
+              </a:rPr>
+              <a:t> </a:t>
+            </a:r>
+            <a:r>
+              <a:rPr dirty="0" sz="1200" spc="-25" b="1">
                 <a:solidFill>
                   <a:srgbClr val="404040"/>
                 </a:solidFill>
@@ -4206,96 +4169,96 @@
               <a:t>validation </a:t>
             </a:r>
             <a:r>
-              <a:rPr sz="1200" spc="-40" dirty="0">
-                <a:solidFill>
-                  <a:srgbClr val="404040"/>
-                </a:solidFill>
-                <a:latin typeface="Trebuchet MS" panose="020B0603020202020204"/>
-                <a:cs typeface="Trebuchet MS" panose="020B0603020202020204"/>
+              <a:rPr dirty="0" sz="1200" spc="-40">
+                <a:solidFill>
+                  <a:srgbClr val="404040"/>
+                </a:solidFill>
+                <a:latin typeface="Trebuchet MS"/>
+                <a:cs typeface="Trebuchet MS"/>
               </a:rPr>
               <a:t>to</a:t>
             </a:r>
             <a:r>
-              <a:rPr sz="1200" spc="-55" dirty="0">
-                <a:solidFill>
-                  <a:srgbClr val="404040"/>
-                </a:solidFill>
-                <a:latin typeface="Trebuchet MS" panose="020B0603020202020204"/>
-                <a:cs typeface="Trebuchet MS" panose="020B0603020202020204"/>
-              </a:rPr>
-              <a:t> </a:t>
-            </a:r>
-            <a:r>
-              <a:rPr sz="1200" spc="-30" dirty="0">
-                <a:solidFill>
-                  <a:srgbClr val="404040"/>
-                </a:solidFill>
-                <a:latin typeface="Trebuchet MS" panose="020B0603020202020204"/>
-                <a:cs typeface="Trebuchet MS" panose="020B0603020202020204"/>
+              <a:rPr dirty="0" sz="1200" spc="-55">
+                <a:solidFill>
+                  <a:srgbClr val="404040"/>
+                </a:solidFill>
+                <a:latin typeface="Trebuchet MS"/>
+                <a:cs typeface="Trebuchet MS"/>
+              </a:rPr>
+              <a:t> </a:t>
+            </a:r>
+            <a:r>
+              <a:rPr dirty="0" sz="1200" spc="-30">
+                <a:solidFill>
+                  <a:srgbClr val="404040"/>
+                </a:solidFill>
+                <a:latin typeface="Trebuchet MS"/>
+                <a:cs typeface="Trebuchet MS"/>
               </a:rPr>
               <a:t>prevent</a:t>
             </a:r>
             <a:r>
-              <a:rPr sz="1200" spc="-50" dirty="0">
-                <a:solidFill>
-                  <a:srgbClr val="404040"/>
-                </a:solidFill>
-                <a:latin typeface="Trebuchet MS" panose="020B0603020202020204"/>
-                <a:cs typeface="Trebuchet MS" panose="020B0603020202020204"/>
-              </a:rPr>
-              <a:t> </a:t>
-            </a:r>
-            <a:r>
-              <a:rPr sz="1200" spc="-10" dirty="0">
-                <a:solidFill>
-                  <a:srgbClr val="404040"/>
-                </a:solidFill>
-                <a:latin typeface="Trebuchet MS" panose="020B0603020202020204"/>
-                <a:cs typeface="Trebuchet MS" panose="020B0603020202020204"/>
+              <a:rPr dirty="0" sz="1200" spc="-50">
+                <a:solidFill>
+                  <a:srgbClr val="404040"/>
+                </a:solidFill>
+                <a:latin typeface="Trebuchet MS"/>
+                <a:cs typeface="Trebuchet MS"/>
+              </a:rPr>
+              <a:t> </a:t>
+            </a:r>
+            <a:r>
+              <a:rPr dirty="0" sz="1200" spc="-10">
+                <a:solidFill>
+                  <a:srgbClr val="404040"/>
+                </a:solidFill>
+                <a:latin typeface="Trebuchet MS"/>
+                <a:cs typeface="Trebuchet MS"/>
               </a:rPr>
               <a:t>180°</a:t>
             </a:r>
             <a:r>
-              <a:rPr sz="1200" spc="-50" dirty="0">
-                <a:solidFill>
-                  <a:srgbClr val="404040"/>
-                </a:solidFill>
-                <a:latin typeface="Trebuchet MS" panose="020B0603020202020204"/>
-                <a:cs typeface="Trebuchet MS" panose="020B0603020202020204"/>
-              </a:rPr>
-              <a:t> </a:t>
-            </a:r>
-            <a:r>
-              <a:rPr sz="1200" spc="-10" dirty="0">
-                <a:solidFill>
-                  <a:srgbClr val="404040"/>
-                </a:solidFill>
-                <a:latin typeface="Trebuchet MS" panose="020B0603020202020204"/>
-                <a:cs typeface="Trebuchet MS" panose="020B0603020202020204"/>
+              <a:rPr dirty="0" sz="1200" spc="-50">
+                <a:solidFill>
+                  <a:srgbClr val="404040"/>
+                </a:solidFill>
+                <a:latin typeface="Trebuchet MS"/>
+                <a:cs typeface="Trebuchet MS"/>
+              </a:rPr>
+              <a:t> </a:t>
+            </a:r>
+            <a:r>
+              <a:rPr dirty="0" sz="1200" spc="-10">
+                <a:solidFill>
+                  <a:srgbClr val="404040"/>
+                </a:solidFill>
+                <a:latin typeface="Trebuchet MS"/>
+                <a:cs typeface="Trebuchet MS"/>
               </a:rPr>
               <a:t>turns</a:t>
             </a:r>
             <a:endParaRPr sz="1200">
-              <a:latin typeface="Trebuchet MS" panose="020B0603020202020204"/>
-              <a:cs typeface="Trebuchet MS" panose="020B0603020202020204"/>
+              <a:latin typeface="Trebuchet MS"/>
+              <a:cs typeface="Trebuchet MS"/>
             </a:endParaRPr>
           </a:p>
           <a:p>
-            <a:pPr marL="469265" lvl="1" indent="-227965">
+            <a:pPr lvl="1" marL="469265" indent="-227965">
               <a:lnSpc>
                 <a:spcPct val="100000"/>
               </a:lnSpc>
               <a:spcBef>
-                <a:spcPts val="220"/>
+                <a:spcPts val="219"/>
               </a:spcBef>
-              <a:buFont typeface="Arial" panose="020B0604020202020204"/>
+              <a:buFont typeface="Arial"/>
               <a:buChar char="●"/>
               <a:tabLst>
                 <a:tab pos="469265" algn="l"/>
               </a:tabLst>
             </a:pPr>
             <a:r>
-              <a:rPr sz="1200" b="1" spc="-30" dirty="0">
+              <a:rPr dirty="0" sz="1200" spc="-30" b="1">
                 <a:solidFill>
                   <a:srgbClr val="404040"/>
                 </a:solidFill>
@@ -4305,17 +4268,17 @@
               <a:t>Instant</a:t>
             </a:r>
             <a:r>
-              <a:rPr sz="1200" b="1" spc="-25" dirty="0">
-                <a:solidFill>
-                  <a:srgbClr val="404040"/>
-                </a:solidFill>
-                <a:latin typeface="Gill Sans MT"/>
-                <a:cs typeface="Gill Sans MT"/>
-              </a:rPr>
-              <a:t> </a:t>
-            </a:r>
-            <a:r>
-              <a:rPr sz="1200" b="1" spc="-50" dirty="0">
+              <a:rPr dirty="0" sz="1200" spc="-25" b="1">
+                <a:solidFill>
+                  <a:srgbClr val="404040"/>
+                </a:solidFill>
+                <a:latin typeface="Gill Sans MT"/>
+                <a:cs typeface="Gill Sans MT"/>
+              </a:rPr>
+              <a:t> </a:t>
+            </a:r>
+            <a:r>
+              <a:rPr dirty="0" sz="1200" spc="-50" b="1">
                 <a:solidFill>
                   <a:srgbClr val="404040"/>
                 </a:solidFill>
@@ -4325,184 +4288,184 @@
               <a:t>exit</a:t>
             </a:r>
             <a:r>
-              <a:rPr sz="1200" b="1" spc="-25" dirty="0">
-                <a:solidFill>
-                  <a:srgbClr val="404040"/>
-                </a:solidFill>
-                <a:latin typeface="Gill Sans MT"/>
-                <a:cs typeface="Gill Sans MT"/>
-              </a:rPr>
-              <a:t> </a:t>
-            </a:r>
-            <a:r>
-              <a:rPr sz="1200" spc="-30" dirty="0">
-                <a:solidFill>
-                  <a:srgbClr val="404040"/>
-                </a:solidFill>
-                <a:latin typeface="Trebuchet MS" panose="020B0603020202020204"/>
-                <a:cs typeface="Trebuchet MS" panose="020B0603020202020204"/>
+              <a:rPr dirty="0" sz="1200" spc="-25" b="1">
+                <a:solidFill>
+                  <a:srgbClr val="404040"/>
+                </a:solidFill>
+                <a:latin typeface="Gill Sans MT"/>
+                <a:cs typeface="Gill Sans MT"/>
+              </a:rPr>
+              <a:t> </a:t>
+            </a:r>
+            <a:r>
+              <a:rPr dirty="0" sz="1200" spc="-30">
+                <a:solidFill>
+                  <a:srgbClr val="404040"/>
+                </a:solidFill>
+                <a:latin typeface="Trebuchet MS"/>
+                <a:cs typeface="Trebuchet MS"/>
               </a:rPr>
               <a:t>with</a:t>
             </a:r>
             <a:r>
-              <a:rPr sz="1200" spc="-45" dirty="0">
-                <a:solidFill>
-                  <a:srgbClr val="404040"/>
-                </a:solidFill>
-                <a:latin typeface="Trebuchet MS" panose="020B0603020202020204"/>
-                <a:cs typeface="Trebuchet MS" panose="020B0603020202020204"/>
-              </a:rPr>
-              <a:t> </a:t>
-            </a:r>
-            <a:r>
-              <a:rPr sz="1200" spc="-110" dirty="0">
-                <a:solidFill>
-                  <a:srgbClr val="404040"/>
-                </a:solidFill>
-                <a:latin typeface="Trebuchet MS" panose="020B0603020202020204"/>
-                <a:cs typeface="Trebuchet MS" panose="020B0603020202020204"/>
+              <a:rPr dirty="0" sz="1200" spc="-45">
+                <a:solidFill>
+                  <a:srgbClr val="404040"/>
+                </a:solidFill>
+                <a:latin typeface="Trebuchet MS"/>
+                <a:cs typeface="Trebuchet MS"/>
+              </a:rPr>
+              <a:t> </a:t>
+            </a:r>
+            <a:r>
+              <a:rPr dirty="0" sz="1200" spc="-110">
+                <a:solidFill>
+                  <a:srgbClr val="404040"/>
+                </a:solidFill>
+                <a:latin typeface="Trebuchet MS"/>
+                <a:cs typeface="Trebuchet MS"/>
               </a:rPr>
               <a:t>‘X’</a:t>
             </a:r>
             <a:r>
-              <a:rPr sz="1200" spc="-50" dirty="0">
-                <a:solidFill>
-                  <a:srgbClr val="404040"/>
-                </a:solidFill>
-                <a:latin typeface="Trebuchet MS" panose="020B0603020202020204"/>
-                <a:cs typeface="Trebuchet MS" panose="020B0603020202020204"/>
-              </a:rPr>
-              <a:t> </a:t>
-            </a:r>
-            <a:r>
-              <a:rPr sz="1200" spc="-25" dirty="0">
-                <a:solidFill>
-                  <a:srgbClr val="404040"/>
-                </a:solidFill>
-                <a:latin typeface="Trebuchet MS" panose="020B0603020202020204"/>
-                <a:cs typeface="Trebuchet MS" panose="020B0603020202020204"/>
+              <a:rPr dirty="0" sz="1200" spc="-50">
+                <a:solidFill>
+                  <a:srgbClr val="404040"/>
+                </a:solidFill>
+                <a:latin typeface="Trebuchet MS"/>
+                <a:cs typeface="Trebuchet MS"/>
+              </a:rPr>
+              <a:t> </a:t>
+            </a:r>
+            <a:r>
+              <a:rPr dirty="0" sz="1200" spc="-25">
+                <a:solidFill>
+                  <a:srgbClr val="404040"/>
+                </a:solidFill>
+                <a:latin typeface="Trebuchet MS"/>
+                <a:cs typeface="Trebuchet MS"/>
               </a:rPr>
               <a:t>key</a:t>
             </a:r>
             <a:endParaRPr sz="1200">
-              <a:latin typeface="Trebuchet MS" panose="020B0603020202020204"/>
-              <a:cs typeface="Trebuchet MS" panose="020B0603020202020204"/>
+              <a:latin typeface="Trebuchet MS"/>
+              <a:cs typeface="Trebuchet MS"/>
             </a:endParaRPr>
           </a:p>
           <a:p>
-            <a:pPr marL="469265" lvl="1" indent="-227965">
+            <a:pPr lvl="1" marL="469265" indent="-227965">
               <a:lnSpc>
                 <a:spcPct val="100000"/>
               </a:lnSpc>
               <a:spcBef>
                 <a:spcPts val="215"/>
               </a:spcBef>
-              <a:buFont typeface="Arial" panose="020B0604020202020204"/>
+              <a:buFont typeface="Arial"/>
               <a:buChar char="●"/>
               <a:tabLst>
                 <a:tab pos="469265" algn="l"/>
               </a:tabLst>
             </a:pPr>
             <a:r>
-              <a:rPr sz="1200" dirty="0">
-                <a:solidFill>
-                  <a:srgbClr val="404040"/>
-                </a:solidFill>
-                <a:latin typeface="Trebuchet MS" panose="020B0603020202020204"/>
-                <a:cs typeface="Trebuchet MS" panose="020B0603020202020204"/>
+              <a:rPr dirty="0" sz="1200">
+                <a:solidFill>
+                  <a:srgbClr val="404040"/>
+                </a:solidFill>
+                <a:latin typeface="Trebuchet MS"/>
+                <a:cs typeface="Trebuchet MS"/>
               </a:rPr>
               <a:t>Responsive</a:t>
             </a:r>
             <a:r>
-              <a:rPr sz="1200" spc="45" dirty="0">
-                <a:solidFill>
-                  <a:srgbClr val="404040"/>
-                </a:solidFill>
-                <a:latin typeface="Trebuchet MS" panose="020B0603020202020204"/>
-                <a:cs typeface="Trebuchet MS" panose="020B0603020202020204"/>
-              </a:rPr>
-              <a:t> </a:t>
-            </a:r>
-            <a:r>
-              <a:rPr sz="1200" spc="-25" dirty="0">
-                <a:solidFill>
-                  <a:srgbClr val="404040"/>
-                </a:solidFill>
-                <a:latin typeface="Trebuchet MS" panose="020B0603020202020204"/>
-                <a:cs typeface="Trebuchet MS" panose="020B0603020202020204"/>
+              <a:rPr dirty="0" sz="1200" spc="45">
+                <a:solidFill>
+                  <a:srgbClr val="404040"/>
+                </a:solidFill>
+                <a:latin typeface="Trebuchet MS"/>
+                <a:cs typeface="Trebuchet MS"/>
+              </a:rPr>
+              <a:t> </a:t>
+            </a:r>
+            <a:r>
+              <a:rPr dirty="0" sz="1200" spc="-25">
+                <a:solidFill>
+                  <a:srgbClr val="404040"/>
+                </a:solidFill>
+                <a:latin typeface="Trebuchet MS"/>
+                <a:cs typeface="Trebuchet MS"/>
               </a:rPr>
               <a:t>input</a:t>
             </a:r>
             <a:r>
-              <a:rPr sz="1200" spc="45" dirty="0">
-                <a:solidFill>
-                  <a:srgbClr val="404040"/>
-                </a:solidFill>
-                <a:latin typeface="Trebuchet MS" panose="020B0603020202020204"/>
-                <a:cs typeface="Trebuchet MS" panose="020B0603020202020204"/>
-              </a:rPr>
-              <a:t> </a:t>
-            </a:r>
-            <a:r>
-              <a:rPr sz="1200" spc="-10" dirty="0">
-                <a:solidFill>
-                  <a:srgbClr val="404040"/>
-                </a:solidFill>
-                <a:latin typeface="Trebuchet MS" panose="020B0603020202020204"/>
-                <a:cs typeface="Trebuchet MS" panose="020B0603020202020204"/>
+              <a:rPr dirty="0" sz="1200" spc="45">
+                <a:solidFill>
+                  <a:srgbClr val="404040"/>
+                </a:solidFill>
+                <a:latin typeface="Trebuchet MS"/>
+                <a:cs typeface="Trebuchet MS"/>
+              </a:rPr>
+              <a:t> </a:t>
+            </a:r>
+            <a:r>
+              <a:rPr dirty="0" sz="1200" spc="-10">
+                <a:solidFill>
+                  <a:srgbClr val="404040"/>
+                </a:solidFill>
+                <a:latin typeface="Trebuchet MS"/>
+                <a:cs typeface="Trebuchet MS"/>
               </a:rPr>
               <a:t>polling</a:t>
             </a:r>
             <a:r>
-              <a:rPr sz="1200" spc="45" dirty="0">
-                <a:solidFill>
-                  <a:srgbClr val="404040"/>
-                </a:solidFill>
-                <a:latin typeface="Trebuchet MS" panose="020B0603020202020204"/>
-                <a:cs typeface="Trebuchet MS" panose="020B0603020202020204"/>
-              </a:rPr>
-              <a:t> </a:t>
-            </a:r>
-            <a:r>
-              <a:rPr sz="1200" dirty="0">
-                <a:solidFill>
-                  <a:srgbClr val="404040"/>
-                </a:solidFill>
-                <a:latin typeface="Trebuchet MS" panose="020B0603020202020204"/>
-                <a:cs typeface="Trebuchet MS" panose="020B0603020202020204"/>
+              <a:rPr dirty="0" sz="1200" spc="45">
+                <a:solidFill>
+                  <a:srgbClr val="404040"/>
+                </a:solidFill>
+                <a:latin typeface="Trebuchet MS"/>
+                <a:cs typeface="Trebuchet MS"/>
+              </a:rPr>
+              <a:t> </a:t>
+            </a:r>
+            <a:r>
+              <a:rPr dirty="0" sz="1200">
+                <a:solidFill>
+                  <a:srgbClr val="404040"/>
+                </a:solidFill>
+                <a:latin typeface="Trebuchet MS"/>
+                <a:cs typeface="Trebuchet MS"/>
               </a:rPr>
               <a:t>using</a:t>
             </a:r>
             <a:r>
-              <a:rPr sz="1200" spc="45" dirty="0">
-                <a:solidFill>
-                  <a:srgbClr val="404040"/>
-                </a:solidFill>
-                <a:latin typeface="Trebuchet MS" panose="020B0603020202020204"/>
-                <a:cs typeface="Trebuchet MS" panose="020B0603020202020204"/>
-              </a:rPr>
-              <a:t> </a:t>
-            </a:r>
-            <a:r>
-              <a:rPr sz="1050" spc="-10" dirty="0">
-                <a:solidFill>
-                  <a:srgbClr val="404040"/>
-                </a:solidFill>
-                <a:latin typeface="Courier New" panose="02070309020205020404"/>
-                <a:cs typeface="Courier New" panose="02070309020205020404"/>
+              <a:rPr dirty="0" sz="1200" spc="45">
+                <a:solidFill>
+                  <a:srgbClr val="404040"/>
+                </a:solidFill>
+                <a:latin typeface="Trebuchet MS"/>
+                <a:cs typeface="Trebuchet MS"/>
+              </a:rPr>
+              <a:t> </a:t>
+            </a:r>
+            <a:r>
+              <a:rPr dirty="0" sz="1050" spc="-10">
+                <a:solidFill>
+                  <a:srgbClr val="404040"/>
+                </a:solidFill>
+                <a:latin typeface="Courier New"/>
+                <a:cs typeface="Courier New"/>
               </a:rPr>
               <a:t>conio.h</a:t>
             </a:r>
             <a:endParaRPr sz="1050">
-              <a:latin typeface="Courier New" panose="02070309020205020404"/>
-              <a:cs typeface="Courier New" panose="02070309020205020404"/>
+              <a:latin typeface="Courier New"/>
+              <a:cs typeface="Courier New"/>
             </a:endParaRPr>
           </a:p>
         </p:txBody>
       </p:sp>
       <p:sp>
         <p:nvSpPr>
-          <p:cNvPr id="7" name="object 7"/>
+          <p:cNvPr id="7" name="object 7" descr=""/>
           <p:cNvSpPr/>
           <p:nvPr/>
         </p:nvSpPr>
@@ -4518,7 +4481,7 @@
             <a:cxnLst/>
             <a:rect l="l" t="t" r="r" b="b"/>
             <a:pathLst>
-              <a:path w="6781800">
+              <a:path w="6781800" h="0">
                 <a:moveTo>
                   <a:pt x="0" y="0"/>
                 </a:moveTo>
@@ -4567,7 +4530,7 @@
       </p:grpSpPr>
       <p:sp>
         <p:nvSpPr>
-          <p:cNvPr id="2" name="object 2"/>
+          <p:cNvPr id="2" name="object 2" descr=""/>
           <p:cNvSpPr/>
           <p:nvPr/>
         </p:nvSpPr>
@@ -4583,7 +4546,7 @@
             <a:cxnLst/>
             <a:rect l="l" t="t" r="r" b="b"/>
             <a:pathLst>
-              <a:path w="6781800">
+              <a:path w="6781800" h="0">
                 <a:moveTo>
                   <a:pt x="0" y="0"/>
                 </a:moveTo>
@@ -4607,7 +4570,7 @@
       </p:sp>
       <p:sp>
         <p:nvSpPr>
-          <p:cNvPr id="3" name="object 3"/>
+          <p:cNvPr id="3" name="object 3" descr=""/>
           <p:cNvSpPr/>
           <p:nvPr/>
         </p:nvSpPr>
@@ -4623,7 +4586,7 @@
             <a:cxnLst/>
             <a:rect l="l" t="t" r="r" b="b"/>
             <a:pathLst>
-              <a:path w="6781800">
+              <a:path w="6781800" h="0">
                 <a:moveTo>
                   <a:pt x="0" y="0"/>
                 </a:moveTo>
@@ -4647,7 +4610,7 @@
       </p:sp>
       <p:sp>
         <p:nvSpPr>
-          <p:cNvPr id="4" name="object 4"/>
+          <p:cNvPr id="4" name="object 4" descr=""/>
           <p:cNvSpPr txBox="1"/>
           <p:nvPr/>
         </p:nvSpPr>
@@ -4661,7 +4624,7 @@
           </a:prstGeom>
         </p:spPr>
         <p:txBody>
-          <a:bodyPr vert="horz" wrap="square" lIns="0" tIns="40005" rIns="0" bIns="0" rtlCol="0">
+          <a:bodyPr wrap="square" lIns="0" tIns="40005" rIns="0" bIns="0" rtlCol="0" vert="horz">
             <a:spAutoFit/>
           </a:bodyPr>
           <a:lstStyle/>
@@ -4679,7 +4642,7 @@
               </a:tabLst>
             </a:pPr>
             <a:r>
-              <a:rPr sz="1200" b="1" spc="-20" dirty="0">
+              <a:rPr dirty="0" sz="1200" spc="-20" b="1">
                 <a:solidFill>
                   <a:srgbClr val="404040"/>
                 </a:solidFill>
@@ -4689,17 +4652,17 @@
               <a:t>Snake</a:t>
             </a:r>
             <a:r>
-              <a:rPr sz="1200" b="1" spc="-25" dirty="0">
-                <a:solidFill>
-                  <a:srgbClr val="404040"/>
-                </a:solidFill>
-                <a:latin typeface="Gill Sans MT"/>
-                <a:cs typeface="Gill Sans MT"/>
-              </a:rPr>
-              <a:t> </a:t>
-            </a:r>
-            <a:r>
-              <a:rPr sz="1200" b="1" dirty="0">
+              <a:rPr dirty="0" sz="1200" spc="-25" b="1">
+                <a:solidFill>
+                  <a:srgbClr val="404040"/>
+                </a:solidFill>
+                <a:latin typeface="Gill Sans MT"/>
+                <a:cs typeface="Gill Sans MT"/>
+              </a:rPr>
+              <a:t> </a:t>
+            </a:r>
+            <a:r>
+              <a:rPr dirty="0" sz="1200" b="1">
                 <a:solidFill>
                   <a:srgbClr val="404040"/>
                 </a:solidFill>
@@ -4709,17 +4672,17 @@
               <a:t>Mechanics</a:t>
             </a:r>
             <a:r>
-              <a:rPr sz="1200" b="1" spc="-25" dirty="0">
-                <a:solidFill>
-                  <a:srgbClr val="404040"/>
-                </a:solidFill>
-                <a:latin typeface="Gill Sans MT"/>
-                <a:cs typeface="Gill Sans MT"/>
-              </a:rPr>
-              <a:t> </a:t>
-            </a:r>
-            <a:r>
-              <a:rPr sz="1200" b="1" spc="-20" dirty="0">
+              <a:rPr dirty="0" sz="1200" spc="-25" b="1">
+                <a:solidFill>
+                  <a:srgbClr val="404040"/>
+                </a:solidFill>
+                <a:latin typeface="Gill Sans MT"/>
+                <a:cs typeface="Gill Sans MT"/>
+              </a:rPr>
+              <a:t> </a:t>
+            </a:r>
+            <a:r>
+              <a:rPr dirty="0" sz="1200" spc="-20" b="1">
                 <a:solidFill>
                   <a:srgbClr val="404040"/>
                 </a:solidFill>
@@ -4729,17 +4692,17 @@
               <a:t>(Aﬁf</a:t>
             </a:r>
             <a:r>
-              <a:rPr sz="1200" b="1" spc="-25" dirty="0">
-                <a:solidFill>
-                  <a:srgbClr val="404040"/>
-                </a:solidFill>
-                <a:latin typeface="Gill Sans MT"/>
-                <a:cs typeface="Gill Sans MT"/>
-              </a:rPr>
-              <a:t> </a:t>
-            </a:r>
-            <a:r>
-              <a:rPr sz="1200" b="1" spc="-10" dirty="0">
+              <a:rPr dirty="0" sz="1200" spc="-25" b="1">
+                <a:solidFill>
+                  <a:srgbClr val="404040"/>
+                </a:solidFill>
+                <a:latin typeface="Gill Sans MT"/>
+                <a:cs typeface="Gill Sans MT"/>
+              </a:rPr>
+              <a:t> </a:t>
+            </a:r>
+            <a:r>
+              <a:rPr dirty="0" sz="1200" spc="-10" b="1">
                 <a:solidFill>
                   <a:srgbClr val="404040"/>
                 </a:solidFill>
@@ -4763,7 +4726,7 @@
               </a:spcBef>
             </a:pPr>
             <a:r>
-              <a:rPr sz="1200" i="1" spc="85" dirty="0">
+              <a:rPr dirty="0" sz="1200" spc="85" i="1">
                 <a:solidFill>
                   <a:srgbClr val="404040"/>
                 </a:solidFill>
@@ -4773,108 +4736,108 @@
               <a:t>Responsibility:</a:t>
             </a:r>
             <a:r>
-              <a:rPr sz="1200" i="1" spc="40" dirty="0">
-                <a:solidFill>
-                  <a:srgbClr val="404040"/>
-                </a:solidFill>
-                <a:latin typeface="Gill Sans MT"/>
-                <a:cs typeface="Gill Sans MT"/>
-              </a:rPr>
-              <a:t> </a:t>
-            </a:r>
-            <a:r>
-              <a:rPr sz="1200" dirty="0">
-                <a:solidFill>
-                  <a:srgbClr val="404040"/>
-                </a:solidFill>
-                <a:latin typeface="Trebuchet MS" panose="020B0603020202020204"/>
-                <a:cs typeface="Trebuchet MS" panose="020B0603020202020204"/>
+              <a:rPr dirty="0" sz="1200" spc="40" i="1">
+                <a:solidFill>
+                  <a:srgbClr val="404040"/>
+                </a:solidFill>
+                <a:latin typeface="Gill Sans MT"/>
+                <a:cs typeface="Gill Sans MT"/>
+              </a:rPr>
+              <a:t> </a:t>
+            </a:r>
+            <a:r>
+              <a:rPr dirty="0" sz="1200">
+                <a:solidFill>
+                  <a:srgbClr val="404040"/>
+                </a:solidFill>
+                <a:latin typeface="Trebuchet MS"/>
+                <a:cs typeface="Trebuchet MS"/>
               </a:rPr>
               <a:t>Move</a:t>
             </a:r>
             <a:r>
-              <a:rPr sz="1200" spc="15" dirty="0">
-                <a:solidFill>
-                  <a:srgbClr val="404040"/>
-                </a:solidFill>
-                <a:latin typeface="Trebuchet MS" panose="020B0603020202020204"/>
-                <a:cs typeface="Trebuchet MS" panose="020B0603020202020204"/>
-              </a:rPr>
-              <a:t> </a:t>
-            </a:r>
-            <a:r>
-              <a:rPr sz="1200" dirty="0">
-                <a:solidFill>
-                  <a:srgbClr val="404040"/>
-                </a:solidFill>
-                <a:latin typeface="Trebuchet MS" panose="020B0603020202020204"/>
-                <a:cs typeface="Trebuchet MS" panose="020B0603020202020204"/>
+              <a:rPr dirty="0" sz="1200" spc="15">
+                <a:solidFill>
+                  <a:srgbClr val="404040"/>
+                </a:solidFill>
+                <a:latin typeface="Trebuchet MS"/>
+                <a:cs typeface="Trebuchet MS"/>
+              </a:rPr>
+              <a:t> </a:t>
+            </a:r>
+            <a:r>
+              <a:rPr dirty="0" sz="1200">
+                <a:solidFill>
+                  <a:srgbClr val="404040"/>
+                </a:solidFill>
+                <a:latin typeface="Trebuchet MS"/>
+                <a:cs typeface="Trebuchet MS"/>
               </a:rPr>
               <a:t>snake</a:t>
             </a:r>
             <a:r>
-              <a:rPr sz="1200" spc="15" dirty="0">
-                <a:solidFill>
-                  <a:srgbClr val="404040"/>
-                </a:solidFill>
-                <a:latin typeface="Trebuchet MS" panose="020B0603020202020204"/>
-                <a:cs typeface="Trebuchet MS" panose="020B0603020202020204"/>
-              </a:rPr>
-              <a:t> </a:t>
-            </a:r>
-            <a:r>
-              <a:rPr sz="1200" dirty="0">
-                <a:solidFill>
-                  <a:srgbClr val="404040"/>
-                </a:solidFill>
-                <a:latin typeface="Trebuchet MS" panose="020B0603020202020204"/>
-                <a:cs typeface="Trebuchet MS" panose="020B0603020202020204"/>
+              <a:rPr dirty="0" sz="1200" spc="15">
+                <a:solidFill>
+                  <a:srgbClr val="404040"/>
+                </a:solidFill>
+                <a:latin typeface="Trebuchet MS"/>
+                <a:cs typeface="Trebuchet MS"/>
+              </a:rPr>
+              <a:t> </a:t>
+            </a:r>
+            <a:r>
+              <a:rPr dirty="0" sz="1200">
+                <a:solidFill>
+                  <a:srgbClr val="404040"/>
+                </a:solidFill>
+                <a:latin typeface="Trebuchet MS"/>
+                <a:cs typeface="Trebuchet MS"/>
               </a:rPr>
               <a:t>and</a:t>
             </a:r>
             <a:r>
-              <a:rPr sz="1200" spc="15" dirty="0">
-                <a:solidFill>
-                  <a:srgbClr val="404040"/>
-                </a:solidFill>
-                <a:latin typeface="Trebuchet MS" panose="020B0603020202020204"/>
-                <a:cs typeface="Trebuchet MS" panose="020B0603020202020204"/>
-              </a:rPr>
-              <a:t> </a:t>
-            </a:r>
-            <a:r>
-              <a:rPr sz="1200" spc="-35" dirty="0">
-                <a:solidFill>
-                  <a:srgbClr val="404040"/>
-                </a:solidFill>
-                <a:latin typeface="Trebuchet MS" panose="020B0603020202020204"/>
-                <a:cs typeface="Trebuchet MS" panose="020B0603020202020204"/>
+              <a:rPr dirty="0" sz="1200" spc="15">
+                <a:solidFill>
+                  <a:srgbClr val="404040"/>
+                </a:solidFill>
+                <a:latin typeface="Trebuchet MS"/>
+                <a:cs typeface="Trebuchet MS"/>
+              </a:rPr>
+              <a:t> </a:t>
+            </a:r>
+            <a:r>
+              <a:rPr dirty="0" sz="1200" spc="-35">
+                <a:solidFill>
+                  <a:srgbClr val="404040"/>
+                </a:solidFill>
+                <a:latin typeface="Trebuchet MS"/>
+                <a:cs typeface="Trebuchet MS"/>
               </a:rPr>
               <a:t>detect</a:t>
             </a:r>
             <a:r>
-              <a:rPr sz="1200" spc="15" dirty="0">
-                <a:solidFill>
-                  <a:srgbClr val="404040"/>
-                </a:solidFill>
-                <a:latin typeface="Trebuchet MS" panose="020B0603020202020204"/>
-                <a:cs typeface="Trebuchet MS" panose="020B0603020202020204"/>
-              </a:rPr>
-              <a:t> </a:t>
-            </a:r>
-            <a:r>
-              <a:rPr sz="1200" spc="-10" dirty="0">
-                <a:solidFill>
-                  <a:srgbClr val="404040"/>
-                </a:solidFill>
-                <a:latin typeface="Trebuchet MS" panose="020B0603020202020204"/>
-                <a:cs typeface="Trebuchet MS" panose="020B0603020202020204"/>
+              <a:rPr dirty="0" sz="1200" spc="15">
+                <a:solidFill>
+                  <a:srgbClr val="404040"/>
+                </a:solidFill>
+                <a:latin typeface="Trebuchet MS"/>
+                <a:cs typeface="Trebuchet MS"/>
+              </a:rPr>
+              <a:t> </a:t>
+            </a:r>
+            <a:r>
+              <a:rPr dirty="0" sz="1200" spc="-10">
+                <a:solidFill>
+                  <a:srgbClr val="404040"/>
+                </a:solidFill>
+                <a:latin typeface="Trebuchet MS"/>
+                <a:cs typeface="Trebuchet MS"/>
               </a:rPr>
               <a:t>collisions.</a:t>
             </a:r>
             <a:endParaRPr sz="1200">
-              <a:latin typeface="Trebuchet MS" panose="020B0603020202020204"/>
-              <a:cs typeface="Trebuchet MS" panose="020B0603020202020204"/>
+              <a:latin typeface="Trebuchet MS"/>
+              <a:cs typeface="Trebuchet MS"/>
             </a:endParaRPr>
           </a:p>
           <a:p>
@@ -4887,8 +4850,8 @@
               </a:spcBef>
             </a:pPr>
             <a:endParaRPr sz="1200">
-              <a:latin typeface="Trebuchet MS" panose="020B0603020202020204"/>
-              <a:cs typeface="Trebuchet MS" panose="020B0603020202020204"/>
+              <a:latin typeface="Trebuchet MS"/>
+              <a:cs typeface="Trebuchet MS"/>
             </a:endParaRPr>
           </a:p>
           <a:p>
@@ -4898,7 +4861,7 @@
               </a:lnSpc>
             </a:pPr>
             <a:r>
-              <a:rPr sz="1200" b="1" spc="-60" dirty="0">
+              <a:rPr dirty="0" sz="1200" spc="-60" b="1">
                 <a:solidFill>
                   <a:srgbClr val="404040"/>
                 </a:solidFill>
@@ -4908,17 +4871,17 @@
               <a:t>Key</a:t>
             </a:r>
             <a:r>
-              <a:rPr sz="1200" b="1" spc="-30" dirty="0">
-                <a:solidFill>
-                  <a:srgbClr val="404040"/>
-                </a:solidFill>
-                <a:latin typeface="Gill Sans MT"/>
-                <a:cs typeface="Gill Sans MT"/>
-              </a:rPr>
-              <a:t> </a:t>
-            </a:r>
-            <a:r>
-              <a:rPr sz="1200" b="1" spc="-10" dirty="0">
+              <a:rPr dirty="0" sz="1200" spc="-30" b="1">
+                <a:solidFill>
+                  <a:srgbClr val="404040"/>
+                </a:solidFill>
+                <a:latin typeface="Gill Sans MT"/>
+                <a:cs typeface="Gill Sans MT"/>
+              </a:rPr>
+              <a:t> </a:t>
+            </a:r>
+            <a:r>
+              <a:rPr dirty="0" sz="1200" spc="-10" b="1">
                 <a:solidFill>
                   <a:srgbClr val="404040"/>
                 </a:solidFill>
@@ -4933,21 +4896,21 @@
             </a:endParaRPr>
           </a:p>
           <a:p>
-            <a:pPr marL="926465" lvl="1" indent="-227965">
+            <a:pPr lvl="1" marL="926465" indent="-227965">
               <a:lnSpc>
                 <a:spcPct val="100000"/>
               </a:lnSpc>
               <a:spcBef>
                 <a:spcPts val="815"/>
               </a:spcBef>
-              <a:buFont typeface="Arial" panose="020B0604020202020204"/>
+              <a:buFont typeface="Arial"/>
               <a:buChar char="○"/>
               <a:tabLst>
                 <a:tab pos="926465" algn="l"/>
               </a:tabLst>
             </a:pPr>
             <a:r>
-              <a:rPr sz="1200" b="1" spc="-95" dirty="0">
+              <a:rPr dirty="0" sz="1200" spc="-95" b="1">
                 <a:solidFill>
                   <a:srgbClr val="404040"/>
                 </a:solidFill>
@@ -4957,17 +4920,17 @@
               <a:t>O(n)</a:t>
             </a:r>
             <a:r>
-              <a:rPr sz="1200" b="1" spc="-30" dirty="0">
-                <a:solidFill>
-                  <a:srgbClr val="404040"/>
-                </a:solidFill>
-                <a:latin typeface="Gill Sans MT"/>
-                <a:cs typeface="Gill Sans MT"/>
-              </a:rPr>
-              <a:t> </a:t>
-            </a:r>
-            <a:r>
-              <a:rPr sz="1200" b="1" spc="-25" dirty="0">
+              <a:rPr dirty="0" sz="1200" spc="-30" b="1">
+                <a:solidFill>
+                  <a:srgbClr val="404040"/>
+                </a:solidFill>
+                <a:latin typeface="Gill Sans MT"/>
+                <a:cs typeface="Gill Sans MT"/>
+              </a:rPr>
+              <a:t> </a:t>
+            </a:r>
+            <a:r>
+              <a:rPr dirty="0" sz="1200" spc="-25" b="1">
                 <a:solidFill>
                   <a:srgbClr val="404040"/>
                 </a:solidFill>
@@ -4977,17 +4940,17 @@
               <a:t>tail</a:t>
             </a:r>
             <a:r>
-              <a:rPr sz="1200" b="1" spc="-30" dirty="0">
-                <a:solidFill>
-                  <a:srgbClr val="404040"/>
-                </a:solidFill>
-                <a:latin typeface="Gill Sans MT"/>
-                <a:cs typeface="Gill Sans MT"/>
-              </a:rPr>
-              <a:t> </a:t>
-            </a:r>
-            <a:r>
-              <a:rPr sz="1200" b="1" spc="-55" dirty="0">
+              <a:rPr dirty="0" sz="1200" spc="-30" b="1">
+                <a:solidFill>
+                  <a:srgbClr val="404040"/>
+                </a:solidFill>
+                <a:latin typeface="Gill Sans MT"/>
+                <a:cs typeface="Gill Sans MT"/>
+              </a:rPr>
+              <a:t> </a:t>
+            </a:r>
+            <a:r>
+              <a:rPr dirty="0" sz="1200" spc="-55" b="1">
                 <a:solidFill>
                   <a:srgbClr val="404040"/>
                 </a:solidFill>
@@ -4997,17 +4960,17 @@
               <a:t>movement</a:t>
             </a:r>
             <a:r>
-              <a:rPr sz="1200" b="1" spc="-30" dirty="0">
-                <a:solidFill>
-                  <a:srgbClr val="404040"/>
-                </a:solidFill>
-                <a:latin typeface="Gill Sans MT"/>
-                <a:cs typeface="Gill Sans MT"/>
-              </a:rPr>
-              <a:t> </a:t>
-            </a:r>
-            <a:r>
-              <a:rPr sz="1200" b="1" spc="-10" dirty="0">
+              <a:rPr dirty="0" sz="1200" spc="-30" b="1">
+                <a:solidFill>
+                  <a:srgbClr val="404040"/>
+                </a:solidFill>
+                <a:latin typeface="Gill Sans MT"/>
+                <a:cs typeface="Gill Sans MT"/>
+              </a:rPr>
+              <a:t> </a:t>
+            </a:r>
+            <a:r>
+              <a:rPr dirty="0" sz="1200" spc="-10" b="1">
                 <a:solidFill>
                   <a:srgbClr val="404040"/>
                 </a:solidFill>
@@ -5022,21 +4985,21 @@
             </a:endParaRPr>
           </a:p>
           <a:p>
-            <a:pPr marL="926465" lvl="1" indent="-227965">
+            <a:pPr lvl="1" marL="926465" indent="-227965">
               <a:lnSpc>
                 <a:spcPct val="100000"/>
               </a:lnSpc>
               <a:spcBef>
-                <a:spcPts val="220"/>
+                <a:spcPts val="219"/>
               </a:spcBef>
-              <a:buFont typeface="Arial" panose="020B0604020202020204"/>
+              <a:buFont typeface="Arial"/>
               <a:buChar char="○"/>
               <a:tabLst>
                 <a:tab pos="926465" algn="l"/>
               </a:tabLst>
             </a:pPr>
             <a:r>
-              <a:rPr sz="1200" b="1" spc="-40" dirty="0">
+              <a:rPr dirty="0" sz="1200" spc="-40" b="1">
                 <a:solidFill>
                   <a:srgbClr val="404040"/>
                 </a:solidFill>
@@ -5046,17 +5009,17 @@
               <a:t>Boundary</a:t>
             </a:r>
             <a:r>
-              <a:rPr sz="1200" b="1" spc="-5" dirty="0">
-                <a:solidFill>
-                  <a:srgbClr val="404040"/>
-                </a:solidFill>
-                <a:latin typeface="Gill Sans MT"/>
-                <a:cs typeface="Gill Sans MT"/>
-              </a:rPr>
-              <a:t> </a:t>
-            </a:r>
-            <a:r>
-              <a:rPr sz="1200" b="1" dirty="0">
+              <a:rPr dirty="0" sz="1200" spc="-5" b="1">
+                <a:solidFill>
+                  <a:srgbClr val="404040"/>
+                </a:solidFill>
+                <a:latin typeface="Gill Sans MT"/>
+                <a:cs typeface="Gill Sans MT"/>
+              </a:rPr>
+              <a:t> </a:t>
+            </a:r>
+            <a:r>
+              <a:rPr dirty="0" sz="1200" b="1">
                 <a:solidFill>
                   <a:srgbClr val="404040"/>
                 </a:solidFill>
@@ -5066,56 +5029,56 @@
               <a:t>checks </a:t>
             </a:r>
             <a:r>
-              <a:rPr sz="1200" spc="-20" dirty="0">
-                <a:solidFill>
-                  <a:srgbClr val="404040"/>
-                </a:solidFill>
-                <a:latin typeface="Trebuchet MS" panose="020B0603020202020204"/>
-                <a:cs typeface="Trebuchet MS" panose="020B0603020202020204"/>
+              <a:rPr dirty="0" sz="1200" spc="-20">
+                <a:solidFill>
+                  <a:srgbClr val="404040"/>
+                </a:solidFill>
+                <a:latin typeface="Trebuchet MS"/>
+                <a:cs typeface="Trebuchet MS"/>
               </a:rPr>
               <a:t>for</a:t>
             </a:r>
             <a:r>
-              <a:rPr sz="1200" spc="-25" dirty="0">
-                <a:solidFill>
-                  <a:srgbClr val="404040"/>
-                </a:solidFill>
-                <a:latin typeface="Trebuchet MS" panose="020B0603020202020204"/>
-                <a:cs typeface="Trebuchet MS" panose="020B0603020202020204"/>
-              </a:rPr>
-              <a:t> </a:t>
-            </a:r>
-            <a:r>
-              <a:rPr sz="1200" spc="-10" dirty="0">
-                <a:solidFill>
-                  <a:srgbClr val="404040"/>
-                </a:solidFill>
-                <a:latin typeface="Trebuchet MS" panose="020B0603020202020204"/>
-                <a:cs typeface="Trebuchet MS" panose="020B0603020202020204"/>
+              <a:rPr dirty="0" sz="1200" spc="-25">
+                <a:solidFill>
+                  <a:srgbClr val="404040"/>
+                </a:solidFill>
+                <a:latin typeface="Trebuchet MS"/>
+                <a:cs typeface="Trebuchet MS"/>
+              </a:rPr>
+              <a:t> </a:t>
+            </a:r>
+            <a:r>
+              <a:rPr dirty="0" sz="1200" spc="-10">
+                <a:solidFill>
+                  <a:srgbClr val="404040"/>
+                </a:solidFill>
+                <a:latin typeface="Trebuchet MS"/>
+                <a:cs typeface="Trebuchet MS"/>
               </a:rPr>
               <a:t>walls</a:t>
             </a:r>
             <a:endParaRPr sz="1200">
-              <a:latin typeface="Trebuchet MS" panose="020B0603020202020204"/>
-              <a:cs typeface="Trebuchet MS" panose="020B0603020202020204"/>
+              <a:latin typeface="Trebuchet MS"/>
+              <a:cs typeface="Trebuchet MS"/>
             </a:endParaRPr>
           </a:p>
           <a:p>
-            <a:pPr marL="926465" lvl="1" indent="-227965">
+            <a:pPr lvl="1" marL="926465" indent="-227965">
               <a:lnSpc>
                 <a:spcPct val="100000"/>
               </a:lnSpc>
               <a:spcBef>
                 <a:spcPts val="215"/>
               </a:spcBef>
-              <a:buFont typeface="Arial" panose="020B0604020202020204"/>
+              <a:buFont typeface="Arial"/>
               <a:buChar char="○"/>
               <a:tabLst>
                 <a:tab pos="926465" algn="l"/>
               </a:tabLst>
             </a:pPr>
             <a:r>
-              <a:rPr sz="1200" b="1" dirty="0">
+              <a:rPr dirty="0" sz="1200" b="1">
                 <a:solidFill>
                   <a:srgbClr val="404040"/>
                 </a:solidFill>
@@ -5125,17 +5088,17 @@
               <a:t>Self-collision</a:t>
             </a:r>
             <a:r>
-              <a:rPr sz="1200" b="1" spc="-5" dirty="0">
-                <a:solidFill>
-                  <a:srgbClr val="404040"/>
-                </a:solidFill>
-                <a:latin typeface="Gill Sans MT"/>
-                <a:cs typeface="Gill Sans MT"/>
-              </a:rPr>
-              <a:t> </a:t>
-            </a:r>
-            <a:r>
-              <a:rPr sz="1200" b="1" spc="-30" dirty="0">
+              <a:rPr dirty="0" sz="1200" spc="-5" b="1">
+                <a:solidFill>
+                  <a:srgbClr val="404040"/>
+                </a:solidFill>
+                <a:latin typeface="Gill Sans MT"/>
+                <a:cs typeface="Gill Sans MT"/>
+              </a:rPr>
+              <a:t> </a:t>
+            </a:r>
+            <a:r>
+              <a:rPr dirty="0" sz="1200" spc="-30" b="1">
                 <a:solidFill>
                   <a:srgbClr val="404040"/>
                 </a:solidFill>
@@ -5145,28 +5108,28 @@
               <a:t>detection</a:t>
             </a:r>
             <a:r>
-              <a:rPr sz="1200" b="1" spc="-5" dirty="0">
-                <a:solidFill>
-                  <a:srgbClr val="404040"/>
-                </a:solidFill>
-                <a:latin typeface="Gill Sans MT"/>
-                <a:cs typeface="Gill Sans MT"/>
-              </a:rPr>
-              <a:t> </a:t>
-            </a:r>
-            <a:r>
-              <a:rPr sz="1200" spc="-10" dirty="0">
-                <a:solidFill>
-                  <a:srgbClr val="404040"/>
-                </a:solidFill>
-                <a:latin typeface="Trebuchet MS" panose="020B0603020202020204"/>
-                <a:cs typeface="Trebuchet MS" panose="020B0603020202020204"/>
+              <a:rPr dirty="0" sz="1200" spc="-5" b="1">
+                <a:solidFill>
+                  <a:srgbClr val="404040"/>
+                </a:solidFill>
+                <a:latin typeface="Gill Sans MT"/>
+                <a:cs typeface="Gill Sans MT"/>
+              </a:rPr>
+              <a:t> </a:t>
+            </a:r>
+            <a:r>
+              <a:rPr dirty="0" sz="1200" spc="-10">
+                <a:solidFill>
+                  <a:srgbClr val="404040"/>
+                </a:solidFill>
+                <a:latin typeface="Trebuchet MS"/>
+                <a:cs typeface="Trebuchet MS"/>
               </a:rPr>
               <a:t>loops</a:t>
             </a:r>
             <a:endParaRPr sz="1200">
-              <a:latin typeface="Trebuchet MS" panose="020B0603020202020204"/>
-              <a:cs typeface="Trebuchet MS" panose="020B0603020202020204"/>
+              <a:latin typeface="Trebuchet MS"/>
+              <a:cs typeface="Trebuchet MS"/>
             </a:endParaRPr>
           </a:p>
           <a:p>
@@ -5177,12 +5140,12 @@
               <a:buClr>
                 <a:srgbClr val="404040"/>
               </a:buClr>
-              <a:buFont typeface="Arial" panose="020B0604020202020204"/>
+              <a:buFont typeface="Arial"/>
               <a:buChar char="○"/>
             </a:pPr>
             <a:endParaRPr sz="1200">
-              <a:latin typeface="Trebuchet MS" panose="020B0603020202020204"/>
-              <a:cs typeface="Trebuchet MS" panose="020B0603020202020204"/>
+              <a:latin typeface="Trebuchet MS"/>
+              <a:cs typeface="Trebuchet MS"/>
             </a:endParaRPr>
           </a:p>
           <a:p>
@@ -5196,12 +5159,12 @@
               <a:buClr>
                 <a:srgbClr val="404040"/>
               </a:buClr>
-              <a:buFont typeface="Arial" panose="020B0604020202020204"/>
+              <a:buFont typeface="Arial"/>
               <a:buChar char="○"/>
             </a:pPr>
             <a:endParaRPr sz="1200">
-              <a:latin typeface="Trebuchet MS" panose="020B0603020202020204"/>
-              <a:cs typeface="Trebuchet MS" panose="020B0603020202020204"/>
+              <a:latin typeface="Trebuchet MS"/>
+              <a:cs typeface="Trebuchet MS"/>
             </a:endParaRPr>
           </a:p>
           <a:p>
@@ -5215,7 +5178,7 @@
               </a:tabLst>
             </a:pPr>
             <a:r>
-              <a:rPr sz="1200" b="1" spc="-30" dirty="0">
+              <a:rPr dirty="0" sz="1200" spc="-30" b="1">
                 <a:solidFill>
                   <a:srgbClr val="404040"/>
                 </a:solidFill>
@@ -5225,17 +5188,17 @@
               <a:t>Rendering</a:t>
             </a:r>
             <a:r>
-              <a:rPr sz="1200" b="1" spc="-15" dirty="0">
-                <a:solidFill>
-                  <a:srgbClr val="404040"/>
-                </a:solidFill>
-                <a:latin typeface="Gill Sans MT"/>
-                <a:cs typeface="Gill Sans MT"/>
-              </a:rPr>
-              <a:t> </a:t>
-            </a:r>
-            <a:r>
-              <a:rPr sz="1200" b="1" spc="-20" dirty="0">
+              <a:rPr dirty="0" sz="1200" spc="-15" b="1">
+                <a:solidFill>
+                  <a:srgbClr val="404040"/>
+                </a:solidFill>
+                <a:latin typeface="Gill Sans MT"/>
+                <a:cs typeface="Gill Sans MT"/>
+              </a:rPr>
+              <a:t> </a:t>
+            </a:r>
+            <a:r>
+              <a:rPr dirty="0" sz="1200" spc="-20" b="1">
                 <a:solidFill>
                   <a:srgbClr val="404040"/>
                 </a:solidFill>
@@ -5245,17 +5208,17 @@
               <a:t>System</a:t>
             </a:r>
             <a:r>
-              <a:rPr sz="1200" b="1" spc="-15" dirty="0">
-                <a:solidFill>
-                  <a:srgbClr val="404040"/>
-                </a:solidFill>
-                <a:latin typeface="Gill Sans MT"/>
-                <a:cs typeface="Gill Sans MT"/>
-              </a:rPr>
-              <a:t> </a:t>
-            </a:r>
-            <a:r>
-              <a:rPr sz="1200" b="1" spc="-45" dirty="0">
+              <a:rPr dirty="0" sz="1200" spc="-15" b="1">
+                <a:solidFill>
+                  <a:srgbClr val="404040"/>
+                </a:solidFill>
+                <a:latin typeface="Gill Sans MT"/>
+                <a:cs typeface="Gill Sans MT"/>
+              </a:rPr>
+              <a:t> </a:t>
+            </a:r>
+            <a:r>
+              <a:rPr dirty="0" sz="1200" spc="-45" b="1">
                 <a:solidFill>
                   <a:srgbClr val="404040"/>
                 </a:solidFill>
@@ -5265,17 +5228,17 @@
               <a:t>(Mohammad</a:t>
             </a:r>
             <a:r>
-              <a:rPr sz="1200" b="1" spc="-15" dirty="0">
-                <a:solidFill>
-                  <a:srgbClr val="404040"/>
-                </a:solidFill>
-                <a:latin typeface="Gill Sans MT"/>
-                <a:cs typeface="Gill Sans MT"/>
-              </a:rPr>
-              <a:t> </a:t>
-            </a:r>
-            <a:r>
-              <a:rPr sz="1200" b="1" spc="-20" dirty="0">
+              <a:rPr dirty="0" sz="1200" spc="-15" b="1">
+                <a:solidFill>
+                  <a:srgbClr val="404040"/>
+                </a:solidFill>
+                <a:latin typeface="Gill Sans MT"/>
+                <a:cs typeface="Gill Sans MT"/>
+              </a:rPr>
+              <a:t> </a:t>
+            </a:r>
+            <a:r>
+              <a:rPr dirty="0" sz="1200" spc="-20" b="1">
                 <a:solidFill>
                   <a:srgbClr val="404040"/>
                 </a:solidFill>
@@ -5299,7 +5262,7 @@
               </a:spcBef>
             </a:pPr>
             <a:r>
-              <a:rPr sz="1200" i="1" spc="85" dirty="0">
+              <a:rPr dirty="0" sz="1200" spc="85" i="1">
                 <a:solidFill>
                   <a:srgbClr val="404040"/>
                 </a:solidFill>
@@ -5309,48 +5272,48 @@
               <a:t>Responsibility:</a:t>
             </a:r>
             <a:r>
-              <a:rPr sz="1200" i="1" spc="25" dirty="0">
-                <a:solidFill>
-                  <a:srgbClr val="404040"/>
-                </a:solidFill>
-                <a:latin typeface="Gill Sans MT"/>
-                <a:cs typeface="Gill Sans MT"/>
-              </a:rPr>
-              <a:t> </a:t>
-            </a:r>
-            <a:r>
-              <a:rPr sz="1200" dirty="0">
-                <a:solidFill>
-                  <a:srgbClr val="404040"/>
-                </a:solidFill>
-                <a:latin typeface="Trebuchet MS" panose="020B0603020202020204"/>
-                <a:cs typeface="Trebuchet MS" panose="020B0603020202020204"/>
+              <a:rPr dirty="0" sz="1200" spc="25" i="1">
+                <a:solidFill>
+                  <a:srgbClr val="404040"/>
+                </a:solidFill>
+                <a:latin typeface="Gill Sans MT"/>
+                <a:cs typeface="Gill Sans MT"/>
+              </a:rPr>
+              <a:t> </a:t>
+            </a:r>
+            <a:r>
+              <a:rPr dirty="0" sz="1200">
+                <a:solidFill>
+                  <a:srgbClr val="404040"/>
+                </a:solidFill>
+                <a:latin typeface="Trebuchet MS"/>
+                <a:cs typeface="Trebuchet MS"/>
               </a:rPr>
               <a:t>Display game</a:t>
             </a:r>
             <a:r>
-              <a:rPr sz="1200" spc="5" dirty="0">
-                <a:solidFill>
-                  <a:srgbClr val="404040"/>
-                </a:solidFill>
-                <a:latin typeface="Trebuchet MS" panose="020B0603020202020204"/>
-                <a:cs typeface="Trebuchet MS" panose="020B0603020202020204"/>
-              </a:rPr>
-              <a:t> </a:t>
-            </a:r>
-            <a:r>
-              <a:rPr sz="1200" spc="-10" dirty="0">
-                <a:solidFill>
-                  <a:srgbClr val="404040"/>
-                </a:solidFill>
-                <a:latin typeface="Trebuchet MS" panose="020B0603020202020204"/>
-                <a:cs typeface="Trebuchet MS" panose="020B0603020202020204"/>
+              <a:rPr dirty="0" sz="1200" spc="5">
+                <a:solidFill>
+                  <a:srgbClr val="404040"/>
+                </a:solidFill>
+                <a:latin typeface="Trebuchet MS"/>
+                <a:cs typeface="Trebuchet MS"/>
+              </a:rPr>
+              <a:t> </a:t>
+            </a:r>
+            <a:r>
+              <a:rPr dirty="0" sz="1200" spc="-10">
+                <a:solidFill>
+                  <a:srgbClr val="404040"/>
+                </a:solidFill>
+                <a:latin typeface="Trebuchet MS"/>
+                <a:cs typeface="Trebuchet MS"/>
               </a:rPr>
               <a:t>visuals.</a:t>
             </a:r>
             <a:endParaRPr sz="1200">
-              <a:latin typeface="Trebuchet MS" panose="020B0603020202020204"/>
-              <a:cs typeface="Trebuchet MS" panose="020B0603020202020204"/>
+              <a:latin typeface="Trebuchet MS"/>
+              <a:cs typeface="Trebuchet MS"/>
             </a:endParaRPr>
           </a:p>
           <a:p>
@@ -5363,8 +5326,8 @@
               </a:spcBef>
             </a:pPr>
             <a:endParaRPr sz="1200">
-              <a:latin typeface="Trebuchet MS" panose="020B0603020202020204"/>
-              <a:cs typeface="Trebuchet MS" panose="020B0603020202020204"/>
+              <a:latin typeface="Trebuchet MS"/>
+              <a:cs typeface="Trebuchet MS"/>
             </a:endParaRPr>
           </a:p>
           <a:p>
@@ -5374,7 +5337,7 @@
               </a:lnSpc>
             </a:pPr>
             <a:r>
-              <a:rPr sz="1200" b="1" spc="-60" dirty="0">
+              <a:rPr dirty="0" sz="1200" spc="-60" b="1">
                 <a:solidFill>
                   <a:srgbClr val="404040"/>
                 </a:solidFill>
@@ -5384,17 +5347,17 @@
               <a:t>Key</a:t>
             </a:r>
             <a:r>
-              <a:rPr sz="1200" b="1" spc="-30" dirty="0">
-                <a:solidFill>
-                  <a:srgbClr val="404040"/>
-                </a:solidFill>
-                <a:latin typeface="Gill Sans MT"/>
-                <a:cs typeface="Gill Sans MT"/>
-              </a:rPr>
-              <a:t> </a:t>
-            </a:r>
-            <a:r>
-              <a:rPr sz="1200" b="1" spc="-10" dirty="0">
+              <a:rPr dirty="0" sz="1200" spc="-30" b="1">
+                <a:solidFill>
+                  <a:srgbClr val="404040"/>
+                </a:solidFill>
+                <a:latin typeface="Gill Sans MT"/>
+                <a:cs typeface="Gill Sans MT"/>
+              </a:rPr>
+              <a:t> </a:t>
+            </a:r>
+            <a:r>
+              <a:rPr dirty="0" sz="1200" spc="-10" b="1">
                 <a:solidFill>
                   <a:srgbClr val="404040"/>
                 </a:solidFill>
@@ -5416,14 +5379,14 @@
               <a:spcBef>
                 <a:spcPts val="515"/>
               </a:spcBef>
-              <a:buFont typeface="Arial" panose="020B0604020202020204"/>
+              <a:buFont typeface="Arial"/>
               <a:buChar char="●"/>
               <a:tabLst>
                 <a:tab pos="469265" algn="l"/>
               </a:tabLst>
             </a:pPr>
             <a:r>
-              <a:rPr sz="1200" b="1" spc="-25" dirty="0">
+              <a:rPr dirty="0" sz="1200" spc="-25" b="1">
                 <a:solidFill>
                   <a:srgbClr val="404040"/>
                 </a:solidFill>
@@ -5433,7 +5396,7 @@
               <a:t>Flicker-</a:t>
             </a:r>
             <a:r>
-              <a:rPr sz="1200" b="1" spc="-20" dirty="0">
+              <a:rPr dirty="0" sz="1200" spc="-20" b="1">
                 <a:solidFill>
                   <a:srgbClr val="404040"/>
                 </a:solidFill>
@@ -5443,17 +5406,17 @@
               <a:t>free</a:t>
             </a:r>
             <a:r>
-              <a:rPr sz="1200" b="1" spc="-15" dirty="0">
-                <a:solidFill>
-                  <a:srgbClr val="404040"/>
-                </a:solidFill>
-                <a:latin typeface="Gill Sans MT"/>
-                <a:cs typeface="Gill Sans MT"/>
-              </a:rPr>
-              <a:t> </a:t>
-            </a:r>
-            <a:r>
-              <a:rPr sz="1200" b="1" spc="-10" dirty="0">
+              <a:rPr dirty="0" sz="1200" spc="-15" b="1">
+                <a:solidFill>
+                  <a:srgbClr val="404040"/>
+                </a:solidFill>
+                <a:latin typeface="Gill Sans MT"/>
+                <a:cs typeface="Gill Sans MT"/>
+              </a:rPr>
+              <a:t> </a:t>
+            </a:r>
+            <a:r>
+              <a:rPr dirty="0" sz="1200" spc="-10" b="1">
                 <a:solidFill>
                   <a:srgbClr val="404040"/>
                 </a:solidFill>
@@ -5463,68 +5426,68 @@
               <a:t>updates</a:t>
             </a:r>
             <a:r>
-              <a:rPr sz="1200" b="1" spc="-15" dirty="0">
-                <a:solidFill>
-                  <a:srgbClr val="404040"/>
-                </a:solidFill>
-                <a:latin typeface="Gill Sans MT"/>
-                <a:cs typeface="Gill Sans MT"/>
-              </a:rPr>
-              <a:t> </a:t>
-            </a:r>
-            <a:r>
-              <a:rPr sz="1200" spc="-10" dirty="0">
-                <a:solidFill>
-                  <a:srgbClr val="404040"/>
-                </a:solidFill>
-                <a:latin typeface="Trebuchet MS" panose="020B0603020202020204"/>
-                <a:cs typeface="Trebuchet MS" panose="020B0603020202020204"/>
+              <a:rPr dirty="0" sz="1200" spc="-15" b="1">
+                <a:solidFill>
+                  <a:srgbClr val="404040"/>
+                </a:solidFill>
+                <a:latin typeface="Gill Sans MT"/>
+                <a:cs typeface="Gill Sans MT"/>
+              </a:rPr>
+              <a:t> </a:t>
+            </a:r>
+            <a:r>
+              <a:rPr dirty="0" sz="1200" spc="-10">
+                <a:solidFill>
+                  <a:srgbClr val="404040"/>
+                </a:solidFill>
+                <a:latin typeface="Trebuchet MS"/>
+                <a:cs typeface="Trebuchet MS"/>
               </a:rPr>
               <a:t>via</a:t>
             </a:r>
             <a:r>
-              <a:rPr sz="1200" spc="-40" dirty="0">
-                <a:solidFill>
-                  <a:srgbClr val="404040"/>
-                </a:solidFill>
-                <a:latin typeface="Trebuchet MS" panose="020B0603020202020204"/>
-                <a:cs typeface="Trebuchet MS" panose="020B0603020202020204"/>
-              </a:rPr>
-              <a:t> </a:t>
-            </a:r>
-            <a:r>
-              <a:rPr sz="1200" dirty="0">
-                <a:solidFill>
-                  <a:srgbClr val="404040"/>
-                </a:solidFill>
-                <a:latin typeface="Trebuchet MS" panose="020B0603020202020204"/>
-                <a:cs typeface="Trebuchet MS" panose="020B0603020202020204"/>
+              <a:rPr dirty="0" sz="1200" spc="-40">
+                <a:solidFill>
+                  <a:srgbClr val="404040"/>
+                </a:solidFill>
+                <a:latin typeface="Trebuchet MS"/>
+                <a:cs typeface="Trebuchet MS"/>
+              </a:rPr>
+              <a:t> </a:t>
+            </a:r>
+            <a:r>
+              <a:rPr dirty="0" sz="1200">
+                <a:solidFill>
+                  <a:srgbClr val="404040"/>
+                </a:solidFill>
+                <a:latin typeface="Trebuchet MS"/>
+                <a:cs typeface="Trebuchet MS"/>
               </a:rPr>
               <a:t>cursor</a:t>
             </a:r>
             <a:r>
-              <a:rPr sz="1200" spc="-40" dirty="0">
-                <a:solidFill>
-                  <a:srgbClr val="404040"/>
-                </a:solidFill>
-                <a:latin typeface="Trebuchet MS" panose="020B0603020202020204"/>
-                <a:cs typeface="Trebuchet MS" panose="020B0603020202020204"/>
-              </a:rPr>
-              <a:t> </a:t>
-            </a:r>
-            <a:r>
-              <a:rPr sz="1200" spc="-10" dirty="0">
-                <a:solidFill>
-                  <a:srgbClr val="404040"/>
-                </a:solidFill>
-                <a:latin typeface="Trebuchet MS" panose="020B0603020202020204"/>
-                <a:cs typeface="Trebuchet MS" panose="020B0603020202020204"/>
+              <a:rPr dirty="0" sz="1200" spc="-40">
+                <a:solidFill>
+                  <a:srgbClr val="404040"/>
+                </a:solidFill>
+                <a:latin typeface="Trebuchet MS"/>
+                <a:cs typeface="Trebuchet MS"/>
+              </a:rPr>
+              <a:t> </a:t>
+            </a:r>
+            <a:r>
+              <a:rPr dirty="0" sz="1200" spc="-10">
+                <a:solidFill>
+                  <a:srgbClr val="404040"/>
+                </a:solidFill>
+                <a:latin typeface="Trebuchet MS"/>
+                <a:cs typeface="Trebuchet MS"/>
               </a:rPr>
               <a:t>repositioning</a:t>
             </a:r>
             <a:endParaRPr sz="1200">
-              <a:latin typeface="Trebuchet MS" panose="020B0603020202020204"/>
-              <a:cs typeface="Trebuchet MS" panose="020B0603020202020204"/>
+              <a:latin typeface="Trebuchet MS"/>
+              <a:cs typeface="Trebuchet MS"/>
             </a:endParaRPr>
           </a:p>
           <a:p>
@@ -5535,14 +5498,14 @@
               <a:spcBef>
                 <a:spcPts val="215"/>
               </a:spcBef>
-              <a:buFont typeface="Arial" panose="020B0604020202020204"/>
+              <a:buFont typeface="Arial"/>
               <a:buChar char="●"/>
               <a:tabLst>
                 <a:tab pos="469265" algn="l"/>
               </a:tabLst>
             </a:pPr>
             <a:r>
-              <a:rPr sz="1200" b="1" spc="-50" dirty="0">
+              <a:rPr dirty="0" sz="1200" spc="-50" b="1">
                 <a:solidFill>
                   <a:srgbClr val="404040"/>
                 </a:solidFill>
@@ -5552,17 +5515,17 @@
               <a:t>Dynamic</a:t>
             </a:r>
             <a:r>
-              <a:rPr sz="1200" b="1" spc="60" dirty="0">
-                <a:solidFill>
-                  <a:srgbClr val="404040"/>
-                </a:solidFill>
-                <a:latin typeface="Gill Sans MT"/>
-                <a:cs typeface="Gill Sans MT"/>
-              </a:rPr>
-              <a:t> </a:t>
-            </a:r>
-            <a:r>
-              <a:rPr sz="1200" b="1" spc="-35" dirty="0">
+              <a:rPr dirty="0" sz="1200" spc="60" b="1">
+                <a:solidFill>
+                  <a:srgbClr val="404040"/>
+                </a:solidFill>
+                <a:latin typeface="Gill Sans MT"/>
+                <a:cs typeface="Gill Sans MT"/>
+              </a:rPr>
+              <a:t> </a:t>
+            </a:r>
+            <a:r>
+              <a:rPr dirty="0" sz="1200" spc="-35" b="1">
                 <a:solidFill>
                   <a:srgbClr val="404040"/>
                 </a:solidFill>
@@ -5572,68 +5535,68 @@
               <a:t>borders</a:t>
             </a:r>
             <a:r>
-              <a:rPr sz="1200" b="1" spc="65" dirty="0">
-                <a:solidFill>
-                  <a:srgbClr val="404040"/>
-                </a:solidFill>
-                <a:latin typeface="Gill Sans MT"/>
-                <a:cs typeface="Gill Sans MT"/>
-              </a:rPr>
-              <a:t> </a:t>
-            </a:r>
-            <a:r>
-              <a:rPr sz="1200" dirty="0">
-                <a:solidFill>
-                  <a:srgbClr val="404040"/>
-                </a:solidFill>
-                <a:latin typeface="Trebuchet MS" panose="020B0603020202020204"/>
-                <a:cs typeface="Trebuchet MS" panose="020B0603020202020204"/>
+              <a:rPr dirty="0" sz="1200" spc="65" b="1">
+                <a:solidFill>
+                  <a:srgbClr val="404040"/>
+                </a:solidFill>
+                <a:latin typeface="Gill Sans MT"/>
+                <a:cs typeface="Gill Sans MT"/>
+              </a:rPr>
+              <a:t> </a:t>
+            </a:r>
+            <a:r>
+              <a:rPr dirty="0" sz="1200">
+                <a:solidFill>
+                  <a:srgbClr val="404040"/>
+                </a:solidFill>
+                <a:latin typeface="Trebuchet MS"/>
+                <a:cs typeface="Trebuchet MS"/>
               </a:rPr>
               <a:t>using</a:t>
             </a:r>
             <a:r>
-              <a:rPr sz="1200" spc="35" dirty="0">
-                <a:solidFill>
-                  <a:srgbClr val="404040"/>
-                </a:solidFill>
-                <a:latin typeface="Trebuchet MS" panose="020B0603020202020204"/>
-                <a:cs typeface="Trebuchet MS" panose="020B0603020202020204"/>
-              </a:rPr>
-              <a:t> </a:t>
-            </a:r>
-            <a:r>
-              <a:rPr sz="1200" dirty="0">
-                <a:solidFill>
-                  <a:srgbClr val="404040"/>
-                </a:solidFill>
-                <a:latin typeface="Trebuchet MS" panose="020B0603020202020204"/>
-                <a:cs typeface="Trebuchet MS" panose="020B0603020202020204"/>
+              <a:rPr dirty="0" sz="1200" spc="35">
+                <a:solidFill>
+                  <a:srgbClr val="404040"/>
+                </a:solidFill>
+                <a:latin typeface="Trebuchet MS"/>
+                <a:cs typeface="Trebuchet MS"/>
+              </a:rPr>
+              <a:t> </a:t>
+            </a:r>
+            <a:r>
+              <a:rPr dirty="0" sz="1200">
+                <a:solidFill>
+                  <a:srgbClr val="404040"/>
+                </a:solidFill>
+                <a:latin typeface="Trebuchet MS"/>
+                <a:cs typeface="Trebuchet MS"/>
               </a:rPr>
               <a:t>ASCII</a:t>
             </a:r>
             <a:r>
-              <a:rPr sz="1200" spc="40" dirty="0">
-                <a:solidFill>
-                  <a:srgbClr val="404040"/>
-                </a:solidFill>
-                <a:latin typeface="Trebuchet MS" panose="020B0603020202020204"/>
-                <a:cs typeface="Trebuchet MS" panose="020B0603020202020204"/>
-              </a:rPr>
-              <a:t> </a:t>
-            </a:r>
-            <a:r>
-              <a:rPr sz="1200" spc="-10" dirty="0">
-                <a:solidFill>
-                  <a:srgbClr val="404040"/>
-                </a:solidFill>
-                <a:latin typeface="Trebuchet MS" panose="020B0603020202020204"/>
-                <a:cs typeface="Trebuchet MS" panose="020B0603020202020204"/>
+              <a:rPr dirty="0" sz="1200" spc="40">
+                <a:solidFill>
+                  <a:srgbClr val="404040"/>
+                </a:solidFill>
+                <a:latin typeface="Trebuchet MS"/>
+                <a:cs typeface="Trebuchet MS"/>
+              </a:rPr>
+              <a:t> </a:t>
+            </a:r>
+            <a:r>
+              <a:rPr dirty="0" sz="1200" spc="-10">
+                <a:solidFill>
+                  <a:srgbClr val="404040"/>
+                </a:solidFill>
+                <a:latin typeface="Trebuchet MS"/>
+                <a:cs typeface="Trebuchet MS"/>
               </a:rPr>
               <a:t>characters</a:t>
             </a:r>
             <a:endParaRPr sz="1200">
-              <a:latin typeface="Trebuchet MS" panose="020B0603020202020204"/>
-              <a:cs typeface="Trebuchet MS" panose="020B0603020202020204"/>
+              <a:latin typeface="Trebuchet MS"/>
+              <a:cs typeface="Trebuchet MS"/>
             </a:endParaRPr>
           </a:p>
           <a:p>
@@ -5644,14 +5607,14 @@
               <a:spcBef>
                 <a:spcPts val="220"/>
               </a:spcBef>
-              <a:buFont typeface="Arial" panose="020B0604020202020204"/>
+              <a:buFont typeface="Arial"/>
               <a:buChar char="●"/>
               <a:tabLst>
                 <a:tab pos="469265" algn="l"/>
               </a:tabLst>
             </a:pPr>
             <a:r>
-              <a:rPr sz="1200" b="1" spc="-30" dirty="0">
+              <a:rPr dirty="0" sz="1200" spc="-30" b="1">
                 <a:solidFill>
                   <a:srgbClr val="404040"/>
                 </a:solidFill>
@@ -5661,7 +5624,7 @@
               <a:t>Real-</a:t>
             </a:r>
             <a:r>
-              <a:rPr sz="1200" b="1" spc="-25" dirty="0">
+              <a:rPr dirty="0" sz="1200" spc="-25" b="1">
                 <a:solidFill>
                   <a:srgbClr val="404040"/>
                 </a:solidFill>
@@ -5671,17 +5634,17 @@
               <a:t>time</a:t>
             </a:r>
             <a:r>
-              <a:rPr sz="1200" b="1" spc="-30" dirty="0">
-                <a:solidFill>
-                  <a:srgbClr val="404040"/>
-                </a:solidFill>
-                <a:latin typeface="Gill Sans MT"/>
-                <a:cs typeface="Gill Sans MT"/>
-              </a:rPr>
-              <a:t> </a:t>
-            </a:r>
-            <a:r>
-              <a:rPr sz="1200" b="1" spc="-10" dirty="0">
+              <a:rPr dirty="0" sz="1200" spc="-30" b="1">
+                <a:solidFill>
+                  <a:srgbClr val="404040"/>
+                </a:solidFill>
+                <a:latin typeface="Gill Sans MT"/>
+                <a:cs typeface="Gill Sans MT"/>
+              </a:rPr>
+              <a:t> </a:t>
+            </a:r>
+            <a:r>
+              <a:rPr dirty="0" sz="1200" spc="-10" b="1">
                 <a:solidFill>
                   <a:srgbClr val="404040"/>
                 </a:solidFill>
@@ -5691,17 +5654,17 @@
               <a:t>score</a:t>
             </a:r>
             <a:r>
-              <a:rPr sz="1200" b="1" spc="-30" dirty="0">
-                <a:solidFill>
-                  <a:srgbClr val="404040"/>
-                </a:solidFill>
-                <a:latin typeface="Gill Sans MT"/>
-                <a:cs typeface="Gill Sans MT"/>
-              </a:rPr>
-              <a:t> </a:t>
-            </a:r>
-            <a:r>
-              <a:rPr sz="1200" b="1" spc="-10" dirty="0">
+              <a:rPr dirty="0" sz="1200" spc="-30" b="1">
+                <a:solidFill>
+                  <a:srgbClr val="404040"/>
+                </a:solidFill>
+                <a:latin typeface="Gill Sans MT"/>
+                <a:cs typeface="Gill Sans MT"/>
+              </a:rPr>
+              <a:t> </a:t>
+            </a:r>
+            <a:r>
+              <a:rPr dirty="0" sz="1200" spc="-10" b="1">
                 <a:solidFill>
                   <a:srgbClr val="404040"/>
                 </a:solidFill>
@@ -5754,7 +5717,7 @@
               </a:tabLst>
             </a:pPr>
             <a:r>
-              <a:rPr sz="1200" b="1" spc="-55" dirty="0">
+              <a:rPr dirty="0" sz="1200" spc="-55" b="1">
                 <a:solidFill>
                   <a:srgbClr val="404040"/>
                 </a:solidFill>
@@ -5764,17 +5727,17 @@
               <a:t>Food</a:t>
             </a:r>
             <a:r>
-              <a:rPr sz="1200" b="1" spc="-35" dirty="0">
-                <a:solidFill>
-                  <a:srgbClr val="404040"/>
-                </a:solidFill>
-                <a:latin typeface="Gill Sans MT"/>
-                <a:cs typeface="Gill Sans MT"/>
-              </a:rPr>
-              <a:t> </a:t>
-            </a:r>
-            <a:r>
-              <a:rPr sz="1200" b="1" spc="-125" dirty="0">
+              <a:rPr dirty="0" sz="1200" spc="-35" b="1">
+                <a:solidFill>
+                  <a:srgbClr val="404040"/>
+                </a:solidFill>
+                <a:latin typeface="Gill Sans MT"/>
+                <a:cs typeface="Gill Sans MT"/>
+              </a:rPr>
+              <a:t> </a:t>
+            </a:r>
+            <a:r>
+              <a:rPr dirty="0" sz="1200" spc="-125" b="1">
                 <a:solidFill>
                   <a:srgbClr val="404040"/>
                 </a:solidFill>
@@ -5784,17 +5747,17 @@
               <a:t>&amp;</a:t>
             </a:r>
             <a:r>
-              <a:rPr sz="1200" b="1" spc="-35" dirty="0">
-                <a:solidFill>
-                  <a:srgbClr val="404040"/>
-                </a:solidFill>
-                <a:latin typeface="Gill Sans MT"/>
-                <a:cs typeface="Gill Sans MT"/>
-              </a:rPr>
-              <a:t> </a:t>
-            </a:r>
-            <a:r>
-              <a:rPr sz="1200" b="1" spc="-25" dirty="0">
+              <a:rPr dirty="0" sz="1200" spc="-35" b="1">
+                <a:solidFill>
+                  <a:srgbClr val="404040"/>
+                </a:solidFill>
+                <a:latin typeface="Gill Sans MT"/>
+                <a:cs typeface="Gill Sans MT"/>
+              </a:rPr>
+              <a:t> </a:t>
+            </a:r>
+            <a:r>
+              <a:rPr dirty="0" sz="1200" spc="-25" b="1">
                 <a:solidFill>
                   <a:srgbClr val="404040"/>
                 </a:solidFill>
@@ -5804,17 +5767,17 @@
               <a:t>Score</a:t>
             </a:r>
             <a:r>
-              <a:rPr sz="1200" b="1" spc="-35" dirty="0">
-                <a:solidFill>
-                  <a:srgbClr val="404040"/>
-                </a:solidFill>
-                <a:latin typeface="Gill Sans MT"/>
-                <a:cs typeface="Gill Sans MT"/>
-              </a:rPr>
-              <a:t> </a:t>
-            </a:r>
-            <a:r>
-              <a:rPr sz="1200" b="1" spc="-30" dirty="0">
+              <a:rPr dirty="0" sz="1200" spc="-35" b="1">
+                <a:solidFill>
+                  <a:srgbClr val="404040"/>
+                </a:solidFill>
+                <a:latin typeface="Gill Sans MT"/>
+                <a:cs typeface="Gill Sans MT"/>
+              </a:rPr>
+              <a:t> </a:t>
+            </a:r>
+            <a:r>
+              <a:rPr dirty="0" sz="1200" spc="-30" b="1">
                 <a:solidFill>
                   <a:srgbClr val="404040"/>
                 </a:solidFill>
@@ -5824,17 +5787,17 @@
               <a:t>(Md</a:t>
             </a:r>
             <a:r>
-              <a:rPr sz="1200" b="1" spc="-35" dirty="0">
-                <a:solidFill>
-                  <a:srgbClr val="404040"/>
-                </a:solidFill>
-                <a:latin typeface="Gill Sans MT"/>
-                <a:cs typeface="Gill Sans MT"/>
-              </a:rPr>
-              <a:t> </a:t>
-            </a:r>
-            <a:r>
-              <a:rPr sz="1200" b="1" spc="-10" dirty="0">
+              <a:rPr dirty="0" sz="1200" spc="-35" b="1">
+                <a:solidFill>
+                  <a:srgbClr val="404040"/>
+                </a:solidFill>
+                <a:latin typeface="Gill Sans MT"/>
+                <a:cs typeface="Gill Sans MT"/>
+              </a:rPr>
+              <a:t> </a:t>
+            </a:r>
+            <a:r>
+              <a:rPr dirty="0" sz="1200" spc="-10" b="1">
                 <a:solidFill>
                   <a:srgbClr val="404040"/>
                 </a:solidFill>
@@ -5858,7 +5821,7 @@
               </a:spcBef>
             </a:pPr>
             <a:r>
-              <a:rPr sz="1200" i="1" spc="85" dirty="0">
+              <a:rPr dirty="0" sz="1200" spc="85" i="1">
                 <a:solidFill>
                   <a:srgbClr val="404040"/>
                 </a:solidFill>
@@ -5868,108 +5831,108 @@
               <a:t>Responsibility:</a:t>
             </a:r>
             <a:r>
-              <a:rPr sz="1200" i="1" spc="20" dirty="0">
-                <a:solidFill>
-                  <a:srgbClr val="404040"/>
-                </a:solidFill>
-                <a:latin typeface="Gill Sans MT"/>
-                <a:cs typeface="Gill Sans MT"/>
-              </a:rPr>
-              <a:t> </a:t>
-            </a:r>
-            <a:r>
-              <a:rPr sz="1200" dirty="0">
-                <a:solidFill>
-                  <a:srgbClr val="404040"/>
-                </a:solidFill>
-                <a:latin typeface="Trebuchet MS" panose="020B0603020202020204"/>
-                <a:cs typeface="Trebuchet MS" panose="020B0603020202020204"/>
+              <a:rPr dirty="0" sz="1200" spc="20" i="1">
+                <a:solidFill>
+                  <a:srgbClr val="404040"/>
+                </a:solidFill>
+                <a:latin typeface="Gill Sans MT"/>
+                <a:cs typeface="Gill Sans MT"/>
+              </a:rPr>
+              <a:t> </a:t>
+            </a:r>
+            <a:r>
+              <a:rPr dirty="0" sz="1200">
+                <a:solidFill>
+                  <a:srgbClr val="404040"/>
+                </a:solidFill>
+                <a:latin typeface="Trebuchet MS"/>
+                <a:cs typeface="Trebuchet MS"/>
               </a:rPr>
               <a:t>Spawn</a:t>
             </a:r>
             <a:r>
-              <a:rPr sz="1200" spc="-5" dirty="0">
-                <a:solidFill>
-                  <a:srgbClr val="404040"/>
-                </a:solidFill>
-                <a:latin typeface="Trebuchet MS" panose="020B0603020202020204"/>
-                <a:cs typeface="Trebuchet MS" panose="020B0603020202020204"/>
-              </a:rPr>
-              <a:t> </a:t>
-            </a:r>
-            <a:r>
-              <a:rPr sz="1200" dirty="0">
-                <a:solidFill>
-                  <a:srgbClr val="404040"/>
-                </a:solidFill>
-                <a:latin typeface="Trebuchet MS" panose="020B0603020202020204"/>
-                <a:cs typeface="Trebuchet MS" panose="020B0603020202020204"/>
+              <a:rPr dirty="0" sz="1200" spc="-5">
+                <a:solidFill>
+                  <a:srgbClr val="404040"/>
+                </a:solidFill>
+                <a:latin typeface="Trebuchet MS"/>
+                <a:cs typeface="Trebuchet MS"/>
+              </a:rPr>
+              <a:t> </a:t>
+            </a:r>
+            <a:r>
+              <a:rPr dirty="0" sz="1200">
+                <a:solidFill>
+                  <a:srgbClr val="404040"/>
+                </a:solidFill>
+                <a:latin typeface="Trebuchet MS"/>
+                <a:cs typeface="Trebuchet MS"/>
               </a:rPr>
               <a:t>food</a:t>
             </a:r>
             <a:r>
-              <a:rPr sz="1200" spc="-5" dirty="0">
-                <a:solidFill>
-                  <a:srgbClr val="404040"/>
-                </a:solidFill>
-                <a:latin typeface="Trebuchet MS" panose="020B0603020202020204"/>
-                <a:cs typeface="Trebuchet MS" panose="020B0603020202020204"/>
-              </a:rPr>
-              <a:t> </a:t>
-            </a:r>
-            <a:r>
-              <a:rPr sz="1200" dirty="0">
-                <a:solidFill>
-                  <a:srgbClr val="404040"/>
-                </a:solidFill>
-                <a:latin typeface="Trebuchet MS" panose="020B0603020202020204"/>
-                <a:cs typeface="Trebuchet MS" panose="020B0603020202020204"/>
+              <a:rPr dirty="0" sz="1200" spc="-5">
+                <a:solidFill>
+                  <a:srgbClr val="404040"/>
+                </a:solidFill>
+                <a:latin typeface="Trebuchet MS"/>
+                <a:cs typeface="Trebuchet MS"/>
+              </a:rPr>
+              <a:t> </a:t>
+            </a:r>
+            <a:r>
+              <a:rPr dirty="0" sz="1200">
+                <a:solidFill>
+                  <a:srgbClr val="404040"/>
+                </a:solidFill>
+                <a:latin typeface="Trebuchet MS"/>
+                <a:cs typeface="Trebuchet MS"/>
               </a:rPr>
               <a:t>and</a:t>
             </a:r>
             <a:r>
-              <a:rPr sz="1200" spc="-5" dirty="0">
-                <a:solidFill>
-                  <a:srgbClr val="404040"/>
-                </a:solidFill>
-                <a:latin typeface="Trebuchet MS" panose="020B0603020202020204"/>
-                <a:cs typeface="Trebuchet MS" panose="020B0603020202020204"/>
-              </a:rPr>
-              <a:t> </a:t>
-            </a:r>
-            <a:r>
-              <a:rPr sz="1200" spc="-10" dirty="0">
-                <a:solidFill>
-                  <a:srgbClr val="404040"/>
-                </a:solidFill>
-                <a:latin typeface="Trebuchet MS" panose="020B0603020202020204"/>
-                <a:cs typeface="Trebuchet MS" panose="020B0603020202020204"/>
+              <a:rPr dirty="0" sz="1200" spc="-5">
+                <a:solidFill>
+                  <a:srgbClr val="404040"/>
+                </a:solidFill>
+                <a:latin typeface="Trebuchet MS"/>
+                <a:cs typeface="Trebuchet MS"/>
+              </a:rPr>
+              <a:t> </a:t>
+            </a:r>
+            <a:r>
+              <a:rPr dirty="0" sz="1200" spc="-10">
+                <a:solidFill>
+                  <a:srgbClr val="404040"/>
+                </a:solidFill>
+                <a:latin typeface="Trebuchet MS"/>
+                <a:cs typeface="Trebuchet MS"/>
               </a:rPr>
               <a:t>update</a:t>
             </a:r>
             <a:r>
-              <a:rPr sz="1200" spc="-5" dirty="0">
-                <a:solidFill>
-                  <a:srgbClr val="404040"/>
-                </a:solidFill>
-                <a:latin typeface="Trebuchet MS" panose="020B0603020202020204"/>
-                <a:cs typeface="Trebuchet MS" panose="020B0603020202020204"/>
-              </a:rPr>
-              <a:t> </a:t>
-            </a:r>
-            <a:r>
-              <a:rPr sz="1200" spc="-10" dirty="0">
-                <a:solidFill>
-                  <a:srgbClr val="404040"/>
-                </a:solidFill>
-                <a:latin typeface="Trebuchet MS" panose="020B0603020202020204"/>
-                <a:cs typeface="Trebuchet MS" panose="020B0603020202020204"/>
+              <a:rPr dirty="0" sz="1200" spc="-5">
+                <a:solidFill>
+                  <a:srgbClr val="404040"/>
+                </a:solidFill>
+                <a:latin typeface="Trebuchet MS"/>
+                <a:cs typeface="Trebuchet MS"/>
+              </a:rPr>
+              <a:t> </a:t>
+            </a:r>
+            <a:r>
+              <a:rPr dirty="0" sz="1200" spc="-10">
+                <a:solidFill>
+                  <a:srgbClr val="404040"/>
+                </a:solidFill>
+                <a:latin typeface="Trebuchet MS"/>
+                <a:cs typeface="Trebuchet MS"/>
               </a:rPr>
               <a:t>score.</a:t>
             </a:r>
             <a:endParaRPr sz="1200">
-              <a:latin typeface="Trebuchet MS" panose="020B0603020202020204"/>
-              <a:cs typeface="Trebuchet MS" panose="020B0603020202020204"/>
+              <a:latin typeface="Trebuchet MS"/>
+              <a:cs typeface="Trebuchet MS"/>
             </a:endParaRPr>
           </a:p>
           <a:p>
@@ -5982,8 +5945,8 @@
               </a:spcBef>
             </a:pPr>
             <a:endParaRPr sz="1200">
-              <a:latin typeface="Trebuchet MS" panose="020B0603020202020204"/>
-              <a:cs typeface="Trebuchet MS" panose="020B0603020202020204"/>
+              <a:latin typeface="Trebuchet MS"/>
+              <a:cs typeface="Trebuchet MS"/>
             </a:endParaRPr>
           </a:p>
           <a:p>
@@ -5996,7 +5959,7 @@
               </a:spcBef>
             </a:pPr>
             <a:r>
-              <a:rPr sz="1200" b="1" spc="-60" dirty="0">
+              <a:rPr dirty="0" sz="1200" spc="-60" b="1">
                 <a:solidFill>
                   <a:srgbClr val="404040"/>
                 </a:solidFill>
@@ -6006,17 +5969,17 @@
               <a:t>Key</a:t>
             </a:r>
             <a:r>
-              <a:rPr sz="1200" b="1" spc="-30" dirty="0">
-                <a:solidFill>
-                  <a:srgbClr val="404040"/>
-                </a:solidFill>
-                <a:latin typeface="Gill Sans MT"/>
-                <a:cs typeface="Gill Sans MT"/>
-              </a:rPr>
-              <a:t> </a:t>
-            </a:r>
-            <a:r>
-              <a:rPr sz="1200" b="1" spc="-10" dirty="0">
+              <a:rPr dirty="0" sz="1200" spc="-30" b="1">
+                <a:solidFill>
+                  <a:srgbClr val="404040"/>
+                </a:solidFill>
+                <a:latin typeface="Gill Sans MT"/>
+                <a:cs typeface="Gill Sans MT"/>
+              </a:rPr>
+              <a:t> </a:t>
+            </a:r>
+            <a:r>
+              <a:rPr dirty="0" sz="1200" spc="-10" b="1">
                 <a:solidFill>
                   <a:srgbClr val="404040"/>
                 </a:solidFill>
@@ -6031,21 +5994,21 @@
             </a:endParaRPr>
           </a:p>
           <a:p>
-            <a:pPr marL="926465" lvl="1" indent="-227965">
+            <a:pPr lvl="1" marL="926465" indent="-227965">
               <a:lnSpc>
                 <a:spcPct val="100000"/>
               </a:lnSpc>
               <a:spcBef>
                 <a:spcPts val="815"/>
               </a:spcBef>
-              <a:buFont typeface="Arial" panose="020B0604020202020204"/>
+              <a:buFont typeface="Arial"/>
               <a:buChar char="○"/>
               <a:tabLst>
                 <a:tab pos="926465" algn="l"/>
               </a:tabLst>
             </a:pPr>
             <a:r>
-              <a:rPr sz="1200" b="1" spc="-35" dirty="0">
+              <a:rPr dirty="0" sz="1200" spc="-35" b="1">
                 <a:solidFill>
                   <a:srgbClr val="404040"/>
                 </a:solidFill>
@@ -6055,7 +6018,7 @@
               <a:t>Conﬂict-</a:t>
             </a:r>
             <a:r>
-              <a:rPr sz="1200" b="1" spc="-10" dirty="0">
+              <a:rPr dirty="0" sz="1200" spc="-10" b="1">
                 <a:solidFill>
                   <a:srgbClr val="404040"/>
                 </a:solidFill>
@@ -6065,17 +6028,17 @@
               <a:t>free</a:t>
             </a:r>
             <a:r>
-              <a:rPr sz="1200" b="1" spc="10" dirty="0">
-                <a:solidFill>
-                  <a:srgbClr val="404040"/>
-                </a:solidFill>
-                <a:latin typeface="Gill Sans MT"/>
-                <a:cs typeface="Gill Sans MT"/>
-              </a:rPr>
-              <a:t> </a:t>
-            </a:r>
-            <a:r>
-              <a:rPr sz="1200" b="1" spc="-10" dirty="0">
+              <a:rPr dirty="0" sz="1200" spc="10" b="1">
+                <a:solidFill>
+                  <a:srgbClr val="404040"/>
+                </a:solidFill>
+                <a:latin typeface="Gill Sans MT"/>
+                <a:cs typeface="Gill Sans MT"/>
+              </a:rPr>
+              <a:t> </a:t>
+            </a:r>
+            <a:r>
+              <a:rPr dirty="0" sz="1200" spc="-10" b="1">
                 <a:solidFill>
                   <a:srgbClr val="404040"/>
                 </a:solidFill>
@@ -6085,17 +6048,17 @@
               <a:t>food</a:t>
             </a:r>
             <a:r>
-              <a:rPr sz="1200" b="1" spc="15" dirty="0">
-                <a:solidFill>
-                  <a:srgbClr val="404040"/>
-                </a:solidFill>
-                <a:latin typeface="Gill Sans MT"/>
-                <a:cs typeface="Gill Sans MT"/>
-              </a:rPr>
-              <a:t> </a:t>
-            </a:r>
-            <a:r>
-              <a:rPr sz="1200" b="1" dirty="0">
+              <a:rPr dirty="0" sz="1200" spc="15" b="1">
+                <a:solidFill>
+                  <a:srgbClr val="404040"/>
+                </a:solidFill>
+                <a:latin typeface="Gill Sans MT"/>
+                <a:cs typeface="Gill Sans MT"/>
+              </a:rPr>
+              <a:t> </a:t>
+            </a:r>
+            <a:r>
+              <a:rPr dirty="0" sz="1200" b="1">
                 <a:solidFill>
                   <a:srgbClr val="404040"/>
                 </a:solidFill>
@@ -6105,76 +6068,76 @@
               <a:t>spawning</a:t>
             </a:r>
             <a:r>
-              <a:rPr sz="1200" b="1" spc="15" dirty="0">
-                <a:solidFill>
-                  <a:srgbClr val="404040"/>
-                </a:solidFill>
-                <a:latin typeface="Gill Sans MT"/>
-                <a:cs typeface="Gill Sans MT"/>
-              </a:rPr>
-              <a:t> </a:t>
-            </a:r>
-            <a:r>
-              <a:rPr sz="1200" dirty="0">
-                <a:solidFill>
-                  <a:srgbClr val="404040"/>
-                </a:solidFill>
-                <a:latin typeface="Trebuchet MS" panose="020B0603020202020204"/>
-                <a:cs typeface="Trebuchet MS" panose="020B0603020202020204"/>
+              <a:rPr dirty="0" sz="1200" spc="15" b="1">
+                <a:solidFill>
+                  <a:srgbClr val="404040"/>
+                </a:solidFill>
+                <a:latin typeface="Gill Sans MT"/>
+                <a:cs typeface="Gill Sans MT"/>
+              </a:rPr>
+              <a:t> </a:t>
+            </a:r>
+            <a:r>
+              <a:rPr dirty="0" sz="1200">
+                <a:solidFill>
+                  <a:srgbClr val="404040"/>
+                </a:solidFill>
+                <a:latin typeface="Trebuchet MS"/>
+                <a:cs typeface="Trebuchet MS"/>
               </a:rPr>
               <a:t>(avoids</a:t>
             </a:r>
             <a:r>
-              <a:rPr sz="1200" spc="-15" dirty="0">
-                <a:solidFill>
-                  <a:srgbClr val="404040"/>
-                </a:solidFill>
-                <a:latin typeface="Trebuchet MS" panose="020B0603020202020204"/>
-                <a:cs typeface="Trebuchet MS" panose="020B0603020202020204"/>
-              </a:rPr>
-              <a:t> </a:t>
-            </a:r>
-            <a:r>
-              <a:rPr sz="1200" dirty="0">
-                <a:solidFill>
-                  <a:srgbClr val="404040"/>
-                </a:solidFill>
-                <a:latin typeface="Trebuchet MS" panose="020B0603020202020204"/>
-                <a:cs typeface="Trebuchet MS" panose="020B0603020202020204"/>
+              <a:rPr dirty="0" sz="1200" spc="-15">
+                <a:solidFill>
+                  <a:srgbClr val="404040"/>
+                </a:solidFill>
+                <a:latin typeface="Trebuchet MS"/>
+                <a:cs typeface="Trebuchet MS"/>
+              </a:rPr>
+              <a:t> </a:t>
+            </a:r>
+            <a:r>
+              <a:rPr dirty="0" sz="1200">
+                <a:solidFill>
+                  <a:srgbClr val="404040"/>
+                </a:solidFill>
+                <a:latin typeface="Trebuchet MS"/>
+                <a:cs typeface="Trebuchet MS"/>
               </a:rPr>
               <a:t>snake</a:t>
             </a:r>
             <a:r>
-              <a:rPr sz="1200" spc="-10" dirty="0">
-                <a:solidFill>
-                  <a:srgbClr val="404040"/>
-                </a:solidFill>
-                <a:latin typeface="Trebuchet MS" panose="020B0603020202020204"/>
-                <a:cs typeface="Trebuchet MS" panose="020B0603020202020204"/>
+              <a:rPr dirty="0" sz="1200" spc="-10">
+                <a:solidFill>
+                  <a:srgbClr val="404040"/>
+                </a:solidFill>
+                <a:latin typeface="Trebuchet MS"/>
+                <a:cs typeface="Trebuchet MS"/>
               </a:rPr>
               <a:t> body)</a:t>
             </a:r>
             <a:endParaRPr sz="1200">
-              <a:latin typeface="Trebuchet MS" panose="020B0603020202020204"/>
-              <a:cs typeface="Trebuchet MS" panose="020B0603020202020204"/>
+              <a:latin typeface="Trebuchet MS"/>
+              <a:cs typeface="Trebuchet MS"/>
             </a:endParaRPr>
           </a:p>
           <a:p>
-            <a:pPr marL="926465" lvl="1" indent="-227965">
+            <a:pPr lvl="1" marL="926465" indent="-227965">
               <a:lnSpc>
                 <a:spcPct val="100000"/>
               </a:lnSpc>
               <a:spcBef>
                 <a:spcPts val="215"/>
               </a:spcBef>
-              <a:buFont typeface="Arial" panose="020B0604020202020204"/>
+              <a:buFont typeface="Arial"/>
               <a:buChar char="○"/>
               <a:tabLst>
                 <a:tab pos="926465" algn="l"/>
               </a:tabLst>
             </a:pPr>
             <a:r>
-              <a:rPr sz="1200" b="1" spc="-25" dirty="0">
+              <a:rPr dirty="0" sz="1200" spc="-25" b="1">
                 <a:solidFill>
                   <a:srgbClr val="404040"/>
                 </a:solidFill>
@@ -6184,17 +6147,17 @@
               <a:t>Score</a:t>
             </a:r>
             <a:r>
-              <a:rPr sz="1200" b="1" spc="10" dirty="0">
-                <a:solidFill>
-                  <a:srgbClr val="404040"/>
-                </a:solidFill>
-                <a:latin typeface="Gill Sans MT"/>
-                <a:cs typeface="Gill Sans MT"/>
-              </a:rPr>
-              <a:t> </a:t>
-            </a:r>
-            <a:r>
-              <a:rPr sz="1200" b="1" spc="-45" dirty="0">
+              <a:rPr dirty="0" sz="1200" spc="10" b="1">
+                <a:solidFill>
+                  <a:srgbClr val="404040"/>
+                </a:solidFill>
+                <a:latin typeface="Gill Sans MT"/>
+                <a:cs typeface="Gill Sans MT"/>
+              </a:rPr>
+              <a:t> </a:t>
+            </a:r>
+            <a:r>
+              <a:rPr dirty="0" sz="1200" spc="-45" b="1">
                 <a:solidFill>
                   <a:srgbClr val="404040"/>
                 </a:solidFill>
@@ -6204,95 +6167,95 @@
               <a:t>increment</a:t>
             </a:r>
             <a:r>
-              <a:rPr sz="1200" b="1" spc="15" dirty="0">
-                <a:solidFill>
-                  <a:srgbClr val="404040"/>
-                </a:solidFill>
-                <a:latin typeface="Gill Sans MT"/>
-                <a:cs typeface="Gill Sans MT"/>
-              </a:rPr>
-              <a:t> </a:t>
-            </a:r>
-            <a:r>
-              <a:rPr sz="1200" dirty="0">
-                <a:solidFill>
-                  <a:srgbClr val="404040"/>
-                </a:solidFill>
-                <a:latin typeface="Trebuchet MS" panose="020B0603020202020204"/>
-                <a:cs typeface="Trebuchet MS" panose="020B0603020202020204"/>
+              <a:rPr dirty="0" sz="1200" spc="15" b="1">
+                <a:solidFill>
+                  <a:srgbClr val="404040"/>
+                </a:solidFill>
+                <a:latin typeface="Gill Sans MT"/>
+                <a:cs typeface="Gill Sans MT"/>
+              </a:rPr>
+              <a:t> </a:t>
+            </a:r>
+            <a:r>
+              <a:rPr dirty="0" sz="1200">
+                <a:solidFill>
+                  <a:srgbClr val="404040"/>
+                </a:solidFill>
+                <a:latin typeface="Trebuchet MS"/>
+                <a:cs typeface="Trebuchet MS"/>
               </a:rPr>
               <a:t>system</a:t>
             </a:r>
             <a:r>
-              <a:rPr sz="1200" spc="-10" dirty="0">
-                <a:solidFill>
-                  <a:srgbClr val="404040"/>
-                </a:solidFill>
-                <a:latin typeface="Trebuchet MS" panose="020B0603020202020204"/>
-                <a:cs typeface="Trebuchet MS" panose="020B0603020202020204"/>
-              </a:rPr>
-              <a:t> </a:t>
-            </a:r>
-            <a:r>
-              <a:rPr sz="1200" spc="-30" dirty="0">
-                <a:solidFill>
-                  <a:srgbClr val="404040"/>
-                </a:solidFill>
-                <a:latin typeface="Trebuchet MS" panose="020B0603020202020204"/>
-                <a:cs typeface="Trebuchet MS" panose="020B0603020202020204"/>
+              <a:rPr dirty="0" sz="1200" spc="-10">
+                <a:solidFill>
+                  <a:srgbClr val="404040"/>
+                </a:solidFill>
+                <a:latin typeface="Trebuchet MS"/>
+                <a:cs typeface="Trebuchet MS"/>
+              </a:rPr>
+              <a:t> </a:t>
+            </a:r>
+            <a:r>
+              <a:rPr dirty="0" sz="1200" spc="-30">
+                <a:solidFill>
+                  <a:srgbClr val="404040"/>
+                </a:solidFill>
+                <a:latin typeface="Trebuchet MS"/>
+                <a:cs typeface="Trebuchet MS"/>
               </a:rPr>
               <a:t>with</a:t>
             </a:r>
             <a:r>
-              <a:rPr sz="1200" spc="-10" dirty="0">
-                <a:solidFill>
-                  <a:srgbClr val="404040"/>
-                </a:solidFill>
-                <a:latin typeface="Trebuchet MS" panose="020B0603020202020204"/>
-                <a:cs typeface="Trebuchet MS" panose="020B0603020202020204"/>
-              </a:rPr>
-              <a:t> </a:t>
-            </a:r>
-            <a:r>
-              <a:rPr sz="1200" dirty="0">
-                <a:solidFill>
-                  <a:srgbClr val="404040"/>
-                </a:solidFill>
-                <a:latin typeface="Trebuchet MS" panose="020B0603020202020204"/>
-                <a:cs typeface="Trebuchet MS" panose="020B0603020202020204"/>
+              <a:rPr dirty="0" sz="1200" spc="-10">
+                <a:solidFill>
+                  <a:srgbClr val="404040"/>
+                </a:solidFill>
+                <a:latin typeface="Trebuchet MS"/>
+                <a:cs typeface="Trebuchet MS"/>
+              </a:rPr>
+              <a:t> </a:t>
+            </a:r>
+            <a:r>
+              <a:rPr dirty="0" sz="1200">
+                <a:solidFill>
+                  <a:srgbClr val="404040"/>
+                </a:solidFill>
+                <a:latin typeface="Trebuchet MS"/>
+                <a:cs typeface="Trebuchet MS"/>
               </a:rPr>
               <a:t>simple</a:t>
             </a:r>
             <a:r>
-              <a:rPr sz="1200" spc="-15" dirty="0">
-                <a:solidFill>
-                  <a:srgbClr val="404040"/>
-                </a:solidFill>
-                <a:latin typeface="Trebuchet MS" panose="020B0603020202020204"/>
-                <a:cs typeface="Trebuchet MS" panose="020B0603020202020204"/>
-              </a:rPr>
-              <a:t> </a:t>
-            </a:r>
-            <a:r>
-              <a:rPr sz="1200" spc="-25" dirty="0">
-                <a:solidFill>
-                  <a:srgbClr val="404040"/>
-                </a:solidFill>
-                <a:latin typeface="Trebuchet MS" panose="020B0603020202020204"/>
-                <a:cs typeface="Trebuchet MS" panose="020B0603020202020204"/>
+              <a:rPr dirty="0" sz="1200" spc="-15">
+                <a:solidFill>
+                  <a:srgbClr val="404040"/>
+                </a:solidFill>
+                <a:latin typeface="Trebuchet MS"/>
+                <a:cs typeface="Trebuchet MS"/>
+              </a:rPr>
+              <a:t> </a:t>
+            </a:r>
+            <a:r>
+              <a:rPr dirty="0" sz="1200" spc="-25">
+                <a:solidFill>
+                  <a:srgbClr val="404040"/>
+                </a:solidFill>
+                <a:latin typeface="Trebuchet MS"/>
+                <a:cs typeface="Trebuchet MS"/>
               </a:rPr>
               <a:t>API</a:t>
             </a:r>
             <a:endParaRPr sz="1200">
-              <a:latin typeface="Trebuchet MS" panose="020B0603020202020204"/>
-              <a:cs typeface="Trebuchet MS" panose="020B0603020202020204"/>
+              <a:latin typeface="Trebuchet MS"/>
+              <a:cs typeface="Trebuchet MS"/>
             </a:endParaRPr>
           </a:p>
         </p:txBody>
       </p:sp>
       <p:sp>
         <p:nvSpPr>
-          <p:cNvPr id="5" name="object 5"/>
+          <p:cNvPr id="5" name="object 5" descr=""/>
           <p:cNvSpPr/>
           <p:nvPr/>
         </p:nvSpPr>
@@ -6308,7 +6271,7 @@
             <a:cxnLst/>
             <a:rect l="l" t="t" r="r" b="b"/>
             <a:pathLst>
-              <a:path w="6781800">
+              <a:path w="6781800" h="0">
                 <a:moveTo>
                   <a:pt x="0" y="0"/>
                 </a:moveTo>
@@ -6616,10 +6579,7 @@
       </a:bgFillStyleLst>
     </a:fmtScheme>
   </a:themeElements>
-  <a:extLst>
-    <a:ext uri="{05A4C25C-085E-4340-85A3-A5531E510DB2}">
-      <thm15:themeFamily xmlns:thm15="http://schemas.microsoft.com/office/thememl/2012/main" name="Office Theme" id="{62F939B6-93AF-4DB8-9C6B-D6C7DFDC589F}" vid="{4A3C46E8-61CC-4603-A589-7422A47A8E4A}"/>
-    </a:ext>
-  </a:extLst>
+  <a:objectDefaults/>
+  <a:extraClrSchemeLst/>
 </a:theme>
 </file>